--- a/8.2 Basic Probability (Part 2-STA201).pptx
+++ b/8.2 Basic Probability (Part 2-STA201).pptx
@@ -39,8 +39,9 @@
     <p:sldId id="434" r:id="rId33"/>
     <p:sldId id="431" r:id="rId34"/>
     <p:sldId id="432" r:id="rId35"/>
-    <p:sldId id="405" r:id="rId36"/>
-    <p:sldId id="363" r:id="rId37"/>
+    <p:sldId id="463" r:id="rId36"/>
+    <p:sldId id="405" r:id="rId37"/>
+    <p:sldId id="363" r:id="rId38"/>
   </p:sldIdLst>
   <p:sldSz cx="14630400" cy="8229600"/>
   <p:notesSz cx="6858000" cy="9144000"/>
@@ -550,7 +551,7 @@
           <a:p>
             <a:fld id="{97B34786-0A07-4281-A7C3-7630DD8912B6}" type="datetimeFigureOut">
               <a:rPr lang="en-US" smtClean="0"/>
-              <a:t>9/2/2024</a:t>
+              <a:t>4/6/2025</a:t>
             </a:fld>
             <a:endParaRPr lang="en-US"/>
           </a:p>
@@ -729,7 +730,7 @@
           <a:p>
             <a:fld id="{97B34786-0A07-4281-A7C3-7630DD8912B6}" type="datetimeFigureOut">
               <a:rPr lang="en-US" smtClean="0"/>
-              <a:t>9/2/2024</a:t>
+              <a:t>4/6/2025</a:t>
             </a:fld>
             <a:endParaRPr lang="en-US"/>
           </a:p>
@@ -909,7 +910,7 @@
           <a:p>
             <a:fld id="{97B34786-0A07-4281-A7C3-7630DD8912B6}" type="datetimeFigureOut">
               <a:rPr lang="en-US" smtClean="0"/>
-              <a:t>9/2/2024</a:t>
+              <a:t>4/6/2025</a:t>
             </a:fld>
             <a:endParaRPr lang="en-US"/>
           </a:p>
@@ -1084,7 +1085,7 @@
           <a:p>
             <a:fld id="{97B34786-0A07-4281-A7C3-7630DD8912B6}" type="datetimeFigureOut">
               <a:rPr lang="en-US" smtClean="0"/>
-              <a:t>9/2/2024</a:t>
+              <a:t>4/6/2025</a:t>
             </a:fld>
             <a:endParaRPr lang="en-US"/>
           </a:p>
@@ -1254,7 +1255,7 @@
           <a:p>
             <a:fld id="{97B34786-0A07-4281-A7C3-7630DD8912B6}" type="datetimeFigureOut">
               <a:rPr lang="en-US" smtClean="0"/>
-              <a:t>9/2/2024</a:t>
+              <a:t>4/6/2025</a:t>
             </a:fld>
             <a:endParaRPr lang="en-US"/>
           </a:p>
@@ -1567,7 +1568,7 @@
           <a:p>
             <a:fld id="{97B34786-0A07-4281-A7C3-7630DD8912B6}" type="datetimeFigureOut">
               <a:rPr lang="en-US" smtClean="0"/>
-              <a:t>9/2/2024</a:t>
+              <a:t>4/6/2025</a:t>
             </a:fld>
             <a:endParaRPr lang="en-US"/>
           </a:p>
@@ -1953,7 +1954,7 @@
           <a:p>
             <a:fld id="{97B34786-0A07-4281-A7C3-7630DD8912B6}" type="datetimeFigureOut">
               <a:rPr lang="en-US" smtClean="0"/>
-              <a:t>9/2/2024</a:t>
+              <a:t>4/6/2025</a:t>
             </a:fld>
             <a:endParaRPr lang="en-US"/>
           </a:p>
@@ -2387,7 +2388,7 @@
           <a:p>
             <a:fld id="{97B34786-0A07-4281-A7C3-7630DD8912B6}" type="datetimeFigureOut">
               <a:rPr lang="en-US" smtClean="0"/>
-              <a:t>9/2/2024</a:t>
+              <a:t>4/6/2025</a:t>
             </a:fld>
             <a:endParaRPr lang="en-US"/>
           </a:p>
@@ -2505,7 +2506,7 @@
           <a:p>
             <a:fld id="{97B34786-0A07-4281-A7C3-7630DD8912B6}" type="datetimeFigureOut">
               <a:rPr lang="en-US" smtClean="0"/>
-              <a:t>9/2/2024</a:t>
+              <a:t>4/6/2025</a:t>
             </a:fld>
             <a:endParaRPr lang="en-US"/>
           </a:p>
@@ -2600,7 +2601,7 @@
           <a:p>
             <a:fld id="{97B34786-0A07-4281-A7C3-7630DD8912B6}" type="datetimeFigureOut">
               <a:rPr lang="en-US" smtClean="0"/>
-              <a:t>9/2/2024</a:t>
+              <a:t>4/6/2025</a:t>
             </a:fld>
             <a:endParaRPr lang="en-US"/>
           </a:p>
@@ -2950,7 +2951,7 @@
           <a:p>
             <a:fld id="{97B34786-0A07-4281-A7C3-7630DD8912B6}" type="datetimeFigureOut">
               <a:rPr lang="en-US" smtClean="0"/>
-              <a:t>9/2/2024</a:t>
+              <a:t>4/6/2025</a:t>
             </a:fld>
             <a:endParaRPr lang="en-US"/>
           </a:p>
@@ -3375,7 +3376,7 @@
           <a:p>
             <a:fld id="{97B34786-0A07-4281-A7C3-7630DD8912B6}" type="datetimeFigureOut">
               <a:rPr lang="en-US" smtClean="0"/>
-              <a:t>9/2/2024</a:t>
+              <a:t>4/6/2025</a:t>
             </a:fld>
             <a:endParaRPr lang="en-US"/>
           </a:p>
@@ -3656,7 +3657,7 @@
           <a:p>
             <a:fld id="{97B34786-0A07-4281-A7C3-7630DD8912B6}" type="datetimeFigureOut">
               <a:rPr lang="en-US" smtClean="0"/>
-              <a:t>9/2/2024</a:t>
+              <a:t>4/6/2025</a:t>
             </a:fld>
             <a:endParaRPr lang="en-US"/>
           </a:p>
@@ -8101,8 +8102,8 @@
           </a:p>
         </p:txBody>
       </p:sp>
-      <mc:AlternateContent xmlns:mc="http://schemas.openxmlformats.org/markup-compatibility/2006">
-        <mc:Choice xmlns:a14="http://schemas.microsoft.com/office/drawing/2010/main" Requires="a14">
+      <mc:AlternateContent xmlns:mc="http://schemas.openxmlformats.org/markup-compatibility/2006" xmlns:a14="http://schemas.microsoft.com/office/drawing/2010/main">
+        <mc:Choice Requires="a14">
           <p:sp>
             <p:nvSpPr>
               <p:cNvPr id="3" name="Content Placeholder 2">
@@ -8311,7 +8312,7 @@
             </p:txBody>
           </p:sp>
         </mc:Choice>
-        <mc:Fallback>
+        <mc:Fallback xmlns="">
           <p:sp>
             <p:nvSpPr>
               <p:cNvPr id="3" name="Content Placeholder 2">
@@ -34328,6 +34329,5810 @@
   <p:cSld>
     <p:spTree>
       <p:nvGrpSpPr>
+        <p:cNvPr id="1" name="">
+          <a:extLst>
+            <a:ext uri="{FF2B5EF4-FFF2-40B4-BE49-F238E27FC236}">
+              <a16:creationId xmlns:a16="http://schemas.microsoft.com/office/drawing/2014/main" id="{14744A8C-D693-D453-C8B9-9E5D68FE9A16}"/>
+            </a:ext>
+          </a:extLst>
+        </p:cNvPr>
+        <p:cNvGrpSpPr/>
+        <p:nvPr/>
+      </p:nvGrpSpPr>
+      <p:grpSpPr>
+        <a:xfrm>
+          <a:off x="0" y="0"/>
+          <a:ext cx="0" cy="0"/>
+          <a:chOff x="0" y="0"/>
+          <a:chExt cx="0" cy="0"/>
+        </a:xfrm>
+      </p:grpSpPr>
+      <p:sp>
+        <p:nvSpPr>
+          <p:cNvPr id="2" name="Title 1">
+            <a:extLst>
+              <a:ext uri="{FF2B5EF4-FFF2-40B4-BE49-F238E27FC236}">
+                <a16:creationId xmlns:a16="http://schemas.microsoft.com/office/drawing/2014/main" id="{BA8CEDF4-B9FC-73AB-17C4-E55064BFB8E0}"/>
+              </a:ext>
+            </a:extLst>
+          </p:cNvPr>
+          <p:cNvSpPr>
+            <a:spLocks noGrp="1"/>
+          </p:cNvSpPr>
+          <p:nvPr>
+            <p:ph type="title"/>
+          </p:nvPr>
+        </p:nvSpPr>
+        <p:spPr>
+          <a:xfrm>
+            <a:off x="1283818" y="97470"/>
+            <a:ext cx="12070080" cy="1931213"/>
+          </a:xfrm>
+        </p:spPr>
+        <p:txBody>
+          <a:bodyPr/>
+          <a:lstStyle/>
+          <a:p>
+            <a:r>
+              <a:rPr lang="en-US" dirty="0"/>
+              <a:t>Some Notations</a:t>
+            </a:r>
+          </a:p>
+        </p:txBody>
+      </p:sp>
+      <mc:AlternateContent xmlns:mc="http://schemas.openxmlformats.org/markup-compatibility/2006" xmlns:a14="http://schemas.microsoft.com/office/drawing/2010/main">
+        <mc:Choice Requires="a14">
+          <p:sp>
+            <p:nvSpPr>
+              <p:cNvPr id="4" name="TextBox 3">
+                <a:extLst>
+                  <a:ext uri="{FF2B5EF4-FFF2-40B4-BE49-F238E27FC236}">
+                    <a16:creationId xmlns:a16="http://schemas.microsoft.com/office/drawing/2014/main" id="{44E58D66-2318-04F0-7449-6C1E8A7906E6}"/>
+                  </a:ext>
+                </a:extLst>
+              </p:cNvPr>
+              <p:cNvSpPr txBox="1"/>
+              <p:nvPr/>
+            </p:nvSpPr>
+            <p:spPr>
+              <a:xfrm>
+                <a:off x="178528" y="1490668"/>
+                <a:ext cx="8587785" cy="2677656"/>
+              </a:xfrm>
+              <a:custGeom>
+                <a:avLst/>
+                <a:gdLst>
+                  <a:gd name="connsiteX0" fmla="*/ 0 w 8587785"/>
+                  <a:gd name="connsiteY0" fmla="*/ 0 h 2677656"/>
+                  <a:gd name="connsiteX1" fmla="*/ 572519 w 8587785"/>
+                  <a:gd name="connsiteY1" fmla="*/ 0 h 2677656"/>
+                  <a:gd name="connsiteX2" fmla="*/ 1145038 w 8587785"/>
+                  <a:gd name="connsiteY2" fmla="*/ 0 h 2677656"/>
+                  <a:gd name="connsiteX3" fmla="*/ 1459923 w 8587785"/>
+                  <a:gd name="connsiteY3" fmla="*/ 0 h 2677656"/>
+                  <a:gd name="connsiteX4" fmla="*/ 2032442 w 8587785"/>
+                  <a:gd name="connsiteY4" fmla="*/ 0 h 2677656"/>
+                  <a:gd name="connsiteX5" fmla="*/ 2776717 w 8587785"/>
+                  <a:gd name="connsiteY5" fmla="*/ 0 h 2677656"/>
+                  <a:gd name="connsiteX6" fmla="*/ 3263358 w 8587785"/>
+                  <a:gd name="connsiteY6" fmla="*/ 0 h 2677656"/>
+                  <a:gd name="connsiteX7" fmla="*/ 3749999 w 8587785"/>
+                  <a:gd name="connsiteY7" fmla="*/ 0 h 2677656"/>
+                  <a:gd name="connsiteX8" fmla="*/ 4322518 w 8587785"/>
+                  <a:gd name="connsiteY8" fmla="*/ 0 h 2677656"/>
+                  <a:gd name="connsiteX9" fmla="*/ 4980915 w 8587785"/>
+                  <a:gd name="connsiteY9" fmla="*/ 0 h 2677656"/>
+                  <a:gd name="connsiteX10" fmla="*/ 5639312 w 8587785"/>
+                  <a:gd name="connsiteY10" fmla="*/ 0 h 2677656"/>
+                  <a:gd name="connsiteX11" fmla="*/ 6297709 w 8587785"/>
+                  <a:gd name="connsiteY11" fmla="*/ 0 h 2677656"/>
+                  <a:gd name="connsiteX12" fmla="*/ 7041984 w 8587785"/>
+                  <a:gd name="connsiteY12" fmla="*/ 0 h 2677656"/>
+                  <a:gd name="connsiteX13" fmla="*/ 7614503 w 8587785"/>
+                  <a:gd name="connsiteY13" fmla="*/ 0 h 2677656"/>
+                  <a:gd name="connsiteX14" fmla="*/ 8587785 w 8587785"/>
+                  <a:gd name="connsiteY14" fmla="*/ 0 h 2677656"/>
+                  <a:gd name="connsiteX15" fmla="*/ 8587785 w 8587785"/>
+                  <a:gd name="connsiteY15" fmla="*/ 535531 h 2677656"/>
+                  <a:gd name="connsiteX16" fmla="*/ 8587785 w 8587785"/>
+                  <a:gd name="connsiteY16" fmla="*/ 1124616 h 2677656"/>
+                  <a:gd name="connsiteX17" fmla="*/ 8587785 w 8587785"/>
+                  <a:gd name="connsiteY17" fmla="*/ 1686923 h 2677656"/>
+                  <a:gd name="connsiteX18" fmla="*/ 8587785 w 8587785"/>
+                  <a:gd name="connsiteY18" fmla="*/ 2677656 h 2677656"/>
+                  <a:gd name="connsiteX19" fmla="*/ 7929388 w 8587785"/>
+                  <a:gd name="connsiteY19" fmla="*/ 2677656 h 2677656"/>
+                  <a:gd name="connsiteX20" fmla="*/ 7442747 w 8587785"/>
+                  <a:gd name="connsiteY20" fmla="*/ 2677656 h 2677656"/>
+                  <a:gd name="connsiteX21" fmla="*/ 6956106 w 8587785"/>
+                  <a:gd name="connsiteY21" fmla="*/ 2677656 h 2677656"/>
+                  <a:gd name="connsiteX22" fmla="*/ 6297709 w 8587785"/>
+                  <a:gd name="connsiteY22" fmla="*/ 2677656 h 2677656"/>
+                  <a:gd name="connsiteX23" fmla="*/ 5725190 w 8587785"/>
+                  <a:gd name="connsiteY23" fmla="*/ 2677656 h 2677656"/>
+                  <a:gd name="connsiteX24" fmla="*/ 5410305 w 8587785"/>
+                  <a:gd name="connsiteY24" fmla="*/ 2677656 h 2677656"/>
+                  <a:gd name="connsiteX25" fmla="*/ 4923663 w 8587785"/>
+                  <a:gd name="connsiteY25" fmla="*/ 2677656 h 2677656"/>
+                  <a:gd name="connsiteX26" fmla="*/ 4265267 w 8587785"/>
+                  <a:gd name="connsiteY26" fmla="*/ 2677656 h 2677656"/>
+                  <a:gd name="connsiteX27" fmla="*/ 3864503 w 8587785"/>
+                  <a:gd name="connsiteY27" fmla="*/ 2677656 h 2677656"/>
+                  <a:gd name="connsiteX28" fmla="*/ 3120229 w 8587785"/>
+                  <a:gd name="connsiteY28" fmla="*/ 2677656 h 2677656"/>
+                  <a:gd name="connsiteX29" fmla="*/ 2375954 w 8587785"/>
+                  <a:gd name="connsiteY29" fmla="*/ 2677656 h 2677656"/>
+                  <a:gd name="connsiteX30" fmla="*/ 1803435 w 8587785"/>
+                  <a:gd name="connsiteY30" fmla="*/ 2677656 h 2677656"/>
+                  <a:gd name="connsiteX31" fmla="*/ 1059160 w 8587785"/>
+                  <a:gd name="connsiteY31" fmla="*/ 2677656 h 2677656"/>
+                  <a:gd name="connsiteX32" fmla="*/ 486641 w 8587785"/>
+                  <a:gd name="connsiteY32" fmla="*/ 2677656 h 2677656"/>
+                  <a:gd name="connsiteX33" fmla="*/ 0 w 8587785"/>
+                  <a:gd name="connsiteY33" fmla="*/ 2677656 h 2677656"/>
+                  <a:gd name="connsiteX34" fmla="*/ 0 w 8587785"/>
+                  <a:gd name="connsiteY34" fmla="*/ 2222454 h 2677656"/>
+                  <a:gd name="connsiteX35" fmla="*/ 0 w 8587785"/>
+                  <a:gd name="connsiteY35" fmla="*/ 1740476 h 2677656"/>
+                  <a:gd name="connsiteX36" fmla="*/ 0 w 8587785"/>
+                  <a:gd name="connsiteY36" fmla="*/ 1258498 h 2677656"/>
+                  <a:gd name="connsiteX37" fmla="*/ 0 w 8587785"/>
+                  <a:gd name="connsiteY37" fmla="*/ 749744 h 2677656"/>
+                  <a:gd name="connsiteX38" fmla="*/ 0 w 8587785"/>
+                  <a:gd name="connsiteY38" fmla="*/ 0 h 2677656"/>
+                </a:gdLst>
+                <a:ahLst/>
+                <a:cxnLst>
+                  <a:cxn ang="0">
+                    <a:pos x="connsiteX0" y="connsiteY0"/>
+                  </a:cxn>
+                  <a:cxn ang="0">
+                    <a:pos x="connsiteX1" y="connsiteY1"/>
+                  </a:cxn>
+                  <a:cxn ang="0">
+                    <a:pos x="connsiteX2" y="connsiteY2"/>
+                  </a:cxn>
+                  <a:cxn ang="0">
+                    <a:pos x="connsiteX3" y="connsiteY3"/>
+                  </a:cxn>
+                  <a:cxn ang="0">
+                    <a:pos x="connsiteX4" y="connsiteY4"/>
+                  </a:cxn>
+                  <a:cxn ang="0">
+                    <a:pos x="connsiteX5" y="connsiteY5"/>
+                  </a:cxn>
+                  <a:cxn ang="0">
+                    <a:pos x="connsiteX6" y="connsiteY6"/>
+                  </a:cxn>
+                  <a:cxn ang="0">
+                    <a:pos x="connsiteX7" y="connsiteY7"/>
+                  </a:cxn>
+                  <a:cxn ang="0">
+                    <a:pos x="connsiteX8" y="connsiteY8"/>
+                  </a:cxn>
+                  <a:cxn ang="0">
+                    <a:pos x="connsiteX9" y="connsiteY9"/>
+                  </a:cxn>
+                  <a:cxn ang="0">
+                    <a:pos x="connsiteX10" y="connsiteY10"/>
+                  </a:cxn>
+                  <a:cxn ang="0">
+                    <a:pos x="connsiteX11" y="connsiteY11"/>
+                  </a:cxn>
+                  <a:cxn ang="0">
+                    <a:pos x="connsiteX12" y="connsiteY12"/>
+                  </a:cxn>
+                  <a:cxn ang="0">
+                    <a:pos x="connsiteX13" y="connsiteY13"/>
+                  </a:cxn>
+                  <a:cxn ang="0">
+                    <a:pos x="connsiteX14" y="connsiteY14"/>
+                  </a:cxn>
+                  <a:cxn ang="0">
+                    <a:pos x="connsiteX15" y="connsiteY15"/>
+                  </a:cxn>
+                  <a:cxn ang="0">
+                    <a:pos x="connsiteX16" y="connsiteY16"/>
+                  </a:cxn>
+                  <a:cxn ang="0">
+                    <a:pos x="connsiteX17" y="connsiteY17"/>
+                  </a:cxn>
+                  <a:cxn ang="0">
+                    <a:pos x="connsiteX18" y="connsiteY18"/>
+                  </a:cxn>
+                  <a:cxn ang="0">
+                    <a:pos x="connsiteX19" y="connsiteY19"/>
+                  </a:cxn>
+                  <a:cxn ang="0">
+                    <a:pos x="connsiteX20" y="connsiteY20"/>
+                  </a:cxn>
+                  <a:cxn ang="0">
+                    <a:pos x="connsiteX21" y="connsiteY21"/>
+                  </a:cxn>
+                  <a:cxn ang="0">
+                    <a:pos x="connsiteX22" y="connsiteY22"/>
+                  </a:cxn>
+                  <a:cxn ang="0">
+                    <a:pos x="connsiteX23" y="connsiteY23"/>
+                  </a:cxn>
+                  <a:cxn ang="0">
+                    <a:pos x="connsiteX24" y="connsiteY24"/>
+                  </a:cxn>
+                  <a:cxn ang="0">
+                    <a:pos x="connsiteX25" y="connsiteY25"/>
+                  </a:cxn>
+                  <a:cxn ang="0">
+                    <a:pos x="connsiteX26" y="connsiteY26"/>
+                  </a:cxn>
+                  <a:cxn ang="0">
+                    <a:pos x="connsiteX27" y="connsiteY27"/>
+                  </a:cxn>
+                  <a:cxn ang="0">
+                    <a:pos x="connsiteX28" y="connsiteY28"/>
+                  </a:cxn>
+                  <a:cxn ang="0">
+                    <a:pos x="connsiteX29" y="connsiteY29"/>
+                  </a:cxn>
+                  <a:cxn ang="0">
+                    <a:pos x="connsiteX30" y="connsiteY30"/>
+                  </a:cxn>
+                  <a:cxn ang="0">
+                    <a:pos x="connsiteX31" y="connsiteY31"/>
+                  </a:cxn>
+                  <a:cxn ang="0">
+                    <a:pos x="connsiteX32" y="connsiteY32"/>
+                  </a:cxn>
+                  <a:cxn ang="0">
+                    <a:pos x="connsiteX33" y="connsiteY33"/>
+                  </a:cxn>
+                  <a:cxn ang="0">
+                    <a:pos x="connsiteX34" y="connsiteY34"/>
+                  </a:cxn>
+                  <a:cxn ang="0">
+                    <a:pos x="connsiteX35" y="connsiteY35"/>
+                  </a:cxn>
+                  <a:cxn ang="0">
+                    <a:pos x="connsiteX36" y="connsiteY36"/>
+                  </a:cxn>
+                  <a:cxn ang="0">
+                    <a:pos x="connsiteX37" y="connsiteY37"/>
+                  </a:cxn>
+                  <a:cxn ang="0">
+                    <a:pos x="connsiteX38" y="connsiteY38"/>
+                  </a:cxn>
+                </a:cxnLst>
+                <a:rect l="l" t="t" r="r" b="b"/>
+                <a:pathLst>
+                  <a:path w="8587785" h="2677656" fill="none" extrusionOk="0">
+                    <a:moveTo>
+                      <a:pt x="0" y="0"/>
+                    </a:moveTo>
+                    <a:cubicBezTo>
+                      <a:pt x="146742" y="-57357"/>
+                      <a:pt x="429544" y="585"/>
+                      <a:pt x="572519" y="0"/>
+                    </a:cubicBezTo>
+                    <a:cubicBezTo>
+                      <a:pt x="715494" y="-585"/>
+                      <a:pt x="886422" y="59226"/>
+                      <a:pt x="1145038" y="0"/>
+                    </a:cubicBezTo>
+                    <a:cubicBezTo>
+                      <a:pt x="1403654" y="-59226"/>
+                      <a:pt x="1377481" y="19496"/>
+                      <a:pt x="1459923" y="0"/>
+                    </a:cubicBezTo>
+                    <a:cubicBezTo>
+                      <a:pt x="1542365" y="-19496"/>
+                      <a:pt x="1896706" y="50769"/>
+                      <a:pt x="2032442" y="0"/>
+                    </a:cubicBezTo>
+                    <a:cubicBezTo>
+                      <a:pt x="2168178" y="-50769"/>
+                      <a:pt x="2477930" y="35698"/>
+                      <a:pt x="2776717" y="0"/>
+                    </a:cubicBezTo>
+                    <a:cubicBezTo>
+                      <a:pt x="3075505" y="-35698"/>
+                      <a:pt x="3107771" y="4875"/>
+                      <a:pt x="3263358" y="0"/>
+                    </a:cubicBezTo>
+                    <a:cubicBezTo>
+                      <a:pt x="3418945" y="-4875"/>
+                      <a:pt x="3626406" y="18389"/>
+                      <a:pt x="3749999" y="0"/>
+                    </a:cubicBezTo>
+                    <a:cubicBezTo>
+                      <a:pt x="3873592" y="-18389"/>
+                      <a:pt x="4121854" y="50812"/>
+                      <a:pt x="4322518" y="0"/>
+                    </a:cubicBezTo>
+                    <a:cubicBezTo>
+                      <a:pt x="4523182" y="-50812"/>
+                      <a:pt x="4746621" y="74357"/>
+                      <a:pt x="4980915" y="0"/>
+                    </a:cubicBezTo>
+                    <a:cubicBezTo>
+                      <a:pt x="5215209" y="-74357"/>
+                      <a:pt x="5414810" y="56397"/>
+                      <a:pt x="5639312" y="0"/>
+                    </a:cubicBezTo>
+                    <a:cubicBezTo>
+                      <a:pt x="5863814" y="-56397"/>
+                      <a:pt x="5996425" y="23625"/>
+                      <a:pt x="6297709" y="0"/>
+                    </a:cubicBezTo>
+                    <a:cubicBezTo>
+                      <a:pt x="6598993" y="-23625"/>
+                      <a:pt x="6738358" y="3914"/>
+                      <a:pt x="7041984" y="0"/>
+                    </a:cubicBezTo>
+                    <a:cubicBezTo>
+                      <a:pt x="7345610" y="-3914"/>
+                      <a:pt x="7456607" y="22708"/>
+                      <a:pt x="7614503" y="0"/>
+                    </a:cubicBezTo>
+                    <a:cubicBezTo>
+                      <a:pt x="7772399" y="-22708"/>
+                      <a:pt x="8186964" y="26186"/>
+                      <a:pt x="8587785" y="0"/>
+                    </a:cubicBezTo>
+                    <a:cubicBezTo>
+                      <a:pt x="8633640" y="167304"/>
+                      <a:pt x="8549912" y="394889"/>
+                      <a:pt x="8587785" y="535531"/>
+                    </a:cubicBezTo>
+                    <a:cubicBezTo>
+                      <a:pt x="8625658" y="676173"/>
+                      <a:pt x="8529682" y="1003963"/>
+                      <a:pt x="8587785" y="1124616"/>
+                    </a:cubicBezTo>
+                    <a:cubicBezTo>
+                      <a:pt x="8645888" y="1245269"/>
+                      <a:pt x="8553229" y="1558089"/>
+                      <a:pt x="8587785" y="1686923"/>
+                    </a:cubicBezTo>
+                    <a:cubicBezTo>
+                      <a:pt x="8622341" y="1815757"/>
+                      <a:pt x="8517746" y="2194036"/>
+                      <a:pt x="8587785" y="2677656"/>
+                    </a:cubicBezTo>
+                    <a:cubicBezTo>
+                      <a:pt x="8336240" y="2723079"/>
+                      <a:pt x="8065681" y="2614206"/>
+                      <a:pt x="7929388" y="2677656"/>
+                    </a:cubicBezTo>
+                    <a:cubicBezTo>
+                      <a:pt x="7793095" y="2741106"/>
+                      <a:pt x="7542833" y="2667899"/>
+                      <a:pt x="7442747" y="2677656"/>
+                    </a:cubicBezTo>
+                    <a:cubicBezTo>
+                      <a:pt x="7342661" y="2687413"/>
+                      <a:pt x="7092002" y="2656207"/>
+                      <a:pt x="6956106" y="2677656"/>
+                    </a:cubicBezTo>
+                    <a:cubicBezTo>
+                      <a:pt x="6820210" y="2699105"/>
+                      <a:pt x="6503982" y="2618800"/>
+                      <a:pt x="6297709" y="2677656"/>
+                    </a:cubicBezTo>
+                    <a:cubicBezTo>
+                      <a:pt x="6091436" y="2736512"/>
+                      <a:pt x="5941896" y="2655267"/>
+                      <a:pt x="5725190" y="2677656"/>
+                    </a:cubicBezTo>
+                    <a:cubicBezTo>
+                      <a:pt x="5508484" y="2700045"/>
+                      <a:pt x="5486016" y="2667154"/>
+                      <a:pt x="5410305" y="2677656"/>
+                    </a:cubicBezTo>
+                    <a:cubicBezTo>
+                      <a:pt x="5334594" y="2688158"/>
+                      <a:pt x="5130125" y="2659254"/>
+                      <a:pt x="4923663" y="2677656"/>
+                    </a:cubicBezTo>
+                    <a:cubicBezTo>
+                      <a:pt x="4717201" y="2696058"/>
+                      <a:pt x="4406528" y="2675289"/>
+                      <a:pt x="4265267" y="2677656"/>
+                    </a:cubicBezTo>
+                    <a:cubicBezTo>
+                      <a:pt x="4124006" y="2680023"/>
+                      <a:pt x="4036317" y="2632801"/>
+                      <a:pt x="3864503" y="2677656"/>
+                    </a:cubicBezTo>
+                    <a:cubicBezTo>
+                      <a:pt x="3692689" y="2722511"/>
+                      <a:pt x="3286496" y="2658750"/>
+                      <a:pt x="3120229" y="2677656"/>
+                    </a:cubicBezTo>
+                    <a:cubicBezTo>
+                      <a:pt x="2953962" y="2696562"/>
+                      <a:pt x="2686620" y="2595702"/>
+                      <a:pt x="2375954" y="2677656"/>
+                    </a:cubicBezTo>
+                    <a:cubicBezTo>
+                      <a:pt x="2065288" y="2759610"/>
+                      <a:pt x="1922498" y="2656922"/>
+                      <a:pt x="1803435" y="2677656"/>
+                    </a:cubicBezTo>
+                    <a:cubicBezTo>
+                      <a:pt x="1684372" y="2698390"/>
+                      <a:pt x="1265596" y="2659332"/>
+                      <a:pt x="1059160" y="2677656"/>
+                    </a:cubicBezTo>
+                    <a:cubicBezTo>
+                      <a:pt x="852725" y="2695980"/>
+                      <a:pt x="674489" y="2671476"/>
+                      <a:pt x="486641" y="2677656"/>
+                    </a:cubicBezTo>
+                    <a:cubicBezTo>
+                      <a:pt x="298793" y="2683836"/>
+                      <a:pt x="153026" y="2646325"/>
+                      <a:pt x="0" y="2677656"/>
+                    </a:cubicBezTo>
+                    <a:cubicBezTo>
+                      <a:pt x="-45014" y="2461190"/>
+                      <a:pt x="7228" y="2396786"/>
+                      <a:pt x="0" y="2222454"/>
+                    </a:cubicBezTo>
+                    <a:cubicBezTo>
+                      <a:pt x="-7228" y="2048122"/>
+                      <a:pt x="44600" y="1862099"/>
+                      <a:pt x="0" y="1740476"/>
+                    </a:cubicBezTo>
+                    <a:cubicBezTo>
+                      <a:pt x="-44600" y="1618853"/>
+                      <a:pt x="53721" y="1379054"/>
+                      <a:pt x="0" y="1258498"/>
+                    </a:cubicBezTo>
+                    <a:cubicBezTo>
+                      <a:pt x="-53721" y="1137942"/>
+                      <a:pt x="24422" y="860724"/>
+                      <a:pt x="0" y="749744"/>
+                    </a:cubicBezTo>
+                    <a:cubicBezTo>
+                      <a:pt x="-24422" y="638764"/>
+                      <a:pt x="87206" y="205725"/>
+                      <a:pt x="0" y="0"/>
+                    </a:cubicBezTo>
+                    <a:close/>
+                  </a:path>
+                  <a:path w="8587785" h="2677656" stroke="0" extrusionOk="0">
+                    <a:moveTo>
+                      <a:pt x="0" y="0"/>
+                    </a:moveTo>
+                    <a:cubicBezTo>
+                      <a:pt x="187231" y="-32812"/>
+                      <a:pt x="253602" y="2964"/>
+                      <a:pt x="486641" y="0"/>
+                    </a:cubicBezTo>
+                    <a:cubicBezTo>
+                      <a:pt x="719680" y="-2964"/>
+                      <a:pt x="689043" y="32537"/>
+                      <a:pt x="801527" y="0"/>
+                    </a:cubicBezTo>
+                    <a:cubicBezTo>
+                      <a:pt x="914011" y="-32537"/>
+                      <a:pt x="1282728" y="88539"/>
+                      <a:pt x="1545801" y="0"/>
+                    </a:cubicBezTo>
+                    <a:cubicBezTo>
+                      <a:pt x="1808874" y="-88539"/>
+                      <a:pt x="1920004" y="3177"/>
+                      <a:pt x="2032442" y="0"/>
+                    </a:cubicBezTo>
+                    <a:cubicBezTo>
+                      <a:pt x="2144880" y="-3177"/>
+                      <a:pt x="2282057" y="42524"/>
+                      <a:pt x="2519084" y="0"/>
+                    </a:cubicBezTo>
+                    <a:cubicBezTo>
+                      <a:pt x="2756111" y="-42524"/>
+                      <a:pt x="3111303" y="57610"/>
+                      <a:pt x="3263358" y="0"/>
+                    </a:cubicBezTo>
+                    <a:cubicBezTo>
+                      <a:pt x="3415413" y="-57610"/>
+                      <a:pt x="3503317" y="23214"/>
+                      <a:pt x="3664122" y="0"/>
+                    </a:cubicBezTo>
+                    <a:cubicBezTo>
+                      <a:pt x="3824927" y="-23214"/>
+                      <a:pt x="4054887" y="34760"/>
+                      <a:pt x="4408396" y="0"/>
+                    </a:cubicBezTo>
+                    <a:cubicBezTo>
+                      <a:pt x="4761905" y="-34760"/>
+                      <a:pt x="4962980" y="30979"/>
+                      <a:pt x="5152671" y="0"/>
+                    </a:cubicBezTo>
+                    <a:cubicBezTo>
+                      <a:pt x="5342362" y="-30979"/>
+                      <a:pt x="5489951" y="65747"/>
+                      <a:pt x="5725190" y="0"/>
+                    </a:cubicBezTo>
+                    <a:cubicBezTo>
+                      <a:pt x="5960429" y="-65747"/>
+                      <a:pt x="6258314" y="65115"/>
+                      <a:pt x="6469465" y="0"/>
+                    </a:cubicBezTo>
+                    <a:cubicBezTo>
+                      <a:pt x="6680617" y="-65115"/>
+                      <a:pt x="6766047" y="33882"/>
+                      <a:pt x="6956106" y="0"/>
+                    </a:cubicBezTo>
+                    <a:cubicBezTo>
+                      <a:pt x="7146165" y="-33882"/>
+                      <a:pt x="7292521" y="17038"/>
+                      <a:pt x="7442747" y="0"/>
+                    </a:cubicBezTo>
+                    <a:cubicBezTo>
+                      <a:pt x="7592973" y="-17038"/>
+                      <a:pt x="7918601" y="49220"/>
+                      <a:pt x="8101144" y="0"/>
+                    </a:cubicBezTo>
+                    <a:cubicBezTo>
+                      <a:pt x="8283687" y="-49220"/>
+                      <a:pt x="8388837" y="44031"/>
+                      <a:pt x="8587785" y="0"/>
+                    </a:cubicBezTo>
+                    <a:cubicBezTo>
+                      <a:pt x="8628323" y="280570"/>
+                      <a:pt x="8528548" y="363449"/>
+                      <a:pt x="8587785" y="589084"/>
+                    </a:cubicBezTo>
+                    <a:cubicBezTo>
+                      <a:pt x="8647022" y="814719"/>
+                      <a:pt x="8553251" y="963128"/>
+                      <a:pt x="8587785" y="1151392"/>
+                    </a:cubicBezTo>
+                    <a:cubicBezTo>
+                      <a:pt x="8622319" y="1339656"/>
+                      <a:pt x="8569537" y="1434327"/>
+                      <a:pt x="8587785" y="1713700"/>
+                    </a:cubicBezTo>
+                    <a:cubicBezTo>
+                      <a:pt x="8606033" y="1993073"/>
+                      <a:pt x="8485766" y="2227303"/>
+                      <a:pt x="8587785" y="2677656"/>
+                    </a:cubicBezTo>
+                    <a:cubicBezTo>
+                      <a:pt x="8450510" y="2693928"/>
+                      <a:pt x="8419216" y="2659761"/>
+                      <a:pt x="8272900" y="2677656"/>
+                    </a:cubicBezTo>
+                    <a:cubicBezTo>
+                      <a:pt x="8126585" y="2695551"/>
+                      <a:pt x="7791784" y="2608627"/>
+                      <a:pt x="7528625" y="2677656"/>
+                    </a:cubicBezTo>
+                    <a:cubicBezTo>
+                      <a:pt x="7265467" y="2746685"/>
+                      <a:pt x="7141929" y="2648947"/>
+                      <a:pt x="6956106" y="2677656"/>
+                    </a:cubicBezTo>
+                    <a:cubicBezTo>
+                      <a:pt x="6770283" y="2706365"/>
+                      <a:pt x="6711035" y="2658654"/>
+                      <a:pt x="6555343" y="2677656"/>
+                    </a:cubicBezTo>
+                    <a:cubicBezTo>
+                      <a:pt x="6399651" y="2696658"/>
+                      <a:pt x="6154211" y="2640123"/>
+                      <a:pt x="5982824" y="2677656"/>
+                    </a:cubicBezTo>
+                    <a:cubicBezTo>
+                      <a:pt x="5811437" y="2715189"/>
+                      <a:pt x="5758806" y="2671163"/>
+                      <a:pt x="5667938" y="2677656"/>
+                    </a:cubicBezTo>
+                    <a:cubicBezTo>
+                      <a:pt x="5577070" y="2684149"/>
+                      <a:pt x="5506881" y="2656100"/>
+                      <a:pt x="5353053" y="2677656"/>
+                    </a:cubicBezTo>
+                    <a:cubicBezTo>
+                      <a:pt x="5199226" y="2699212"/>
+                      <a:pt x="4995047" y="2648000"/>
+                      <a:pt x="4780534" y="2677656"/>
+                    </a:cubicBezTo>
+                    <a:cubicBezTo>
+                      <a:pt x="4566021" y="2707312"/>
+                      <a:pt x="4479227" y="2667291"/>
+                      <a:pt x="4379770" y="2677656"/>
+                    </a:cubicBezTo>
+                    <a:cubicBezTo>
+                      <a:pt x="4280313" y="2688021"/>
+                      <a:pt x="4029949" y="2605872"/>
+                      <a:pt x="3721374" y="2677656"/>
+                    </a:cubicBezTo>
+                    <a:cubicBezTo>
+                      <a:pt x="3412799" y="2749440"/>
+                      <a:pt x="3499930" y="2649019"/>
+                      <a:pt x="3320610" y="2677656"/>
+                    </a:cubicBezTo>
+                    <a:cubicBezTo>
+                      <a:pt x="3141290" y="2706293"/>
+                      <a:pt x="2929398" y="2650456"/>
+                      <a:pt x="2662213" y="2677656"/>
+                    </a:cubicBezTo>
+                    <a:cubicBezTo>
+                      <a:pt x="2395028" y="2704856"/>
+                      <a:pt x="2492337" y="2665255"/>
+                      <a:pt x="2347328" y="2677656"/>
+                    </a:cubicBezTo>
+                    <a:cubicBezTo>
+                      <a:pt x="2202320" y="2690057"/>
+                      <a:pt x="1956923" y="2660621"/>
+                      <a:pt x="1688931" y="2677656"/>
+                    </a:cubicBezTo>
+                    <a:cubicBezTo>
+                      <a:pt x="1420939" y="2694691"/>
+                      <a:pt x="1444383" y="2648035"/>
+                      <a:pt x="1288168" y="2677656"/>
+                    </a:cubicBezTo>
+                    <a:cubicBezTo>
+                      <a:pt x="1131953" y="2707277"/>
+                      <a:pt x="1120446" y="2645928"/>
+                      <a:pt x="973282" y="2677656"/>
+                    </a:cubicBezTo>
+                    <a:cubicBezTo>
+                      <a:pt x="826118" y="2709384"/>
+                      <a:pt x="666513" y="2648943"/>
+                      <a:pt x="572519" y="2677656"/>
+                    </a:cubicBezTo>
+                    <a:cubicBezTo>
+                      <a:pt x="478525" y="2706369"/>
+                      <a:pt x="165977" y="2646241"/>
+                      <a:pt x="0" y="2677656"/>
+                    </a:cubicBezTo>
+                    <a:cubicBezTo>
+                      <a:pt x="-21479" y="2566736"/>
+                      <a:pt x="12938" y="2310598"/>
+                      <a:pt x="0" y="2195678"/>
+                    </a:cubicBezTo>
+                    <a:cubicBezTo>
+                      <a:pt x="-12938" y="2080758"/>
+                      <a:pt x="22047" y="1877943"/>
+                      <a:pt x="0" y="1740476"/>
+                    </a:cubicBezTo>
+                    <a:cubicBezTo>
+                      <a:pt x="-22047" y="1603009"/>
+                      <a:pt x="19768" y="1487150"/>
+                      <a:pt x="0" y="1285275"/>
+                    </a:cubicBezTo>
+                    <a:cubicBezTo>
+                      <a:pt x="-19768" y="1083400"/>
+                      <a:pt x="6390" y="857080"/>
+                      <a:pt x="0" y="722967"/>
+                    </a:cubicBezTo>
+                    <a:cubicBezTo>
+                      <a:pt x="-6390" y="588854"/>
+                      <a:pt x="5013" y="191032"/>
+                      <a:pt x="0" y="0"/>
+                    </a:cubicBezTo>
+                    <a:close/>
+                  </a:path>
+                </a:pathLst>
+              </a:custGeom>
+              <a:solidFill>
+                <a:schemeClr val="accent2">
+                  <a:lumMod val="40000"/>
+                  <a:lumOff val="60000"/>
+                </a:schemeClr>
+              </a:solidFill>
+              <a:ln>
+                <a:solidFill>
+                  <a:schemeClr val="tx1"/>
+                </a:solidFill>
+                <a:extLst>
+                  <a:ext uri="{C807C97D-BFC1-408E-A445-0C87EB9F89A2}">
+                    <ask:lineSketchStyleProps xmlns:ask="http://schemas.microsoft.com/office/drawing/2018/sketchyshapes" sd="1219033472">
+                      <a:prstGeom prst="rect">
+                        <a:avLst/>
+                      </a:prstGeom>
+                      <ask:type>
+                        <ask:lineSketchScribble/>
+                      </ask:type>
+                    </ask:lineSketchStyleProps>
+                  </a:ext>
+                </a:extLst>
+              </a:ln>
+            </p:spPr>
+            <p:txBody>
+              <a:bodyPr wrap="square" rtlCol="0">
+                <a:spAutoFit/>
+              </a:bodyPr>
+              <a:lstStyle/>
+              <a:p>
+                <a:pPr algn="just"/>
+                <a:r>
+                  <a:rPr lang="en-US" sz="2800" dirty="0"/>
+                  <a:t>For two events (A, B):</a:t>
+                </a:r>
+              </a:p>
+              <a:p>
+                <a:pPr marL="571500" indent="-571500" algn="just">
+                  <a:buFont typeface="Arial" panose="020B0604020202020204" pitchFamily="34" charset="0"/>
+                  <a:buChar char="•"/>
+                </a:pPr>
+                <a14:m>
+                  <m:oMath xmlns:m="http://schemas.openxmlformats.org/officeDocument/2006/math">
+                    <m:r>
+                      <a:rPr lang="en-US" sz="2800" b="0" i="1" smtClean="0">
+                        <a:latin typeface="Cambria Math" panose="02040503050406030204" pitchFamily="18" charset="0"/>
+                      </a:rPr>
+                      <m:t>𝑃</m:t>
+                    </m:r>
+                    <m:d>
+                      <m:dPr>
+                        <m:ctrlPr>
+                          <a:rPr lang="en-US" sz="2800" b="0" i="1" smtClean="0">
+                            <a:latin typeface="Cambria Math" panose="02040503050406030204" pitchFamily="18" charset="0"/>
+                          </a:rPr>
+                        </m:ctrlPr>
+                      </m:dPr>
+                      <m:e>
+                        <m:r>
+                          <a:rPr lang="en-US" sz="2800" b="0" i="1" smtClean="0">
+                            <a:latin typeface="Cambria Math" panose="02040503050406030204" pitchFamily="18" charset="0"/>
+                          </a:rPr>
+                          <m:t>𝑂𝑛𝑙𝑦</m:t>
+                        </m:r>
+                        <m:r>
+                          <a:rPr lang="en-US" sz="2800" b="0" i="1" smtClean="0">
+                            <a:latin typeface="Cambria Math" panose="02040503050406030204" pitchFamily="18" charset="0"/>
+                          </a:rPr>
+                          <m:t> </m:t>
+                        </m:r>
+                        <m:r>
+                          <a:rPr lang="en-US" sz="2800" b="0" i="1" smtClean="0">
+                            <a:latin typeface="Cambria Math" panose="02040503050406030204" pitchFamily="18" charset="0"/>
+                          </a:rPr>
+                          <m:t>𝐴</m:t>
+                        </m:r>
+                      </m:e>
+                    </m:d>
+                    <m:r>
+                      <a:rPr lang="en-US" sz="2800" b="0" i="1" smtClean="0">
+                        <a:latin typeface="Cambria Math" panose="02040503050406030204" pitchFamily="18" charset="0"/>
+                      </a:rPr>
+                      <m:t>=</m:t>
+                    </m:r>
+                    <m:r>
+                      <a:rPr lang="en-US" sz="2800" b="0" i="1" smtClean="0">
+                        <a:latin typeface="Cambria Math" panose="02040503050406030204" pitchFamily="18" charset="0"/>
+                      </a:rPr>
+                      <m:t>𝑃</m:t>
+                    </m:r>
+                    <m:d>
+                      <m:dPr>
+                        <m:ctrlPr>
+                          <a:rPr lang="en-US" sz="2800" b="0" i="1" smtClean="0">
+                            <a:latin typeface="Cambria Math" panose="02040503050406030204" pitchFamily="18" charset="0"/>
+                          </a:rPr>
+                        </m:ctrlPr>
+                      </m:dPr>
+                      <m:e>
+                        <m:r>
+                          <a:rPr lang="en-US" sz="2800" b="0" i="1" smtClean="0">
+                            <a:latin typeface="Cambria Math" panose="02040503050406030204" pitchFamily="18" charset="0"/>
+                          </a:rPr>
+                          <m:t>𝐴</m:t>
+                        </m:r>
+                        <m:r>
+                          <a:rPr lang="en-US" sz="2800" b="0" i="1" smtClean="0">
+                            <a:latin typeface="Cambria Math" panose="02040503050406030204" pitchFamily="18" charset="0"/>
+                          </a:rPr>
+                          <m:t>∩</m:t>
+                        </m:r>
+                        <m:sSup>
+                          <m:sSupPr>
+                            <m:ctrlPr>
+                              <a:rPr lang="en-US" sz="2800" b="0" i="1" smtClean="0">
+                                <a:latin typeface="Cambria Math" panose="02040503050406030204" pitchFamily="18" charset="0"/>
+                              </a:rPr>
+                            </m:ctrlPr>
+                          </m:sSupPr>
+                          <m:e>
+                            <m:r>
+                              <a:rPr lang="en-US" sz="2800" b="0" i="1" smtClean="0">
+                                <a:latin typeface="Cambria Math" panose="02040503050406030204" pitchFamily="18" charset="0"/>
+                              </a:rPr>
+                              <m:t>𝐵</m:t>
+                            </m:r>
+                          </m:e>
+                          <m:sup>
+                            <m:r>
+                              <a:rPr lang="en-US" sz="2800" b="0" i="1" smtClean="0">
+                                <a:latin typeface="Cambria Math" panose="02040503050406030204" pitchFamily="18" charset="0"/>
+                              </a:rPr>
+                              <m:t>′</m:t>
+                            </m:r>
+                          </m:sup>
+                        </m:sSup>
+                      </m:e>
+                    </m:d>
+                    <m:r>
+                      <a:rPr lang="en-US" sz="2800" b="0" i="1" smtClean="0">
+                        <a:latin typeface="Cambria Math" panose="02040503050406030204" pitchFamily="18" charset="0"/>
+                      </a:rPr>
+                      <m:t>=</m:t>
+                    </m:r>
+                    <m:r>
+                      <a:rPr lang="en-US" sz="2800" b="0" i="1" smtClean="0">
+                        <a:latin typeface="Cambria Math" panose="02040503050406030204" pitchFamily="18" charset="0"/>
+                      </a:rPr>
+                      <m:t>𝑃</m:t>
+                    </m:r>
+                    <m:d>
+                      <m:dPr>
+                        <m:ctrlPr>
+                          <a:rPr lang="en-US" sz="2800" b="0" i="1" smtClean="0">
+                            <a:latin typeface="Cambria Math" panose="02040503050406030204" pitchFamily="18" charset="0"/>
+                          </a:rPr>
+                        </m:ctrlPr>
+                      </m:dPr>
+                      <m:e>
+                        <m:r>
+                          <a:rPr lang="en-US" sz="2800" b="0" i="1" smtClean="0">
+                            <a:latin typeface="Cambria Math" panose="02040503050406030204" pitchFamily="18" charset="0"/>
+                          </a:rPr>
+                          <m:t>𝐴</m:t>
+                        </m:r>
+                      </m:e>
+                    </m:d>
+                    <m:r>
+                      <a:rPr lang="en-US" sz="2800" b="0" i="1" smtClean="0">
+                        <a:latin typeface="Cambria Math" panose="02040503050406030204" pitchFamily="18" charset="0"/>
+                      </a:rPr>
+                      <m:t>−</m:t>
+                    </m:r>
+                    <m:r>
+                      <a:rPr lang="en-US" sz="2800" b="0" i="1" smtClean="0">
+                        <a:latin typeface="Cambria Math" panose="02040503050406030204" pitchFamily="18" charset="0"/>
+                      </a:rPr>
+                      <m:t>𝑃</m:t>
+                    </m:r>
+                    <m:d>
+                      <m:dPr>
+                        <m:ctrlPr>
+                          <a:rPr lang="en-US" sz="2800" b="0" i="1" smtClean="0">
+                            <a:latin typeface="Cambria Math" panose="02040503050406030204" pitchFamily="18" charset="0"/>
+                          </a:rPr>
+                        </m:ctrlPr>
+                      </m:dPr>
+                      <m:e>
+                        <m:r>
+                          <a:rPr lang="en-US" sz="2800" b="0" i="1" smtClean="0">
+                            <a:latin typeface="Cambria Math" panose="02040503050406030204" pitchFamily="18" charset="0"/>
+                          </a:rPr>
+                          <m:t>𝐴</m:t>
+                        </m:r>
+                        <m:r>
+                          <a:rPr lang="en-US" sz="2800" b="0" i="1" smtClean="0">
+                            <a:latin typeface="Cambria Math" panose="02040503050406030204" pitchFamily="18" charset="0"/>
+                          </a:rPr>
+                          <m:t>∩</m:t>
+                        </m:r>
+                        <m:r>
+                          <a:rPr lang="en-US" sz="2800" b="0" i="1" smtClean="0">
+                            <a:latin typeface="Cambria Math" panose="02040503050406030204" pitchFamily="18" charset="0"/>
+                          </a:rPr>
+                          <m:t>𝐵</m:t>
+                        </m:r>
+                      </m:e>
+                    </m:d>
+                  </m:oMath>
+                </a14:m>
+                <a:endParaRPr lang="en-US" sz="2800" dirty="0"/>
+              </a:p>
+              <a:p>
+                <a:pPr marL="571500" indent="-571500" algn="just">
+                  <a:buFont typeface="Arial" panose="020B0604020202020204" pitchFamily="34" charset="0"/>
+                  <a:buChar char="•"/>
+                </a:pPr>
+                <a14:m>
+                  <m:oMath xmlns:m="http://schemas.openxmlformats.org/officeDocument/2006/math">
+                    <m:r>
+                      <a:rPr lang="en-US" sz="2800" b="0" i="1" smtClean="0">
+                        <a:latin typeface="Cambria Math" panose="02040503050406030204" pitchFamily="18" charset="0"/>
+                      </a:rPr>
+                      <m:t>𝑃</m:t>
+                    </m:r>
+                    <m:d>
+                      <m:dPr>
+                        <m:ctrlPr>
+                          <a:rPr lang="en-US" sz="2800" b="0" i="1" smtClean="0">
+                            <a:latin typeface="Cambria Math" panose="02040503050406030204" pitchFamily="18" charset="0"/>
+                          </a:rPr>
+                        </m:ctrlPr>
+                      </m:dPr>
+                      <m:e>
+                        <m:r>
+                          <a:rPr lang="en-US" sz="2800" b="0" i="1" smtClean="0">
+                            <a:latin typeface="Cambria Math" panose="02040503050406030204" pitchFamily="18" charset="0"/>
+                          </a:rPr>
+                          <m:t>𝑂𝑛𝑙𝑦</m:t>
+                        </m:r>
+                        <m:r>
+                          <a:rPr lang="en-US" sz="2800" b="0" i="1" smtClean="0">
+                            <a:latin typeface="Cambria Math" panose="02040503050406030204" pitchFamily="18" charset="0"/>
+                          </a:rPr>
+                          <m:t> </m:t>
+                        </m:r>
+                        <m:r>
+                          <a:rPr lang="en-US" sz="2800" b="0" i="1" smtClean="0">
+                            <a:latin typeface="Cambria Math" panose="02040503050406030204" pitchFamily="18" charset="0"/>
+                          </a:rPr>
+                          <m:t>𝐵</m:t>
+                        </m:r>
+                      </m:e>
+                    </m:d>
+                    <m:r>
+                      <a:rPr lang="en-US" sz="2800" b="0" i="1" smtClean="0">
+                        <a:latin typeface="Cambria Math" panose="02040503050406030204" pitchFamily="18" charset="0"/>
+                      </a:rPr>
+                      <m:t>=</m:t>
+                    </m:r>
+                    <m:r>
+                      <a:rPr lang="en-US" sz="2800" b="0" i="1" smtClean="0">
+                        <a:latin typeface="Cambria Math" panose="02040503050406030204" pitchFamily="18" charset="0"/>
+                      </a:rPr>
+                      <m:t>𝑃</m:t>
+                    </m:r>
+                    <m:d>
+                      <m:dPr>
+                        <m:ctrlPr>
+                          <a:rPr lang="en-US" sz="2800" b="0" i="1" smtClean="0">
+                            <a:latin typeface="Cambria Math" panose="02040503050406030204" pitchFamily="18" charset="0"/>
+                          </a:rPr>
+                        </m:ctrlPr>
+                      </m:dPr>
+                      <m:e>
+                        <m:sSup>
+                          <m:sSupPr>
+                            <m:ctrlPr>
+                              <a:rPr lang="en-US" sz="2800" b="0" i="1" smtClean="0">
+                                <a:latin typeface="Cambria Math" panose="02040503050406030204" pitchFamily="18" charset="0"/>
+                              </a:rPr>
+                            </m:ctrlPr>
+                          </m:sSupPr>
+                          <m:e>
+                            <m:r>
+                              <a:rPr lang="en-US" sz="2800" b="0" i="1" smtClean="0">
+                                <a:latin typeface="Cambria Math" panose="02040503050406030204" pitchFamily="18" charset="0"/>
+                              </a:rPr>
+                              <m:t>𝐴</m:t>
+                            </m:r>
+                          </m:e>
+                          <m:sup>
+                            <m:r>
+                              <a:rPr lang="en-US" sz="2800" b="0" i="1" smtClean="0">
+                                <a:latin typeface="Cambria Math" panose="02040503050406030204" pitchFamily="18" charset="0"/>
+                              </a:rPr>
+                              <m:t>′</m:t>
+                            </m:r>
+                          </m:sup>
+                        </m:sSup>
+                        <m:r>
+                          <a:rPr lang="en-US" sz="2800" b="0" i="1" smtClean="0">
+                            <a:latin typeface="Cambria Math" panose="02040503050406030204" pitchFamily="18" charset="0"/>
+                          </a:rPr>
+                          <m:t>∩</m:t>
+                        </m:r>
+                        <m:r>
+                          <a:rPr lang="en-US" sz="2800" b="0" i="1" smtClean="0">
+                            <a:latin typeface="Cambria Math" panose="02040503050406030204" pitchFamily="18" charset="0"/>
+                          </a:rPr>
+                          <m:t>𝐵</m:t>
+                        </m:r>
+                      </m:e>
+                    </m:d>
+                    <m:r>
+                      <a:rPr lang="en-US" sz="2800" b="0" i="1" smtClean="0">
+                        <a:latin typeface="Cambria Math" panose="02040503050406030204" pitchFamily="18" charset="0"/>
+                      </a:rPr>
+                      <m:t>=</m:t>
+                    </m:r>
+                    <m:r>
+                      <a:rPr lang="en-US" sz="2800" b="0" i="1" smtClean="0">
+                        <a:latin typeface="Cambria Math" panose="02040503050406030204" pitchFamily="18" charset="0"/>
+                      </a:rPr>
+                      <m:t>𝑃</m:t>
+                    </m:r>
+                    <m:d>
+                      <m:dPr>
+                        <m:ctrlPr>
+                          <a:rPr lang="en-US" sz="2800" b="0" i="1" smtClean="0">
+                            <a:latin typeface="Cambria Math" panose="02040503050406030204" pitchFamily="18" charset="0"/>
+                          </a:rPr>
+                        </m:ctrlPr>
+                      </m:dPr>
+                      <m:e>
+                        <m:r>
+                          <a:rPr lang="en-US" sz="2800" b="0" i="1" smtClean="0">
+                            <a:latin typeface="Cambria Math" panose="02040503050406030204" pitchFamily="18" charset="0"/>
+                          </a:rPr>
+                          <m:t>𝐵</m:t>
+                        </m:r>
+                      </m:e>
+                    </m:d>
+                    <m:r>
+                      <a:rPr lang="en-US" sz="2800" b="0" i="1" smtClean="0">
+                        <a:latin typeface="Cambria Math" panose="02040503050406030204" pitchFamily="18" charset="0"/>
+                      </a:rPr>
+                      <m:t>−</m:t>
+                    </m:r>
+                    <m:r>
+                      <a:rPr lang="en-US" sz="2800" b="0" i="1" smtClean="0">
+                        <a:latin typeface="Cambria Math" panose="02040503050406030204" pitchFamily="18" charset="0"/>
+                      </a:rPr>
+                      <m:t>𝑃</m:t>
+                    </m:r>
+                    <m:r>
+                      <a:rPr lang="en-US" sz="2800" b="0" i="1" smtClean="0">
+                        <a:latin typeface="Cambria Math" panose="02040503050406030204" pitchFamily="18" charset="0"/>
+                      </a:rPr>
+                      <m:t>(</m:t>
+                    </m:r>
+                    <m:r>
+                      <a:rPr lang="en-US" sz="2800" b="0" i="1" smtClean="0">
+                        <a:latin typeface="Cambria Math" panose="02040503050406030204" pitchFamily="18" charset="0"/>
+                      </a:rPr>
+                      <m:t>𝐴</m:t>
+                    </m:r>
+                    <m:r>
+                      <a:rPr lang="en-US" sz="2800" i="1">
+                        <a:latin typeface="Cambria Math" panose="02040503050406030204" pitchFamily="18" charset="0"/>
+                      </a:rPr>
+                      <m:t>∩</m:t>
+                    </m:r>
+                    <m:r>
+                      <a:rPr lang="en-US" sz="2800" b="0" i="1" smtClean="0">
+                        <a:latin typeface="Cambria Math" panose="02040503050406030204" pitchFamily="18" charset="0"/>
+                      </a:rPr>
+                      <m:t>𝐵</m:t>
+                    </m:r>
+                    <m:r>
+                      <a:rPr lang="en-US" sz="2800" b="0" i="1" smtClean="0">
+                        <a:latin typeface="Cambria Math" panose="02040503050406030204" pitchFamily="18" charset="0"/>
+                      </a:rPr>
+                      <m:t>)</m:t>
+                    </m:r>
+                  </m:oMath>
+                </a14:m>
+                <a:endParaRPr lang="en-US" sz="2800" dirty="0"/>
+              </a:p>
+              <a:p>
+                <a:pPr marL="571500" indent="-571500" algn="just">
+                  <a:buFont typeface="Arial" panose="020B0604020202020204" pitchFamily="34" charset="0"/>
+                  <a:buChar char="•"/>
+                </a:pPr>
+                <a14:m>
+                  <m:oMath xmlns:m="http://schemas.openxmlformats.org/officeDocument/2006/math">
+                    <m:r>
+                      <a:rPr lang="en-US" sz="2800" b="0" i="1" smtClean="0">
+                        <a:latin typeface="Cambria Math" panose="02040503050406030204" pitchFamily="18" charset="0"/>
+                      </a:rPr>
+                      <m:t>𝑃</m:t>
+                    </m:r>
+                    <m:d>
+                      <m:dPr>
+                        <m:ctrlPr>
+                          <a:rPr lang="en-US" sz="2800" b="0" i="1" smtClean="0">
+                            <a:latin typeface="Cambria Math" panose="02040503050406030204" pitchFamily="18" charset="0"/>
+                          </a:rPr>
+                        </m:ctrlPr>
+                      </m:dPr>
+                      <m:e>
+                        <m:r>
+                          <a:rPr lang="en-US" sz="2800" b="0" i="1" smtClean="0">
+                            <a:latin typeface="Cambria Math" panose="02040503050406030204" pitchFamily="18" charset="0"/>
+                          </a:rPr>
+                          <m:t>𝑁𝑒𝑖𝑡h𝑒𝑟</m:t>
+                        </m:r>
+                        <m:r>
+                          <a:rPr lang="en-US" sz="2800" b="0" i="1" smtClean="0">
+                            <a:latin typeface="Cambria Math" panose="02040503050406030204" pitchFamily="18" charset="0"/>
+                          </a:rPr>
+                          <m:t> </m:t>
+                        </m:r>
+                        <m:r>
+                          <a:rPr lang="en-US" sz="2800" b="0" i="1" smtClean="0">
+                            <a:latin typeface="Cambria Math" panose="02040503050406030204" pitchFamily="18" charset="0"/>
+                          </a:rPr>
+                          <m:t>𝐴</m:t>
+                        </m:r>
+                        <m:r>
+                          <a:rPr lang="en-US" sz="2800" b="0" i="1" smtClean="0">
+                            <a:latin typeface="Cambria Math" panose="02040503050406030204" pitchFamily="18" charset="0"/>
+                          </a:rPr>
+                          <m:t> </m:t>
+                        </m:r>
+                        <m:r>
+                          <a:rPr lang="en-US" sz="2800" b="0" i="1" smtClean="0">
+                            <a:latin typeface="Cambria Math" panose="02040503050406030204" pitchFamily="18" charset="0"/>
+                          </a:rPr>
+                          <m:t>𝑛𝑜𝑟</m:t>
+                        </m:r>
+                        <m:r>
+                          <a:rPr lang="en-US" sz="2800" b="0" i="1" smtClean="0">
+                            <a:latin typeface="Cambria Math" panose="02040503050406030204" pitchFamily="18" charset="0"/>
+                          </a:rPr>
+                          <m:t> </m:t>
+                        </m:r>
+                        <m:r>
+                          <a:rPr lang="en-US" sz="2800" b="0" i="1" smtClean="0">
+                            <a:latin typeface="Cambria Math" panose="02040503050406030204" pitchFamily="18" charset="0"/>
+                          </a:rPr>
+                          <m:t>𝐵</m:t>
+                        </m:r>
+                      </m:e>
+                    </m:d>
+                    <m:r>
+                      <a:rPr lang="en-US" sz="2800" b="0" i="1" smtClean="0">
+                        <a:latin typeface="Cambria Math" panose="02040503050406030204" pitchFamily="18" charset="0"/>
+                      </a:rPr>
+                      <m:t>=</m:t>
+                    </m:r>
+                    <m:r>
+                      <a:rPr lang="en-US" sz="2800" b="0" i="1" smtClean="0">
+                        <a:latin typeface="Cambria Math" panose="02040503050406030204" pitchFamily="18" charset="0"/>
+                      </a:rPr>
+                      <m:t>𝑃</m:t>
+                    </m:r>
+                    <m:d>
+                      <m:dPr>
+                        <m:ctrlPr>
+                          <a:rPr lang="en-US" sz="2800" b="0" i="1" smtClean="0">
+                            <a:latin typeface="Cambria Math" panose="02040503050406030204" pitchFamily="18" charset="0"/>
+                          </a:rPr>
+                        </m:ctrlPr>
+                      </m:dPr>
+                      <m:e>
+                        <m:sSup>
+                          <m:sSupPr>
+                            <m:ctrlPr>
+                              <a:rPr lang="en-US" sz="2800" b="0" i="1" smtClean="0">
+                                <a:latin typeface="Cambria Math" panose="02040503050406030204" pitchFamily="18" charset="0"/>
+                              </a:rPr>
+                            </m:ctrlPr>
+                          </m:sSupPr>
+                          <m:e>
+                            <m:r>
+                              <a:rPr lang="en-US" sz="2800" b="0" i="1" smtClean="0">
+                                <a:latin typeface="Cambria Math" panose="02040503050406030204" pitchFamily="18" charset="0"/>
+                              </a:rPr>
+                              <m:t>𝐴</m:t>
+                            </m:r>
+                          </m:e>
+                          <m:sup>
+                            <m:r>
+                              <a:rPr lang="en-US" sz="2800" b="0" i="1" smtClean="0">
+                                <a:latin typeface="Cambria Math" panose="02040503050406030204" pitchFamily="18" charset="0"/>
+                              </a:rPr>
+                              <m:t>′</m:t>
+                            </m:r>
+                          </m:sup>
+                        </m:sSup>
+                        <m:r>
+                          <a:rPr lang="en-US" sz="2800" i="1">
+                            <a:latin typeface="Cambria Math" panose="02040503050406030204" pitchFamily="18" charset="0"/>
+                          </a:rPr>
+                          <m:t>∩</m:t>
+                        </m:r>
+                        <m:sSup>
+                          <m:sSupPr>
+                            <m:ctrlPr>
+                              <a:rPr lang="en-US" sz="2800" b="0" i="1" smtClean="0">
+                                <a:latin typeface="Cambria Math" panose="02040503050406030204" pitchFamily="18" charset="0"/>
+                              </a:rPr>
+                            </m:ctrlPr>
+                          </m:sSupPr>
+                          <m:e>
+                            <m:r>
+                              <a:rPr lang="en-US" sz="2800" b="0" i="1" smtClean="0">
+                                <a:latin typeface="Cambria Math" panose="02040503050406030204" pitchFamily="18" charset="0"/>
+                              </a:rPr>
+                              <m:t>𝐵</m:t>
+                            </m:r>
+                          </m:e>
+                          <m:sup>
+                            <m:r>
+                              <a:rPr lang="en-US" sz="2800" b="0" i="1" smtClean="0">
+                                <a:latin typeface="Cambria Math" panose="02040503050406030204" pitchFamily="18" charset="0"/>
+                              </a:rPr>
+                              <m:t>′</m:t>
+                            </m:r>
+                          </m:sup>
+                        </m:sSup>
+                      </m:e>
+                    </m:d>
+                    <m:r>
+                      <a:rPr lang="en-US" sz="2800" b="0" i="1" smtClean="0">
+                        <a:latin typeface="Cambria Math" panose="02040503050406030204" pitchFamily="18" charset="0"/>
+                      </a:rPr>
+                      <m:t>=1−</m:t>
+                    </m:r>
+                    <m:r>
+                      <a:rPr lang="en-US" sz="2800" b="0" i="1" smtClean="0">
+                        <a:latin typeface="Cambria Math" panose="02040503050406030204" pitchFamily="18" charset="0"/>
+                      </a:rPr>
+                      <m:t>𝑃</m:t>
+                    </m:r>
+                    <m:d>
+                      <m:dPr>
+                        <m:ctrlPr>
+                          <a:rPr lang="en-US" sz="2800" b="0" i="1" smtClean="0">
+                            <a:latin typeface="Cambria Math" panose="02040503050406030204" pitchFamily="18" charset="0"/>
+                          </a:rPr>
+                        </m:ctrlPr>
+                      </m:dPr>
+                      <m:e>
+                        <m:r>
+                          <a:rPr lang="en-US" sz="2800" b="0" i="1" smtClean="0">
+                            <a:latin typeface="Cambria Math" panose="02040503050406030204" pitchFamily="18" charset="0"/>
+                          </a:rPr>
+                          <m:t>𝐴</m:t>
+                        </m:r>
+                        <m:r>
+                          <a:rPr lang="en-US" sz="2800" b="0" i="1" smtClean="0">
+                            <a:latin typeface="Cambria Math" panose="02040503050406030204" pitchFamily="18" charset="0"/>
+                          </a:rPr>
+                          <m:t>∪</m:t>
+                        </m:r>
+                        <m:r>
+                          <a:rPr lang="en-US" sz="2800" b="0" i="1" smtClean="0">
+                            <a:latin typeface="Cambria Math" panose="02040503050406030204" pitchFamily="18" charset="0"/>
+                          </a:rPr>
+                          <m:t>𝐵</m:t>
+                        </m:r>
+                      </m:e>
+                    </m:d>
+                  </m:oMath>
+                </a14:m>
+                <a:endParaRPr lang="en-US" sz="2800" b="0" dirty="0"/>
+              </a:p>
+              <a:p>
+                <a:pPr marL="571500" indent="-571500" algn="just">
+                  <a:buFont typeface="Arial" panose="020B0604020202020204" pitchFamily="34" charset="0"/>
+                  <a:buChar char="•"/>
+                </a:pPr>
+                <a14:m>
+                  <m:oMath xmlns:m="http://schemas.openxmlformats.org/officeDocument/2006/math">
+                    <m:r>
+                      <a:rPr lang="en-US" sz="2800" b="0" i="1" smtClean="0">
+                        <a:latin typeface="Cambria Math" panose="02040503050406030204" pitchFamily="18" charset="0"/>
+                      </a:rPr>
+                      <m:t>𝑃</m:t>
+                    </m:r>
+                    <m:d>
+                      <m:dPr>
+                        <m:ctrlPr>
+                          <a:rPr lang="en-US" sz="2800" b="0" i="1" smtClean="0">
+                            <a:latin typeface="Cambria Math" panose="02040503050406030204" pitchFamily="18" charset="0"/>
+                          </a:rPr>
+                        </m:ctrlPr>
+                      </m:dPr>
+                      <m:e>
+                        <m:r>
+                          <a:rPr lang="en-US" sz="2800" b="0" i="1" smtClean="0">
+                            <a:latin typeface="Cambria Math" panose="02040503050406030204" pitchFamily="18" charset="0"/>
+                          </a:rPr>
+                          <m:t>𝐸𝑥𝑎𝑐𝑡𝑙𝑦</m:t>
+                        </m:r>
+                        <m:r>
+                          <a:rPr lang="en-US" sz="2800" b="0" i="1" smtClean="0">
+                            <a:latin typeface="Cambria Math" panose="02040503050406030204" pitchFamily="18" charset="0"/>
+                          </a:rPr>
+                          <m:t> </m:t>
+                        </m:r>
+                        <m:r>
+                          <a:rPr lang="en-US" sz="2800" b="0" i="1" smtClean="0">
+                            <a:latin typeface="Cambria Math" panose="02040503050406030204" pitchFamily="18" charset="0"/>
+                          </a:rPr>
+                          <m:t>𝑜𝑛𝑒</m:t>
+                        </m:r>
+                      </m:e>
+                    </m:d>
+                    <m:r>
+                      <a:rPr lang="en-US" sz="2800" b="0" i="1" smtClean="0">
+                        <a:latin typeface="Cambria Math" panose="02040503050406030204" pitchFamily="18" charset="0"/>
+                      </a:rPr>
+                      <m:t>=</m:t>
+                    </m:r>
+                    <m:r>
+                      <a:rPr lang="en-US" sz="2800" b="0" i="1" smtClean="0">
+                        <a:latin typeface="Cambria Math" panose="02040503050406030204" pitchFamily="18" charset="0"/>
+                      </a:rPr>
+                      <m:t>𝑃</m:t>
+                    </m:r>
+                    <m:d>
+                      <m:dPr>
+                        <m:ctrlPr>
+                          <a:rPr lang="en-US" sz="2800" b="0" i="1" smtClean="0">
+                            <a:latin typeface="Cambria Math" panose="02040503050406030204" pitchFamily="18" charset="0"/>
+                          </a:rPr>
+                        </m:ctrlPr>
+                      </m:dPr>
+                      <m:e>
+                        <m:r>
+                          <a:rPr lang="en-US" sz="2800" b="0" i="1" smtClean="0">
+                            <a:latin typeface="Cambria Math" panose="02040503050406030204" pitchFamily="18" charset="0"/>
+                          </a:rPr>
+                          <m:t>𝑂𝑛𝑙𝑦</m:t>
+                        </m:r>
+                        <m:r>
+                          <a:rPr lang="en-US" sz="2800" b="0" i="1" smtClean="0">
+                            <a:latin typeface="Cambria Math" panose="02040503050406030204" pitchFamily="18" charset="0"/>
+                          </a:rPr>
+                          <m:t> </m:t>
+                        </m:r>
+                        <m:r>
+                          <a:rPr lang="en-US" sz="2800" b="0" i="1" smtClean="0">
+                            <a:latin typeface="Cambria Math" panose="02040503050406030204" pitchFamily="18" charset="0"/>
+                          </a:rPr>
+                          <m:t>𝐴</m:t>
+                        </m:r>
+                      </m:e>
+                    </m:d>
+                    <m:r>
+                      <a:rPr lang="en-US" sz="2800" b="0" i="1" smtClean="0">
+                        <a:latin typeface="Cambria Math" panose="02040503050406030204" pitchFamily="18" charset="0"/>
+                      </a:rPr>
+                      <m:t>+</m:t>
+                    </m:r>
+                    <m:r>
+                      <a:rPr lang="en-US" sz="2800" b="0" i="1" smtClean="0">
+                        <a:latin typeface="Cambria Math" panose="02040503050406030204" pitchFamily="18" charset="0"/>
+                      </a:rPr>
+                      <m:t>𝑃</m:t>
+                    </m:r>
+                    <m:d>
+                      <m:dPr>
+                        <m:ctrlPr>
+                          <a:rPr lang="en-US" sz="2800" b="0" i="1" smtClean="0">
+                            <a:latin typeface="Cambria Math" panose="02040503050406030204" pitchFamily="18" charset="0"/>
+                          </a:rPr>
+                        </m:ctrlPr>
+                      </m:dPr>
+                      <m:e>
+                        <m:r>
+                          <a:rPr lang="en-US" sz="2800" b="0" i="1" smtClean="0">
+                            <a:latin typeface="Cambria Math" panose="02040503050406030204" pitchFamily="18" charset="0"/>
+                          </a:rPr>
+                          <m:t>𝑂𝑛𝑙𝑦</m:t>
+                        </m:r>
+                        <m:r>
+                          <a:rPr lang="en-US" sz="2800" b="0" i="1" smtClean="0">
+                            <a:latin typeface="Cambria Math" panose="02040503050406030204" pitchFamily="18" charset="0"/>
+                          </a:rPr>
+                          <m:t> </m:t>
+                        </m:r>
+                        <m:r>
+                          <a:rPr lang="en-US" sz="2800" b="0" i="1" smtClean="0">
+                            <a:latin typeface="Cambria Math" panose="02040503050406030204" pitchFamily="18" charset="0"/>
+                          </a:rPr>
+                          <m:t>𝐵</m:t>
+                        </m:r>
+                      </m:e>
+                    </m:d>
+                  </m:oMath>
+                </a14:m>
+                <a:endParaRPr lang="en-US" sz="2800" b="0" dirty="0"/>
+              </a:p>
+              <a:p>
+                <a:pPr marL="571500" indent="-571500" algn="just">
+                  <a:buFont typeface="Arial" panose="020B0604020202020204" pitchFamily="34" charset="0"/>
+                  <a:buChar char="•"/>
+                </a:pPr>
+                <a14:m>
+                  <m:oMath xmlns:m="http://schemas.openxmlformats.org/officeDocument/2006/math">
+                    <m:r>
+                      <a:rPr lang="en-US" sz="2800" b="0" i="1" smtClean="0">
+                        <a:latin typeface="Cambria Math" panose="02040503050406030204" pitchFamily="18" charset="0"/>
+                      </a:rPr>
+                      <m:t>𝑃</m:t>
+                    </m:r>
+                    <m:d>
+                      <m:dPr>
+                        <m:ctrlPr>
+                          <a:rPr lang="en-US" sz="2800" b="0" i="1" smtClean="0">
+                            <a:latin typeface="Cambria Math" panose="02040503050406030204" pitchFamily="18" charset="0"/>
+                          </a:rPr>
+                        </m:ctrlPr>
+                      </m:dPr>
+                      <m:e>
+                        <m:r>
+                          <a:rPr lang="en-US" sz="2800" b="0" i="1" smtClean="0">
+                            <a:latin typeface="Cambria Math" panose="02040503050406030204" pitchFamily="18" charset="0"/>
+                          </a:rPr>
+                          <m:t>𝐴𝑡</m:t>
+                        </m:r>
+                        <m:r>
+                          <a:rPr lang="en-US" sz="2800" b="0" i="1" smtClean="0">
+                            <a:latin typeface="Cambria Math" panose="02040503050406030204" pitchFamily="18" charset="0"/>
+                          </a:rPr>
+                          <m:t> </m:t>
+                        </m:r>
+                        <m:r>
+                          <a:rPr lang="en-US" sz="2800" b="0" i="1" smtClean="0">
+                            <a:latin typeface="Cambria Math" panose="02040503050406030204" pitchFamily="18" charset="0"/>
+                          </a:rPr>
+                          <m:t>𝑚𝑜𝑠𝑡</m:t>
+                        </m:r>
+                        <m:r>
+                          <a:rPr lang="en-US" sz="2800" b="0" i="1" smtClean="0">
+                            <a:latin typeface="Cambria Math" panose="02040503050406030204" pitchFamily="18" charset="0"/>
+                          </a:rPr>
+                          <m:t> </m:t>
+                        </m:r>
+                        <m:r>
+                          <a:rPr lang="en-US" sz="2800" b="0" i="1" smtClean="0">
+                            <a:latin typeface="Cambria Math" panose="02040503050406030204" pitchFamily="18" charset="0"/>
+                          </a:rPr>
+                          <m:t>𝑜𝑛𝑒</m:t>
+                        </m:r>
+                      </m:e>
+                    </m:d>
+                    <m:r>
+                      <a:rPr lang="en-US" sz="2800" b="0" i="1" smtClean="0">
+                        <a:latin typeface="Cambria Math" panose="02040503050406030204" pitchFamily="18" charset="0"/>
+                      </a:rPr>
+                      <m:t>=1−</m:t>
+                    </m:r>
+                    <m:r>
+                      <a:rPr lang="en-US" sz="2800" b="0" i="1" smtClean="0">
+                        <a:latin typeface="Cambria Math" panose="02040503050406030204" pitchFamily="18" charset="0"/>
+                      </a:rPr>
+                      <m:t>𝑃</m:t>
+                    </m:r>
+                    <m:r>
+                      <a:rPr lang="en-US" sz="2800" b="0" i="1" smtClean="0">
+                        <a:latin typeface="Cambria Math" panose="02040503050406030204" pitchFamily="18" charset="0"/>
+                      </a:rPr>
+                      <m:t>(</m:t>
+                    </m:r>
+                    <m:r>
+                      <a:rPr lang="en-US" sz="2800" b="0" i="1" smtClean="0">
+                        <a:latin typeface="Cambria Math" panose="02040503050406030204" pitchFamily="18" charset="0"/>
+                      </a:rPr>
+                      <m:t>𝐴</m:t>
+                    </m:r>
+                    <m:r>
+                      <a:rPr lang="en-US" sz="2800" b="0" i="1" smtClean="0">
+                        <a:latin typeface="Cambria Math" panose="02040503050406030204" pitchFamily="18" charset="0"/>
+                      </a:rPr>
+                      <m:t>∩</m:t>
+                    </m:r>
+                    <m:r>
+                      <a:rPr lang="en-US" sz="2800" b="0" i="1" smtClean="0">
+                        <a:latin typeface="Cambria Math" panose="02040503050406030204" pitchFamily="18" charset="0"/>
+                      </a:rPr>
+                      <m:t>𝐵</m:t>
+                    </m:r>
+                    <m:r>
+                      <a:rPr lang="en-US" sz="2800" b="0" i="1" smtClean="0">
+                        <a:latin typeface="Cambria Math" panose="02040503050406030204" pitchFamily="18" charset="0"/>
+                      </a:rPr>
+                      <m:t>)</m:t>
+                    </m:r>
+                  </m:oMath>
+                </a14:m>
+                <a:endParaRPr lang="en-US" sz="2800" dirty="0"/>
+              </a:p>
+            </p:txBody>
+          </p:sp>
+        </mc:Choice>
+        <mc:Fallback xmlns="">
+          <p:sp>
+            <p:nvSpPr>
+              <p:cNvPr id="4" name="TextBox 3">
+                <a:extLst>
+                  <a:ext uri="{FF2B5EF4-FFF2-40B4-BE49-F238E27FC236}">
+                    <a16:creationId xmlns:a16="http://schemas.microsoft.com/office/drawing/2014/main" id="{44E58D66-2318-04F0-7449-6C1E8A7906E6}"/>
+                  </a:ext>
+                </a:extLst>
+              </p:cNvPr>
+              <p:cNvSpPr txBox="1">
+                <a:spLocks noRot="1" noChangeAspect="1" noMove="1" noResize="1" noEditPoints="1" noAdjustHandles="1" noChangeArrowheads="1" noChangeShapeType="1" noTextEdit="1"/>
+              </p:cNvSpPr>
+              <p:nvPr/>
+            </p:nvSpPr>
+            <p:spPr>
+              <a:xfrm>
+                <a:off x="178528" y="1490668"/>
+                <a:ext cx="8587785" cy="2677656"/>
+              </a:xfrm>
+              <a:prstGeom prst="rect">
+                <a:avLst/>
+              </a:prstGeom>
+              <a:blipFill>
+                <a:blip r:embed="rId2"/>
+                <a:stretch>
+                  <a:fillRect l="-1057" t="-662"/>
+                </a:stretch>
+              </a:blipFill>
+              <a:ln>
+                <a:solidFill>
+                  <a:schemeClr val="tx1"/>
+                </a:solidFill>
+                <a:extLst>
+                  <a:ext uri="{C807C97D-BFC1-408E-A445-0C87EB9F89A2}">
+                    <ask:lineSketchStyleProps xmlns:ask="http://schemas.microsoft.com/office/drawing/2018/sketchyshapes" sd="1219033472">
+                      <a:custGeom>
+                        <a:avLst/>
+                        <a:gdLst>
+                          <a:gd name="connsiteX0" fmla="*/ 0 w 8587785"/>
+                          <a:gd name="connsiteY0" fmla="*/ 0 h 2677656"/>
+                          <a:gd name="connsiteX1" fmla="*/ 572519 w 8587785"/>
+                          <a:gd name="connsiteY1" fmla="*/ 0 h 2677656"/>
+                          <a:gd name="connsiteX2" fmla="*/ 1145038 w 8587785"/>
+                          <a:gd name="connsiteY2" fmla="*/ 0 h 2677656"/>
+                          <a:gd name="connsiteX3" fmla="*/ 1459923 w 8587785"/>
+                          <a:gd name="connsiteY3" fmla="*/ 0 h 2677656"/>
+                          <a:gd name="connsiteX4" fmla="*/ 2032442 w 8587785"/>
+                          <a:gd name="connsiteY4" fmla="*/ 0 h 2677656"/>
+                          <a:gd name="connsiteX5" fmla="*/ 2776717 w 8587785"/>
+                          <a:gd name="connsiteY5" fmla="*/ 0 h 2677656"/>
+                          <a:gd name="connsiteX6" fmla="*/ 3263358 w 8587785"/>
+                          <a:gd name="connsiteY6" fmla="*/ 0 h 2677656"/>
+                          <a:gd name="connsiteX7" fmla="*/ 3749999 w 8587785"/>
+                          <a:gd name="connsiteY7" fmla="*/ 0 h 2677656"/>
+                          <a:gd name="connsiteX8" fmla="*/ 4322518 w 8587785"/>
+                          <a:gd name="connsiteY8" fmla="*/ 0 h 2677656"/>
+                          <a:gd name="connsiteX9" fmla="*/ 4980915 w 8587785"/>
+                          <a:gd name="connsiteY9" fmla="*/ 0 h 2677656"/>
+                          <a:gd name="connsiteX10" fmla="*/ 5639312 w 8587785"/>
+                          <a:gd name="connsiteY10" fmla="*/ 0 h 2677656"/>
+                          <a:gd name="connsiteX11" fmla="*/ 6297709 w 8587785"/>
+                          <a:gd name="connsiteY11" fmla="*/ 0 h 2677656"/>
+                          <a:gd name="connsiteX12" fmla="*/ 7041984 w 8587785"/>
+                          <a:gd name="connsiteY12" fmla="*/ 0 h 2677656"/>
+                          <a:gd name="connsiteX13" fmla="*/ 7614503 w 8587785"/>
+                          <a:gd name="connsiteY13" fmla="*/ 0 h 2677656"/>
+                          <a:gd name="connsiteX14" fmla="*/ 8587785 w 8587785"/>
+                          <a:gd name="connsiteY14" fmla="*/ 0 h 2677656"/>
+                          <a:gd name="connsiteX15" fmla="*/ 8587785 w 8587785"/>
+                          <a:gd name="connsiteY15" fmla="*/ 535531 h 2677656"/>
+                          <a:gd name="connsiteX16" fmla="*/ 8587785 w 8587785"/>
+                          <a:gd name="connsiteY16" fmla="*/ 1124616 h 2677656"/>
+                          <a:gd name="connsiteX17" fmla="*/ 8587785 w 8587785"/>
+                          <a:gd name="connsiteY17" fmla="*/ 1686923 h 2677656"/>
+                          <a:gd name="connsiteX18" fmla="*/ 8587785 w 8587785"/>
+                          <a:gd name="connsiteY18" fmla="*/ 2677656 h 2677656"/>
+                          <a:gd name="connsiteX19" fmla="*/ 7929388 w 8587785"/>
+                          <a:gd name="connsiteY19" fmla="*/ 2677656 h 2677656"/>
+                          <a:gd name="connsiteX20" fmla="*/ 7442747 w 8587785"/>
+                          <a:gd name="connsiteY20" fmla="*/ 2677656 h 2677656"/>
+                          <a:gd name="connsiteX21" fmla="*/ 6956106 w 8587785"/>
+                          <a:gd name="connsiteY21" fmla="*/ 2677656 h 2677656"/>
+                          <a:gd name="connsiteX22" fmla="*/ 6297709 w 8587785"/>
+                          <a:gd name="connsiteY22" fmla="*/ 2677656 h 2677656"/>
+                          <a:gd name="connsiteX23" fmla="*/ 5725190 w 8587785"/>
+                          <a:gd name="connsiteY23" fmla="*/ 2677656 h 2677656"/>
+                          <a:gd name="connsiteX24" fmla="*/ 5410305 w 8587785"/>
+                          <a:gd name="connsiteY24" fmla="*/ 2677656 h 2677656"/>
+                          <a:gd name="connsiteX25" fmla="*/ 4923663 w 8587785"/>
+                          <a:gd name="connsiteY25" fmla="*/ 2677656 h 2677656"/>
+                          <a:gd name="connsiteX26" fmla="*/ 4265267 w 8587785"/>
+                          <a:gd name="connsiteY26" fmla="*/ 2677656 h 2677656"/>
+                          <a:gd name="connsiteX27" fmla="*/ 3864503 w 8587785"/>
+                          <a:gd name="connsiteY27" fmla="*/ 2677656 h 2677656"/>
+                          <a:gd name="connsiteX28" fmla="*/ 3120229 w 8587785"/>
+                          <a:gd name="connsiteY28" fmla="*/ 2677656 h 2677656"/>
+                          <a:gd name="connsiteX29" fmla="*/ 2375954 w 8587785"/>
+                          <a:gd name="connsiteY29" fmla="*/ 2677656 h 2677656"/>
+                          <a:gd name="connsiteX30" fmla="*/ 1803435 w 8587785"/>
+                          <a:gd name="connsiteY30" fmla="*/ 2677656 h 2677656"/>
+                          <a:gd name="connsiteX31" fmla="*/ 1059160 w 8587785"/>
+                          <a:gd name="connsiteY31" fmla="*/ 2677656 h 2677656"/>
+                          <a:gd name="connsiteX32" fmla="*/ 486641 w 8587785"/>
+                          <a:gd name="connsiteY32" fmla="*/ 2677656 h 2677656"/>
+                          <a:gd name="connsiteX33" fmla="*/ 0 w 8587785"/>
+                          <a:gd name="connsiteY33" fmla="*/ 2677656 h 2677656"/>
+                          <a:gd name="connsiteX34" fmla="*/ 0 w 8587785"/>
+                          <a:gd name="connsiteY34" fmla="*/ 2222454 h 2677656"/>
+                          <a:gd name="connsiteX35" fmla="*/ 0 w 8587785"/>
+                          <a:gd name="connsiteY35" fmla="*/ 1740476 h 2677656"/>
+                          <a:gd name="connsiteX36" fmla="*/ 0 w 8587785"/>
+                          <a:gd name="connsiteY36" fmla="*/ 1258498 h 2677656"/>
+                          <a:gd name="connsiteX37" fmla="*/ 0 w 8587785"/>
+                          <a:gd name="connsiteY37" fmla="*/ 749744 h 2677656"/>
+                          <a:gd name="connsiteX38" fmla="*/ 0 w 8587785"/>
+                          <a:gd name="connsiteY38" fmla="*/ 0 h 2677656"/>
+                        </a:gdLst>
+                        <a:ahLst/>
+                        <a:cxnLst>
+                          <a:cxn ang="0">
+                            <a:pos x="connsiteX0" y="connsiteY0"/>
+                          </a:cxn>
+                          <a:cxn ang="0">
+                            <a:pos x="connsiteX1" y="connsiteY1"/>
+                          </a:cxn>
+                          <a:cxn ang="0">
+                            <a:pos x="connsiteX2" y="connsiteY2"/>
+                          </a:cxn>
+                          <a:cxn ang="0">
+                            <a:pos x="connsiteX3" y="connsiteY3"/>
+                          </a:cxn>
+                          <a:cxn ang="0">
+                            <a:pos x="connsiteX4" y="connsiteY4"/>
+                          </a:cxn>
+                          <a:cxn ang="0">
+                            <a:pos x="connsiteX5" y="connsiteY5"/>
+                          </a:cxn>
+                          <a:cxn ang="0">
+                            <a:pos x="connsiteX6" y="connsiteY6"/>
+                          </a:cxn>
+                          <a:cxn ang="0">
+                            <a:pos x="connsiteX7" y="connsiteY7"/>
+                          </a:cxn>
+                          <a:cxn ang="0">
+                            <a:pos x="connsiteX8" y="connsiteY8"/>
+                          </a:cxn>
+                          <a:cxn ang="0">
+                            <a:pos x="connsiteX9" y="connsiteY9"/>
+                          </a:cxn>
+                          <a:cxn ang="0">
+                            <a:pos x="connsiteX10" y="connsiteY10"/>
+                          </a:cxn>
+                          <a:cxn ang="0">
+                            <a:pos x="connsiteX11" y="connsiteY11"/>
+                          </a:cxn>
+                          <a:cxn ang="0">
+                            <a:pos x="connsiteX12" y="connsiteY12"/>
+                          </a:cxn>
+                          <a:cxn ang="0">
+                            <a:pos x="connsiteX13" y="connsiteY13"/>
+                          </a:cxn>
+                          <a:cxn ang="0">
+                            <a:pos x="connsiteX14" y="connsiteY14"/>
+                          </a:cxn>
+                          <a:cxn ang="0">
+                            <a:pos x="connsiteX15" y="connsiteY15"/>
+                          </a:cxn>
+                          <a:cxn ang="0">
+                            <a:pos x="connsiteX16" y="connsiteY16"/>
+                          </a:cxn>
+                          <a:cxn ang="0">
+                            <a:pos x="connsiteX17" y="connsiteY17"/>
+                          </a:cxn>
+                          <a:cxn ang="0">
+                            <a:pos x="connsiteX18" y="connsiteY18"/>
+                          </a:cxn>
+                          <a:cxn ang="0">
+                            <a:pos x="connsiteX19" y="connsiteY19"/>
+                          </a:cxn>
+                          <a:cxn ang="0">
+                            <a:pos x="connsiteX20" y="connsiteY20"/>
+                          </a:cxn>
+                          <a:cxn ang="0">
+                            <a:pos x="connsiteX21" y="connsiteY21"/>
+                          </a:cxn>
+                          <a:cxn ang="0">
+                            <a:pos x="connsiteX22" y="connsiteY22"/>
+                          </a:cxn>
+                          <a:cxn ang="0">
+                            <a:pos x="connsiteX23" y="connsiteY23"/>
+                          </a:cxn>
+                          <a:cxn ang="0">
+                            <a:pos x="connsiteX24" y="connsiteY24"/>
+                          </a:cxn>
+                          <a:cxn ang="0">
+                            <a:pos x="connsiteX25" y="connsiteY25"/>
+                          </a:cxn>
+                          <a:cxn ang="0">
+                            <a:pos x="connsiteX26" y="connsiteY26"/>
+                          </a:cxn>
+                          <a:cxn ang="0">
+                            <a:pos x="connsiteX27" y="connsiteY27"/>
+                          </a:cxn>
+                          <a:cxn ang="0">
+                            <a:pos x="connsiteX28" y="connsiteY28"/>
+                          </a:cxn>
+                          <a:cxn ang="0">
+                            <a:pos x="connsiteX29" y="connsiteY29"/>
+                          </a:cxn>
+                          <a:cxn ang="0">
+                            <a:pos x="connsiteX30" y="connsiteY30"/>
+                          </a:cxn>
+                          <a:cxn ang="0">
+                            <a:pos x="connsiteX31" y="connsiteY31"/>
+                          </a:cxn>
+                          <a:cxn ang="0">
+                            <a:pos x="connsiteX32" y="connsiteY32"/>
+                          </a:cxn>
+                          <a:cxn ang="0">
+                            <a:pos x="connsiteX33" y="connsiteY33"/>
+                          </a:cxn>
+                          <a:cxn ang="0">
+                            <a:pos x="connsiteX34" y="connsiteY34"/>
+                          </a:cxn>
+                          <a:cxn ang="0">
+                            <a:pos x="connsiteX35" y="connsiteY35"/>
+                          </a:cxn>
+                          <a:cxn ang="0">
+                            <a:pos x="connsiteX36" y="connsiteY36"/>
+                          </a:cxn>
+                          <a:cxn ang="0">
+                            <a:pos x="connsiteX37" y="connsiteY37"/>
+                          </a:cxn>
+                          <a:cxn ang="0">
+                            <a:pos x="connsiteX38" y="connsiteY38"/>
+                          </a:cxn>
+                        </a:cxnLst>
+                        <a:rect l="l" t="t" r="r" b="b"/>
+                        <a:pathLst>
+                          <a:path w="8587785" h="2677656" fill="none" extrusionOk="0">
+                            <a:moveTo>
+                              <a:pt x="0" y="0"/>
+                            </a:moveTo>
+                            <a:cubicBezTo>
+                              <a:pt x="146742" y="-57357"/>
+                              <a:pt x="429544" y="585"/>
+                              <a:pt x="572519" y="0"/>
+                            </a:cubicBezTo>
+                            <a:cubicBezTo>
+                              <a:pt x="715494" y="-585"/>
+                              <a:pt x="886422" y="59226"/>
+                              <a:pt x="1145038" y="0"/>
+                            </a:cubicBezTo>
+                            <a:cubicBezTo>
+                              <a:pt x="1403654" y="-59226"/>
+                              <a:pt x="1377481" y="19496"/>
+                              <a:pt x="1459923" y="0"/>
+                            </a:cubicBezTo>
+                            <a:cubicBezTo>
+                              <a:pt x="1542365" y="-19496"/>
+                              <a:pt x="1896706" y="50769"/>
+                              <a:pt x="2032442" y="0"/>
+                            </a:cubicBezTo>
+                            <a:cubicBezTo>
+                              <a:pt x="2168178" y="-50769"/>
+                              <a:pt x="2477930" y="35698"/>
+                              <a:pt x="2776717" y="0"/>
+                            </a:cubicBezTo>
+                            <a:cubicBezTo>
+                              <a:pt x="3075505" y="-35698"/>
+                              <a:pt x="3107771" y="4875"/>
+                              <a:pt x="3263358" y="0"/>
+                            </a:cubicBezTo>
+                            <a:cubicBezTo>
+                              <a:pt x="3418945" y="-4875"/>
+                              <a:pt x="3626406" y="18389"/>
+                              <a:pt x="3749999" y="0"/>
+                            </a:cubicBezTo>
+                            <a:cubicBezTo>
+                              <a:pt x="3873592" y="-18389"/>
+                              <a:pt x="4121854" y="50812"/>
+                              <a:pt x="4322518" y="0"/>
+                            </a:cubicBezTo>
+                            <a:cubicBezTo>
+                              <a:pt x="4523182" y="-50812"/>
+                              <a:pt x="4746621" y="74357"/>
+                              <a:pt x="4980915" y="0"/>
+                            </a:cubicBezTo>
+                            <a:cubicBezTo>
+                              <a:pt x="5215209" y="-74357"/>
+                              <a:pt x="5414810" y="56397"/>
+                              <a:pt x="5639312" y="0"/>
+                            </a:cubicBezTo>
+                            <a:cubicBezTo>
+                              <a:pt x="5863814" y="-56397"/>
+                              <a:pt x="5996425" y="23625"/>
+                              <a:pt x="6297709" y="0"/>
+                            </a:cubicBezTo>
+                            <a:cubicBezTo>
+                              <a:pt x="6598993" y="-23625"/>
+                              <a:pt x="6738358" y="3914"/>
+                              <a:pt x="7041984" y="0"/>
+                            </a:cubicBezTo>
+                            <a:cubicBezTo>
+                              <a:pt x="7345610" y="-3914"/>
+                              <a:pt x="7456607" y="22708"/>
+                              <a:pt x="7614503" y="0"/>
+                            </a:cubicBezTo>
+                            <a:cubicBezTo>
+                              <a:pt x="7772399" y="-22708"/>
+                              <a:pt x="8186964" y="26186"/>
+                              <a:pt x="8587785" y="0"/>
+                            </a:cubicBezTo>
+                            <a:cubicBezTo>
+                              <a:pt x="8633640" y="167304"/>
+                              <a:pt x="8549912" y="394889"/>
+                              <a:pt x="8587785" y="535531"/>
+                            </a:cubicBezTo>
+                            <a:cubicBezTo>
+                              <a:pt x="8625658" y="676173"/>
+                              <a:pt x="8529682" y="1003963"/>
+                              <a:pt x="8587785" y="1124616"/>
+                            </a:cubicBezTo>
+                            <a:cubicBezTo>
+                              <a:pt x="8645888" y="1245269"/>
+                              <a:pt x="8553229" y="1558089"/>
+                              <a:pt x="8587785" y="1686923"/>
+                            </a:cubicBezTo>
+                            <a:cubicBezTo>
+                              <a:pt x="8622341" y="1815757"/>
+                              <a:pt x="8517746" y="2194036"/>
+                              <a:pt x="8587785" y="2677656"/>
+                            </a:cubicBezTo>
+                            <a:cubicBezTo>
+                              <a:pt x="8336240" y="2723079"/>
+                              <a:pt x="8065681" y="2614206"/>
+                              <a:pt x="7929388" y="2677656"/>
+                            </a:cubicBezTo>
+                            <a:cubicBezTo>
+                              <a:pt x="7793095" y="2741106"/>
+                              <a:pt x="7542833" y="2667899"/>
+                              <a:pt x="7442747" y="2677656"/>
+                            </a:cubicBezTo>
+                            <a:cubicBezTo>
+                              <a:pt x="7342661" y="2687413"/>
+                              <a:pt x="7092002" y="2656207"/>
+                              <a:pt x="6956106" y="2677656"/>
+                            </a:cubicBezTo>
+                            <a:cubicBezTo>
+                              <a:pt x="6820210" y="2699105"/>
+                              <a:pt x="6503982" y="2618800"/>
+                              <a:pt x="6297709" y="2677656"/>
+                            </a:cubicBezTo>
+                            <a:cubicBezTo>
+                              <a:pt x="6091436" y="2736512"/>
+                              <a:pt x="5941896" y="2655267"/>
+                              <a:pt x="5725190" y="2677656"/>
+                            </a:cubicBezTo>
+                            <a:cubicBezTo>
+                              <a:pt x="5508484" y="2700045"/>
+                              <a:pt x="5486016" y="2667154"/>
+                              <a:pt x="5410305" y="2677656"/>
+                            </a:cubicBezTo>
+                            <a:cubicBezTo>
+                              <a:pt x="5334594" y="2688158"/>
+                              <a:pt x="5130125" y="2659254"/>
+                              <a:pt x="4923663" y="2677656"/>
+                            </a:cubicBezTo>
+                            <a:cubicBezTo>
+                              <a:pt x="4717201" y="2696058"/>
+                              <a:pt x="4406528" y="2675289"/>
+                              <a:pt x="4265267" y="2677656"/>
+                            </a:cubicBezTo>
+                            <a:cubicBezTo>
+                              <a:pt x="4124006" y="2680023"/>
+                              <a:pt x="4036317" y="2632801"/>
+                              <a:pt x="3864503" y="2677656"/>
+                            </a:cubicBezTo>
+                            <a:cubicBezTo>
+                              <a:pt x="3692689" y="2722511"/>
+                              <a:pt x="3286496" y="2658750"/>
+                              <a:pt x="3120229" y="2677656"/>
+                            </a:cubicBezTo>
+                            <a:cubicBezTo>
+                              <a:pt x="2953962" y="2696562"/>
+                              <a:pt x="2686620" y="2595702"/>
+                              <a:pt x="2375954" y="2677656"/>
+                            </a:cubicBezTo>
+                            <a:cubicBezTo>
+                              <a:pt x="2065288" y="2759610"/>
+                              <a:pt x="1922498" y="2656922"/>
+                              <a:pt x="1803435" y="2677656"/>
+                            </a:cubicBezTo>
+                            <a:cubicBezTo>
+                              <a:pt x="1684372" y="2698390"/>
+                              <a:pt x="1265596" y="2659332"/>
+                              <a:pt x="1059160" y="2677656"/>
+                            </a:cubicBezTo>
+                            <a:cubicBezTo>
+                              <a:pt x="852725" y="2695980"/>
+                              <a:pt x="674489" y="2671476"/>
+                              <a:pt x="486641" y="2677656"/>
+                            </a:cubicBezTo>
+                            <a:cubicBezTo>
+                              <a:pt x="298793" y="2683836"/>
+                              <a:pt x="153026" y="2646325"/>
+                              <a:pt x="0" y="2677656"/>
+                            </a:cubicBezTo>
+                            <a:cubicBezTo>
+                              <a:pt x="-45014" y="2461190"/>
+                              <a:pt x="7228" y="2396786"/>
+                              <a:pt x="0" y="2222454"/>
+                            </a:cubicBezTo>
+                            <a:cubicBezTo>
+                              <a:pt x="-7228" y="2048122"/>
+                              <a:pt x="44600" y="1862099"/>
+                              <a:pt x="0" y="1740476"/>
+                            </a:cubicBezTo>
+                            <a:cubicBezTo>
+                              <a:pt x="-44600" y="1618853"/>
+                              <a:pt x="53721" y="1379054"/>
+                              <a:pt x="0" y="1258498"/>
+                            </a:cubicBezTo>
+                            <a:cubicBezTo>
+                              <a:pt x="-53721" y="1137942"/>
+                              <a:pt x="24422" y="860724"/>
+                              <a:pt x="0" y="749744"/>
+                            </a:cubicBezTo>
+                            <a:cubicBezTo>
+                              <a:pt x="-24422" y="638764"/>
+                              <a:pt x="87206" y="205725"/>
+                              <a:pt x="0" y="0"/>
+                            </a:cubicBezTo>
+                            <a:close/>
+                          </a:path>
+                          <a:path w="8587785" h="2677656" stroke="0" extrusionOk="0">
+                            <a:moveTo>
+                              <a:pt x="0" y="0"/>
+                            </a:moveTo>
+                            <a:cubicBezTo>
+                              <a:pt x="187231" y="-32812"/>
+                              <a:pt x="253602" y="2964"/>
+                              <a:pt x="486641" y="0"/>
+                            </a:cubicBezTo>
+                            <a:cubicBezTo>
+                              <a:pt x="719680" y="-2964"/>
+                              <a:pt x="689043" y="32537"/>
+                              <a:pt x="801527" y="0"/>
+                            </a:cubicBezTo>
+                            <a:cubicBezTo>
+                              <a:pt x="914011" y="-32537"/>
+                              <a:pt x="1282728" y="88539"/>
+                              <a:pt x="1545801" y="0"/>
+                            </a:cubicBezTo>
+                            <a:cubicBezTo>
+                              <a:pt x="1808874" y="-88539"/>
+                              <a:pt x="1920004" y="3177"/>
+                              <a:pt x="2032442" y="0"/>
+                            </a:cubicBezTo>
+                            <a:cubicBezTo>
+                              <a:pt x="2144880" y="-3177"/>
+                              <a:pt x="2282057" y="42524"/>
+                              <a:pt x="2519084" y="0"/>
+                            </a:cubicBezTo>
+                            <a:cubicBezTo>
+                              <a:pt x="2756111" y="-42524"/>
+                              <a:pt x="3111303" y="57610"/>
+                              <a:pt x="3263358" y="0"/>
+                            </a:cubicBezTo>
+                            <a:cubicBezTo>
+                              <a:pt x="3415413" y="-57610"/>
+                              <a:pt x="3503317" y="23214"/>
+                              <a:pt x="3664122" y="0"/>
+                            </a:cubicBezTo>
+                            <a:cubicBezTo>
+                              <a:pt x="3824927" y="-23214"/>
+                              <a:pt x="4054887" y="34760"/>
+                              <a:pt x="4408396" y="0"/>
+                            </a:cubicBezTo>
+                            <a:cubicBezTo>
+                              <a:pt x="4761905" y="-34760"/>
+                              <a:pt x="4962980" y="30979"/>
+                              <a:pt x="5152671" y="0"/>
+                            </a:cubicBezTo>
+                            <a:cubicBezTo>
+                              <a:pt x="5342362" y="-30979"/>
+                              <a:pt x="5489951" y="65747"/>
+                              <a:pt x="5725190" y="0"/>
+                            </a:cubicBezTo>
+                            <a:cubicBezTo>
+                              <a:pt x="5960429" y="-65747"/>
+                              <a:pt x="6258314" y="65115"/>
+                              <a:pt x="6469465" y="0"/>
+                            </a:cubicBezTo>
+                            <a:cubicBezTo>
+                              <a:pt x="6680617" y="-65115"/>
+                              <a:pt x="6766047" y="33882"/>
+                              <a:pt x="6956106" y="0"/>
+                            </a:cubicBezTo>
+                            <a:cubicBezTo>
+                              <a:pt x="7146165" y="-33882"/>
+                              <a:pt x="7292521" y="17038"/>
+                              <a:pt x="7442747" y="0"/>
+                            </a:cubicBezTo>
+                            <a:cubicBezTo>
+                              <a:pt x="7592973" y="-17038"/>
+                              <a:pt x="7918601" y="49220"/>
+                              <a:pt x="8101144" y="0"/>
+                            </a:cubicBezTo>
+                            <a:cubicBezTo>
+                              <a:pt x="8283687" y="-49220"/>
+                              <a:pt x="8388837" y="44031"/>
+                              <a:pt x="8587785" y="0"/>
+                            </a:cubicBezTo>
+                            <a:cubicBezTo>
+                              <a:pt x="8628323" y="280570"/>
+                              <a:pt x="8528548" y="363449"/>
+                              <a:pt x="8587785" y="589084"/>
+                            </a:cubicBezTo>
+                            <a:cubicBezTo>
+                              <a:pt x="8647022" y="814719"/>
+                              <a:pt x="8553251" y="963128"/>
+                              <a:pt x="8587785" y="1151392"/>
+                            </a:cubicBezTo>
+                            <a:cubicBezTo>
+                              <a:pt x="8622319" y="1339656"/>
+                              <a:pt x="8569537" y="1434327"/>
+                              <a:pt x="8587785" y="1713700"/>
+                            </a:cubicBezTo>
+                            <a:cubicBezTo>
+                              <a:pt x="8606033" y="1993073"/>
+                              <a:pt x="8485766" y="2227303"/>
+                              <a:pt x="8587785" y="2677656"/>
+                            </a:cubicBezTo>
+                            <a:cubicBezTo>
+                              <a:pt x="8450510" y="2693928"/>
+                              <a:pt x="8419216" y="2659761"/>
+                              <a:pt x="8272900" y="2677656"/>
+                            </a:cubicBezTo>
+                            <a:cubicBezTo>
+                              <a:pt x="8126585" y="2695551"/>
+                              <a:pt x="7791784" y="2608627"/>
+                              <a:pt x="7528625" y="2677656"/>
+                            </a:cubicBezTo>
+                            <a:cubicBezTo>
+                              <a:pt x="7265467" y="2746685"/>
+                              <a:pt x="7141929" y="2648947"/>
+                              <a:pt x="6956106" y="2677656"/>
+                            </a:cubicBezTo>
+                            <a:cubicBezTo>
+                              <a:pt x="6770283" y="2706365"/>
+                              <a:pt x="6711035" y="2658654"/>
+                              <a:pt x="6555343" y="2677656"/>
+                            </a:cubicBezTo>
+                            <a:cubicBezTo>
+                              <a:pt x="6399651" y="2696658"/>
+                              <a:pt x="6154211" y="2640123"/>
+                              <a:pt x="5982824" y="2677656"/>
+                            </a:cubicBezTo>
+                            <a:cubicBezTo>
+                              <a:pt x="5811437" y="2715189"/>
+                              <a:pt x="5758806" y="2671163"/>
+                              <a:pt x="5667938" y="2677656"/>
+                            </a:cubicBezTo>
+                            <a:cubicBezTo>
+                              <a:pt x="5577070" y="2684149"/>
+                              <a:pt x="5506881" y="2656100"/>
+                              <a:pt x="5353053" y="2677656"/>
+                            </a:cubicBezTo>
+                            <a:cubicBezTo>
+                              <a:pt x="5199226" y="2699212"/>
+                              <a:pt x="4995047" y="2648000"/>
+                              <a:pt x="4780534" y="2677656"/>
+                            </a:cubicBezTo>
+                            <a:cubicBezTo>
+                              <a:pt x="4566021" y="2707312"/>
+                              <a:pt x="4479227" y="2667291"/>
+                              <a:pt x="4379770" y="2677656"/>
+                            </a:cubicBezTo>
+                            <a:cubicBezTo>
+                              <a:pt x="4280313" y="2688021"/>
+                              <a:pt x="4029949" y="2605872"/>
+                              <a:pt x="3721374" y="2677656"/>
+                            </a:cubicBezTo>
+                            <a:cubicBezTo>
+                              <a:pt x="3412799" y="2749440"/>
+                              <a:pt x="3499930" y="2649019"/>
+                              <a:pt x="3320610" y="2677656"/>
+                            </a:cubicBezTo>
+                            <a:cubicBezTo>
+                              <a:pt x="3141290" y="2706293"/>
+                              <a:pt x="2929398" y="2650456"/>
+                              <a:pt x="2662213" y="2677656"/>
+                            </a:cubicBezTo>
+                            <a:cubicBezTo>
+                              <a:pt x="2395028" y="2704856"/>
+                              <a:pt x="2492337" y="2665255"/>
+                              <a:pt x="2347328" y="2677656"/>
+                            </a:cubicBezTo>
+                            <a:cubicBezTo>
+                              <a:pt x="2202320" y="2690057"/>
+                              <a:pt x="1956923" y="2660621"/>
+                              <a:pt x="1688931" y="2677656"/>
+                            </a:cubicBezTo>
+                            <a:cubicBezTo>
+                              <a:pt x="1420939" y="2694691"/>
+                              <a:pt x="1444383" y="2648035"/>
+                              <a:pt x="1288168" y="2677656"/>
+                            </a:cubicBezTo>
+                            <a:cubicBezTo>
+                              <a:pt x="1131953" y="2707277"/>
+                              <a:pt x="1120446" y="2645928"/>
+                              <a:pt x="973282" y="2677656"/>
+                            </a:cubicBezTo>
+                            <a:cubicBezTo>
+                              <a:pt x="826118" y="2709384"/>
+                              <a:pt x="666513" y="2648943"/>
+                              <a:pt x="572519" y="2677656"/>
+                            </a:cubicBezTo>
+                            <a:cubicBezTo>
+                              <a:pt x="478525" y="2706369"/>
+                              <a:pt x="165977" y="2646241"/>
+                              <a:pt x="0" y="2677656"/>
+                            </a:cubicBezTo>
+                            <a:cubicBezTo>
+                              <a:pt x="-21479" y="2566736"/>
+                              <a:pt x="12938" y="2310598"/>
+                              <a:pt x="0" y="2195678"/>
+                            </a:cubicBezTo>
+                            <a:cubicBezTo>
+                              <a:pt x="-12938" y="2080758"/>
+                              <a:pt x="22047" y="1877943"/>
+                              <a:pt x="0" y="1740476"/>
+                            </a:cubicBezTo>
+                            <a:cubicBezTo>
+                              <a:pt x="-22047" y="1603009"/>
+                              <a:pt x="19768" y="1487150"/>
+                              <a:pt x="0" y="1285275"/>
+                            </a:cubicBezTo>
+                            <a:cubicBezTo>
+                              <a:pt x="-19768" y="1083400"/>
+                              <a:pt x="6390" y="857080"/>
+                              <a:pt x="0" y="722967"/>
+                            </a:cubicBezTo>
+                            <a:cubicBezTo>
+                              <a:pt x="-6390" y="588854"/>
+                              <a:pt x="5013" y="191032"/>
+                              <a:pt x="0" y="0"/>
+                            </a:cubicBezTo>
+                            <a:close/>
+                          </a:path>
+                        </a:pathLst>
+                      </a:custGeom>
+                      <ask:type>
+                        <ask:lineSketchScribble/>
+                      </ask:type>
+                    </ask:lineSketchStyleProps>
+                  </a:ext>
+                </a:extLst>
+              </a:ln>
+            </p:spPr>
+            <p:txBody>
+              <a:bodyPr/>
+              <a:lstStyle/>
+              <a:p>
+                <a:r>
+                  <a:rPr lang="en-US">
+                    <a:noFill/>
+                  </a:rPr>
+                  <a:t> </a:t>
+                </a:r>
+              </a:p>
+            </p:txBody>
+          </p:sp>
+        </mc:Fallback>
+      </mc:AlternateContent>
+      <mc:AlternateContent xmlns:mc="http://schemas.openxmlformats.org/markup-compatibility/2006" xmlns:a14="http://schemas.microsoft.com/office/drawing/2010/main">
+        <mc:Choice Requires="a14">
+          <p:sp>
+            <p:nvSpPr>
+              <p:cNvPr id="5" name="TextBox 4">
+                <a:extLst>
+                  <a:ext uri="{FF2B5EF4-FFF2-40B4-BE49-F238E27FC236}">
+                    <a16:creationId xmlns:a16="http://schemas.microsoft.com/office/drawing/2014/main" id="{59C849AF-2E92-1421-AC68-E7968585B0A7}"/>
+                  </a:ext>
+                </a:extLst>
+              </p:cNvPr>
+              <p:cNvSpPr txBox="1"/>
+              <p:nvPr/>
+            </p:nvSpPr>
+            <p:spPr>
+              <a:xfrm>
+                <a:off x="1656522" y="4481772"/>
+                <a:ext cx="12834730" cy="3650358"/>
+              </a:xfrm>
+              <a:custGeom>
+                <a:avLst/>
+                <a:gdLst>
+                  <a:gd name="connsiteX0" fmla="*/ 0 w 12834730"/>
+                  <a:gd name="connsiteY0" fmla="*/ 0 h 3650358"/>
+                  <a:gd name="connsiteX1" fmla="*/ 455050 w 12834730"/>
+                  <a:gd name="connsiteY1" fmla="*/ 0 h 3650358"/>
+                  <a:gd name="connsiteX2" fmla="*/ 1295141 w 12834730"/>
+                  <a:gd name="connsiteY2" fmla="*/ 0 h 3650358"/>
+                  <a:gd name="connsiteX3" fmla="*/ 2135232 w 12834730"/>
+                  <a:gd name="connsiteY3" fmla="*/ 0 h 3650358"/>
+                  <a:gd name="connsiteX4" fmla="*/ 2846976 w 12834730"/>
+                  <a:gd name="connsiteY4" fmla="*/ 0 h 3650358"/>
+                  <a:gd name="connsiteX5" fmla="*/ 3302026 w 12834730"/>
+                  <a:gd name="connsiteY5" fmla="*/ 0 h 3650358"/>
+                  <a:gd name="connsiteX6" fmla="*/ 3500381 w 12834730"/>
+                  <a:gd name="connsiteY6" fmla="*/ 0 h 3650358"/>
+                  <a:gd name="connsiteX7" fmla="*/ 3955430 w 12834730"/>
+                  <a:gd name="connsiteY7" fmla="*/ 0 h 3650358"/>
+                  <a:gd name="connsiteX8" fmla="*/ 4667175 w 12834730"/>
+                  <a:gd name="connsiteY8" fmla="*/ 0 h 3650358"/>
+                  <a:gd name="connsiteX9" fmla="*/ 5507266 w 12834730"/>
+                  <a:gd name="connsiteY9" fmla="*/ 0 h 3650358"/>
+                  <a:gd name="connsiteX10" fmla="*/ 5705621 w 12834730"/>
+                  <a:gd name="connsiteY10" fmla="*/ 0 h 3650358"/>
+                  <a:gd name="connsiteX11" fmla="*/ 5903976 w 12834730"/>
+                  <a:gd name="connsiteY11" fmla="*/ 0 h 3650358"/>
+                  <a:gd name="connsiteX12" fmla="*/ 6744067 w 12834730"/>
+                  <a:gd name="connsiteY12" fmla="*/ 0 h 3650358"/>
+                  <a:gd name="connsiteX13" fmla="*/ 6942422 w 12834730"/>
+                  <a:gd name="connsiteY13" fmla="*/ 0 h 3650358"/>
+                  <a:gd name="connsiteX14" fmla="*/ 7525819 w 12834730"/>
+                  <a:gd name="connsiteY14" fmla="*/ 0 h 3650358"/>
+                  <a:gd name="connsiteX15" fmla="*/ 7852521 w 12834730"/>
+                  <a:gd name="connsiteY15" fmla="*/ 0 h 3650358"/>
+                  <a:gd name="connsiteX16" fmla="*/ 8179223 w 12834730"/>
+                  <a:gd name="connsiteY16" fmla="*/ 0 h 3650358"/>
+                  <a:gd name="connsiteX17" fmla="*/ 8505926 w 12834730"/>
+                  <a:gd name="connsiteY17" fmla="*/ 0 h 3650358"/>
+                  <a:gd name="connsiteX18" fmla="*/ 8832628 w 12834730"/>
+                  <a:gd name="connsiteY18" fmla="*/ 0 h 3650358"/>
+                  <a:gd name="connsiteX19" fmla="*/ 9287677 w 12834730"/>
+                  <a:gd name="connsiteY19" fmla="*/ 0 h 3650358"/>
+                  <a:gd name="connsiteX20" fmla="*/ 9614380 w 12834730"/>
+                  <a:gd name="connsiteY20" fmla="*/ 0 h 3650358"/>
+                  <a:gd name="connsiteX21" fmla="*/ 10069429 w 12834730"/>
+                  <a:gd name="connsiteY21" fmla="*/ 0 h 3650358"/>
+                  <a:gd name="connsiteX22" fmla="*/ 10781173 w 12834730"/>
+                  <a:gd name="connsiteY22" fmla="*/ 0 h 3650358"/>
+                  <a:gd name="connsiteX23" fmla="*/ 11107875 w 12834730"/>
+                  <a:gd name="connsiteY23" fmla="*/ 0 h 3650358"/>
+                  <a:gd name="connsiteX24" fmla="*/ 11306230 w 12834730"/>
+                  <a:gd name="connsiteY24" fmla="*/ 0 h 3650358"/>
+                  <a:gd name="connsiteX25" fmla="*/ 12146322 w 12834730"/>
+                  <a:gd name="connsiteY25" fmla="*/ 0 h 3650358"/>
+                  <a:gd name="connsiteX26" fmla="*/ 12834730 w 12834730"/>
+                  <a:gd name="connsiteY26" fmla="*/ 0 h 3650358"/>
+                  <a:gd name="connsiteX27" fmla="*/ 12834730 w 12834730"/>
+                  <a:gd name="connsiteY27" fmla="*/ 521480 h 3650358"/>
+                  <a:gd name="connsiteX28" fmla="*/ 12834730 w 12834730"/>
+                  <a:gd name="connsiteY28" fmla="*/ 969952 h 3650358"/>
+                  <a:gd name="connsiteX29" fmla="*/ 12834730 w 12834730"/>
+                  <a:gd name="connsiteY29" fmla="*/ 1491432 h 3650358"/>
+                  <a:gd name="connsiteX30" fmla="*/ 12834730 w 12834730"/>
+                  <a:gd name="connsiteY30" fmla="*/ 2049415 h 3650358"/>
+                  <a:gd name="connsiteX31" fmla="*/ 12834730 w 12834730"/>
+                  <a:gd name="connsiteY31" fmla="*/ 2534391 h 3650358"/>
+                  <a:gd name="connsiteX32" fmla="*/ 12834730 w 12834730"/>
+                  <a:gd name="connsiteY32" fmla="*/ 2982864 h 3650358"/>
+                  <a:gd name="connsiteX33" fmla="*/ 12834730 w 12834730"/>
+                  <a:gd name="connsiteY33" fmla="*/ 3650358 h 3650358"/>
+                  <a:gd name="connsiteX34" fmla="*/ 12122986 w 12834730"/>
+                  <a:gd name="connsiteY34" fmla="*/ 3650358 h 3650358"/>
+                  <a:gd name="connsiteX35" fmla="*/ 11796284 w 12834730"/>
+                  <a:gd name="connsiteY35" fmla="*/ 3650358 h 3650358"/>
+                  <a:gd name="connsiteX36" fmla="*/ 11469581 w 12834730"/>
+                  <a:gd name="connsiteY36" fmla="*/ 3650358 h 3650358"/>
+                  <a:gd name="connsiteX37" fmla="*/ 10629490 w 12834730"/>
+                  <a:gd name="connsiteY37" fmla="*/ 3650358 h 3650358"/>
+                  <a:gd name="connsiteX38" fmla="*/ 9789399 w 12834730"/>
+                  <a:gd name="connsiteY38" fmla="*/ 3650358 h 3650358"/>
+                  <a:gd name="connsiteX39" fmla="*/ 9206002 w 12834730"/>
+                  <a:gd name="connsiteY39" fmla="*/ 3650358 h 3650358"/>
+                  <a:gd name="connsiteX40" fmla="*/ 9007647 w 12834730"/>
+                  <a:gd name="connsiteY40" fmla="*/ 3650358 h 3650358"/>
+                  <a:gd name="connsiteX41" fmla="*/ 8809292 w 12834730"/>
+                  <a:gd name="connsiteY41" fmla="*/ 3650358 h 3650358"/>
+                  <a:gd name="connsiteX42" fmla="*/ 7969201 w 12834730"/>
+                  <a:gd name="connsiteY42" fmla="*/ 3650358 h 3650358"/>
+                  <a:gd name="connsiteX43" fmla="*/ 7514151 w 12834730"/>
+                  <a:gd name="connsiteY43" fmla="*/ 3650358 h 3650358"/>
+                  <a:gd name="connsiteX44" fmla="*/ 6674060 w 12834730"/>
+                  <a:gd name="connsiteY44" fmla="*/ 3650358 h 3650358"/>
+                  <a:gd name="connsiteX45" fmla="*/ 6090663 w 12834730"/>
+                  <a:gd name="connsiteY45" fmla="*/ 3650358 h 3650358"/>
+                  <a:gd name="connsiteX46" fmla="*/ 5892308 w 12834730"/>
+                  <a:gd name="connsiteY46" fmla="*/ 3650358 h 3650358"/>
+                  <a:gd name="connsiteX47" fmla="*/ 5565606 w 12834730"/>
+                  <a:gd name="connsiteY47" fmla="*/ 3650358 h 3650358"/>
+                  <a:gd name="connsiteX48" fmla="*/ 5110556 w 12834730"/>
+                  <a:gd name="connsiteY48" fmla="*/ 3650358 h 3650358"/>
+                  <a:gd name="connsiteX49" fmla="*/ 4398812 w 12834730"/>
+                  <a:gd name="connsiteY49" fmla="*/ 3650358 h 3650358"/>
+                  <a:gd name="connsiteX50" fmla="*/ 3687068 w 12834730"/>
+                  <a:gd name="connsiteY50" fmla="*/ 3650358 h 3650358"/>
+                  <a:gd name="connsiteX51" fmla="*/ 3103671 w 12834730"/>
+                  <a:gd name="connsiteY51" fmla="*/ 3650358 h 3650358"/>
+                  <a:gd name="connsiteX52" fmla="*/ 2648622 w 12834730"/>
+                  <a:gd name="connsiteY52" fmla="*/ 3650358 h 3650358"/>
+                  <a:gd name="connsiteX53" fmla="*/ 1808530 w 12834730"/>
+                  <a:gd name="connsiteY53" fmla="*/ 3650358 h 3650358"/>
+                  <a:gd name="connsiteX54" fmla="*/ 1225133 w 12834730"/>
+                  <a:gd name="connsiteY54" fmla="*/ 3650358 h 3650358"/>
+                  <a:gd name="connsiteX55" fmla="*/ 898431 w 12834730"/>
+                  <a:gd name="connsiteY55" fmla="*/ 3650358 h 3650358"/>
+                  <a:gd name="connsiteX56" fmla="*/ 571729 w 12834730"/>
+                  <a:gd name="connsiteY56" fmla="*/ 3650358 h 3650358"/>
+                  <a:gd name="connsiteX57" fmla="*/ 0 w 12834730"/>
+                  <a:gd name="connsiteY57" fmla="*/ 3650358 h 3650358"/>
+                  <a:gd name="connsiteX58" fmla="*/ 0 w 12834730"/>
+                  <a:gd name="connsiteY58" fmla="*/ 3128878 h 3650358"/>
+                  <a:gd name="connsiteX59" fmla="*/ 0 w 12834730"/>
+                  <a:gd name="connsiteY59" fmla="*/ 2643902 h 3650358"/>
+                  <a:gd name="connsiteX60" fmla="*/ 0 w 12834730"/>
+                  <a:gd name="connsiteY60" fmla="*/ 2195430 h 3650358"/>
+                  <a:gd name="connsiteX61" fmla="*/ 0 w 12834730"/>
+                  <a:gd name="connsiteY61" fmla="*/ 1637446 h 3650358"/>
+                  <a:gd name="connsiteX62" fmla="*/ 0 w 12834730"/>
+                  <a:gd name="connsiteY62" fmla="*/ 1079463 h 3650358"/>
+                  <a:gd name="connsiteX63" fmla="*/ 0 w 12834730"/>
+                  <a:gd name="connsiteY63" fmla="*/ 521480 h 3650358"/>
+                  <a:gd name="connsiteX64" fmla="*/ 0 w 12834730"/>
+                  <a:gd name="connsiteY64" fmla="*/ 0 h 3650358"/>
+                </a:gdLst>
+                <a:ahLst/>
+                <a:cxnLst>
+                  <a:cxn ang="0">
+                    <a:pos x="connsiteX0" y="connsiteY0"/>
+                  </a:cxn>
+                  <a:cxn ang="0">
+                    <a:pos x="connsiteX1" y="connsiteY1"/>
+                  </a:cxn>
+                  <a:cxn ang="0">
+                    <a:pos x="connsiteX2" y="connsiteY2"/>
+                  </a:cxn>
+                  <a:cxn ang="0">
+                    <a:pos x="connsiteX3" y="connsiteY3"/>
+                  </a:cxn>
+                  <a:cxn ang="0">
+                    <a:pos x="connsiteX4" y="connsiteY4"/>
+                  </a:cxn>
+                  <a:cxn ang="0">
+                    <a:pos x="connsiteX5" y="connsiteY5"/>
+                  </a:cxn>
+                  <a:cxn ang="0">
+                    <a:pos x="connsiteX6" y="connsiteY6"/>
+                  </a:cxn>
+                  <a:cxn ang="0">
+                    <a:pos x="connsiteX7" y="connsiteY7"/>
+                  </a:cxn>
+                  <a:cxn ang="0">
+                    <a:pos x="connsiteX8" y="connsiteY8"/>
+                  </a:cxn>
+                  <a:cxn ang="0">
+                    <a:pos x="connsiteX9" y="connsiteY9"/>
+                  </a:cxn>
+                  <a:cxn ang="0">
+                    <a:pos x="connsiteX10" y="connsiteY10"/>
+                  </a:cxn>
+                  <a:cxn ang="0">
+                    <a:pos x="connsiteX11" y="connsiteY11"/>
+                  </a:cxn>
+                  <a:cxn ang="0">
+                    <a:pos x="connsiteX12" y="connsiteY12"/>
+                  </a:cxn>
+                  <a:cxn ang="0">
+                    <a:pos x="connsiteX13" y="connsiteY13"/>
+                  </a:cxn>
+                  <a:cxn ang="0">
+                    <a:pos x="connsiteX14" y="connsiteY14"/>
+                  </a:cxn>
+                  <a:cxn ang="0">
+                    <a:pos x="connsiteX15" y="connsiteY15"/>
+                  </a:cxn>
+                  <a:cxn ang="0">
+                    <a:pos x="connsiteX16" y="connsiteY16"/>
+                  </a:cxn>
+                  <a:cxn ang="0">
+                    <a:pos x="connsiteX17" y="connsiteY17"/>
+                  </a:cxn>
+                  <a:cxn ang="0">
+                    <a:pos x="connsiteX18" y="connsiteY18"/>
+                  </a:cxn>
+                  <a:cxn ang="0">
+                    <a:pos x="connsiteX19" y="connsiteY19"/>
+                  </a:cxn>
+                  <a:cxn ang="0">
+                    <a:pos x="connsiteX20" y="connsiteY20"/>
+                  </a:cxn>
+                  <a:cxn ang="0">
+                    <a:pos x="connsiteX21" y="connsiteY21"/>
+                  </a:cxn>
+                  <a:cxn ang="0">
+                    <a:pos x="connsiteX22" y="connsiteY22"/>
+                  </a:cxn>
+                  <a:cxn ang="0">
+                    <a:pos x="connsiteX23" y="connsiteY23"/>
+                  </a:cxn>
+                  <a:cxn ang="0">
+                    <a:pos x="connsiteX24" y="connsiteY24"/>
+                  </a:cxn>
+                  <a:cxn ang="0">
+                    <a:pos x="connsiteX25" y="connsiteY25"/>
+                  </a:cxn>
+                  <a:cxn ang="0">
+                    <a:pos x="connsiteX26" y="connsiteY26"/>
+                  </a:cxn>
+                  <a:cxn ang="0">
+                    <a:pos x="connsiteX27" y="connsiteY27"/>
+                  </a:cxn>
+                  <a:cxn ang="0">
+                    <a:pos x="connsiteX28" y="connsiteY28"/>
+                  </a:cxn>
+                  <a:cxn ang="0">
+                    <a:pos x="connsiteX29" y="connsiteY29"/>
+                  </a:cxn>
+                  <a:cxn ang="0">
+                    <a:pos x="connsiteX30" y="connsiteY30"/>
+                  </a:cxn>
+                  <a:cxn ang="0">
+                    <a:pos x="connsiteX31" y="connsiteY31"/>
+                  </a:cxn>
+                  <a:cxn ang="0">
+                    <a:pos x="connsiteX32" y="connsiteY32"/>
+                  </a:cxn>
+                  <a:cxn ang="0">
+                    <a:pos x="connsiteX33" y="connsiteY33"/>
+                  </a:cxn>
+                  <a:cxn ang="0">
+                    <a:pos x="connsiteX34" y="connsiteY34"/>
+                  </a:cxn>
+                  <a:cxn ang="0">
+                    <a:pos x="connsiteX35" y="connsiteY35"/>
+                  </a:cxn>
+                  <a:cxn ang="0">
+                    <a:pos x="connsiteX36" y="connsiteY36"/>
+                  </a:cxn>
+                  <a:cxn ang="0">
+                    <a:pos x="connsiteX37" y="connsiteY37"/>
+                  </a:cxn>
+                  <a:cxn ang="0">
+                    <a:pos x="connsiteX38" y="connsiteY38"/>
+                  </a:cxn>
+                  <a:cxn ang="0">
+                    <a:pos x="connsiteX39" y="connsiteY39"/>
+                  </a:cxn>
+                  <a:cxn ang="0">
+                    <a:pos x="connsiteX40" y="connsiteY40"/>
+                  </a:cxn>
+                  <a:cxn ang="0">
+                    <a:pos x="connsiteX41" y="connsiteY41"/>
+                  </a:cxn>
+                  <a:cxn ang="0">
+                    <a:pos x="connsiteX42" y="connsiteY42"/>
+                  </a:cxn>
+                  <a:cxn ang="0">
+                    <a:pos x="connsiteX43" y="connsiteY43"/>
+                  </a:cxn>
+                  <a:cxn ang="0">
+                    <a:pos x="connsiteX44" y="connsiteY44"/>
+                  </a:cxn>
+                  <a:cxn ang="0">
+                    <a:pos x="connsiteX45" y="connsiteY45"/>
+                  </a:cxn>
+                  <a:cxn ang="0">
+                    <a:pos x="connsiteX46" y="connsiteY46"/>
+                  </a:cxn>
+                  <a:cxn ang="0">
+                    <a:pos x="connsiteX47" y="connsiteY47"/>
+                  </a:cxn>
+                  <a:cxn ang="0">
+                    <a:pos x="connsiteX48" y="connsiteY48"/>
+                  </a:cxn>
+                  <a:cxn ang="0">
+                    <a:pos x="connsiteX49" y="connsiteY49"/>
+                  </a:cxn>
+                  <a:cxn ang="0">
+                    <a:pos x="connsiteX50" y="connsiteY50"/>
+                  </a:cxn>
+                  <a:cxn ang="0">
+                    <a:pos x="connsiteX51" y="connsiteY51"/>
+                  </a:cxn>
+                  <a:cxn ang="0">
+                    <a:pos x="connsiteX52" y="connsiteY52"/>
+                  </a:cxn>
+                  <a:cxn ang="0">
+                    <a:pos x="connsiteX53" y="connsiteY53"/>
+                  </a:cxn>
+                  <a:cxn ang="0">
+                    <a:pos x="connsiteX54" y="connsiteY54"/>
+                  </a:cxn>
+                  <a:cxn ang="0">
+                    <a:pos x="connsiteX55" y="connsiteY55"/>
+                  </a:cxn>
+                  <a:cxn ang="0">
+                    <a:pos x="connsiteX56" y="connsiteY56"/>
+                  </a:cxn>
+                  <a:cxn ang="0">
+                    <a:pos x="connsiteX57" y="connsiteY57"/>
+                  </a:cxn>
+                  <a:cxn ang="0">
+                    <a:pos x="connsiteX58" y="connsiteY58"/>
+                  </a:cxn>
+                  <a:cxn ang="0">
+                    <a:pos x="connsiteX59" y="connsiteY59"/>
+                  </a:cxn>
+                  <a:cxn ang="0">
+                    <a:pos x="connsiteX60" y="connsiteY60"/>
+                  </a:cxn>
+                  <a:cxn ang="0">
+                    <a:pos x="connsiteX61" y="connsiteY61"/>
+                  </a:cxn>
+                  <a:cxn ang="0">
+                    <a:pos x="connsiteX62" y="connsiteY62"/>
+                  </a:cxn>
+                  <a:cxn ang="0">
+                    <a:pos x="connsiteX63" y="connsiteY63"/>
+                  </a:cxn>
+                  <a:cxn ang="0">
+                    <a:pos x="connsiteX64" y="connsiteY64"/>
+                  </a:cxn>
+                </a:cxnLst>
+                <a:rect l="l" t="t" r="r" b="b"/>
+                <a:pathLst>
+                  <a:path w="12834730" h="3650358" fill="none" extrusionOk="0">
+                    <a:moveTo>
+                      <a:pt x="0" y="0"/>
+                    </a:moveTo>
+                    <a:cubicBezTo>
+                      <a:pt x="187101" y="-33231"/>
+                      <a:pt x="300681" y="36064"/>
+                      <a:pt x="455050" y="0"/>
+                    </a:cubicBezTo>
+                    <a:cubicBezTo>
+                      <a:pt x="609419" y="-36064"/>
+                      <a:pt x="1116647" y="57747"/>
+                      <a:pt x="1295141" y="0"/>
+                    </a:cubicBezTo>
+                    <a:cubicBezTo>
+                      <a:pt x="1473635" y="-57747"/>
+                      <a:pt x="1816855" y="86487"/>
+                      <a:pt x="2135232" y="0"/>
+                    </a:cubicBezTo>
+                    <a:cubicBezTo>
+                      <a:pt x="2453609" y="-86487"/>
+                      <a:pt x="2529496" y="64609"/>
+                      <a:pt x="2846976" y="0"/>
+                    </a:cubicBezTo>
+                    <a:cubicBezTo>
+                      <a:pt x="3164456" y="-64609"/>
+                      <a:pt x="3147629" y="25225"/>
+                      <a:pt x="3302026" y="0"/>
+                    </a:cubicBezTo>
+                    <a:cubicBezTo>
+                      <a:pt x="3456423" y="-25225"/>
+                      <a:pt x="3438874" y="8750"/>
+                      <a:pt x="3500381" y="0"/>
+                    </a:cubicBezTo>
+                    <a:cubicBezTo>
+                      <a:pt x="3561888" y="-8750"/>
+                      <a:pt x="3741651" y="46794"/>
+                      <a:pt x="3955430" y="0"/>
+                    </a:cubicBezTo>
+                    <a:cubicBezTo>
+                      <a:pt x="4169209" y="-46794"/>
+                      <a:pt x="4487023" y="36933"/>
+                      <a:pt x="4667175" y="0"/>
+                    </a:cubicBezTo>
+                    <a:cubicBezTo>
+                      <a:pt x="4847328" y="-36933"/>
+                      <a:pt x="5113054" y="29528"/>
+                      <a:pt x="5507266" y="0"/>
+                    </a:cubicBezTo>
+                    <a:cubicBezTo>
+                      <a:pt x="5901478" y="-29528"/>
+                      <a:pt x="5644451" y="9508"/>
+                      <a:pt x="5705621" y="0"/>
+                    </a:cubicBezTo>
+                    <a:cubicBezTo>
+                      <a:pt x="5766792" y="-9508"/>
+                      <a:pt x="5834415" y="11401"/>
+                      <a:pt x="5903976" y="0"/>
+                    </a:cubicBezTo>
+                    <a:cubicBezTo>
+                      <a:pt x="5973538" y="-11401"/>
+                      <a:pt x="6489379" y="22215"/>
+                      <a:pt x="6744067" y="0"/>
+                    </a:cubicBezTo>
+                    <a:cubicBezTo>
+                      <a:pt x="6998755" y="-22215"/>
+                      <a:pt x="6891244" y="22863"/>
+                      <a:pt x="6942422" y="0"/>
+                    </a:cubicBezTo>
+                    <a:cubicBezTo>
+                      <a:pt x="6993601" y="-22863"/>
+                      <a:pt x="7280606" y="54753"/>
+                      <a:pt x="7525819" y="0"/>
+                    </a:cubicBezTo>
+                    <a:cubicBezTo>
+                      <a:pt x="7771032" y="-54753"/>
+                      <a:pt x="7775496" y="9262"/>
+                      <a:pt x="7852521" y="0"/>
+                    </a:cubicBezTo>
+                    <a:cubicBezTo>
+                      <a:pt x="7929546" y="-9262"/>
+                      <a:pt x="8037895" y="21868"/>
+                      <a:pt x="8179223" y="0"/>
+                    </a:cubicBezTo>
+                    <a:cubicBezTo>
+                      <a:pt x="8320551" y="-21868"/>
+                      <a:pt x="8376804" y="37983"/>
+                      <a:pt x="8505926" y="0"/>
+                    </a:cubicBezTo>
+                    <a:cubicBezTo>
+                      <a:pt x="8635048" y="-37983"/>
+                      <a:pt x="8748679" y="12253"/>
+                      <a:pt x="8832628" y="0"/>
+                    </a:cubicBezTo>
+                    <a:cubicBezTo>
+                      <a:pt x="8916577" y="-12253"/>
+                      <a:pt x="9181327" y="39388"/>
+                      <a:pt x="9287677" y="0"/>
+                    </a:cubicBezTo>
+                    <a:cubicBezTo>
+                      <a:pt x="9394027" y="-39388"/>
+                      <a:pt x="9528982" y="31443"/>
+                      <a:pt x="9614380" y="0"/>
+                    </a:cubicBezTo>
+                    <a:cubicBezTo>
+                      <a:pt x="9699778" y="-31443"/>
+                      <a:pt x="9887998" y="40985"/>
+                      <a:pt x="10069429" y="0"/>
+                    </a:cubicBezTo>
+                    <a:cubicBezTo>
+                      <a:pt x="10250860" y="-40985"/>
+                      <a:pt x="10511577" y="65744"/>
+                      <a:pt x="10781173" y="0"/>
+                    </a:cubicBezTo>
+                    <a:cubicBezTo>
+                      <a:pt x="11050769" y="-65744"/>
+                      <a:pt x="10979711" y="15420"/>
+                      <a:pt x="11107875" y="0"/>
+                    </a:cubicBezTo>
+                    <a:cubicBezTo>
+                      <a:pt x="11236039" y="-15420"/>
+                      <a:pt x="11212703" y="12906"/>
+                      <a:pt x="11306230" y="0"/>
+                    </a:cubicBezTo>
+                    <a:cubicBezTo>
+                      <a:pt x="11399757" y="-12906"/>
+                      <a:pt x="11757743" y="1836"/>
+                      <a:pt x="12146322" y="0"/>
+                    </a:cubicBezTo>
+                    <a:cubicBezTo>
+                      <a:pt x="12534901" y="-1836"/>
+                      <a:pt x="12606756" y="76233"/>
+                      <a:pt x="12834730" y="0"/>
+                    </a:cubicBezTo>
+                    <a:cubicBezTo>
+                      <a:pt x="12866231" y="222844"/>
+                      <a:pt x="12802371" y="278292"/>
+                      <a:pt x="12834730" y="521480"/>
+                    </a:cubicBezTo>
+                    <a:cubicBezTo>
+                      <a:pt x="12867089" y="764668"/>
+                      <a:pt x="12803540" y="761784"/>
+                      <a:pt x="12834730" y="969952"/>
+                    </a:cubicBezTo>
+                    <a:cubicBezTo>
+                      <a:pt x="12865920" y="1178120"/>
+                      <a:pt x="12785944" y="1234715"/>
+                      <a:pt x="12834730" y="1491432"/>
+                    </a:cubicBezTo>
+                    <a:cubicBezTo>
+                      <a:pt x="12883516" y="1748149"/>
+                      <a:pt x="12784754" y="1914895"/>
+                      <a:pt x="12834730" y="2049415"/>
+                    </a:cubicBezTo>
+                    <a:cubicBezTo>
+                      <a:pt x="12884706" y="2183935"/>
+                      <a:pt x="12831618" y="2325872"/>
+                      <a:pt x="12834730" y="2534391"/>
+                    </a:cubicBezTo>
+                    <a:cubicBezTo>
+                      <a:pt x="12837842" y="2742910"/>
+                      <a:pt x="12791485" y="2762283"/>
+                      <a:pt x="12834730" y="2982864"/>
+                    </a:cubicBezTo>
+                    <a:cubicBezTo>
+                      <a:pt x="12877975" y="3203445"/>
+                      <a:pt x="12822305" y="3499161"/>
+                      <a:pt x="12834730" y="3650358"/>
+                    </a:cubicBezTo>
+                    <a:cubicBezTo>
+                      <a:pt x="12674186" y="3720385"/>
+                      <a:pt x="12306758" y="3633591"/>
+                      <a:pt x="12122986" y="3650358"/>
+                    </a:cubicBezTo>
+                    <a:cubicBezTo>
+                      <a:pt x="11939214" y="3667125"/>
+                      <a:pt x="11869049" y="3620234"/>
+                      <a:pt x="11796284" y="3650358"/>
+                    </a:cubicBezTo>
+                    <a:cubicBezTo>
+                      <a:pt x="11723519" y="3680482"/>
+                      <a:pt x="11566425" y="3617988"/>
+                      <a:pt x="11469581" y="3650358"/>
+                    </a:cubicBezTo>
+                    <a:cubicBezTo>
+                      <a:pt x="11372737" y="3682728"/>
+                      <a:pt x="10823900" y="3642534"/>
+                      <a:pt x="10629490" y="3650358"/>
+                    </a:cubicBezTo>
+                    <a:cubicBezTo>
+                      <a:pt x="10435080" y="3658182"/>
+                      <a:pt x="10005614" y="3591774"/>
+                      <a:pt x="9789399" y="3650358"/>
+                    </a:cubicBezTo>
+                    <a:cubicBezTo>
+                      <a:pt x="9573184" y="3708942"/>
+                      <a:pt x="9409714" y="3595695"/>
+                      <a:pt x="9206002" y="3650358"/>
+                    </a:cubicBezTo>
+                    <a:cubicBezTo>
+                      <a:pt x="9002290" y="3705021"/>
+                      <a:pt x="9048327" y="3648133"/>
+                      <a:pt x="9007647" y="3650358"/>
+                    </a:cubicBezTo>
+                    <a:cubicBezTo>
+                      <a:pt x="8966968" y="3652583"/>
+                      <a:pt x="8862653" y="3646237"/>
+                      <a:pt x="8809292" y="3650358"/>
+                    </a:cubicBezTo>
+                    <a:cubicBezTo>
+                      <a:pt x="8755932" y="3654479"/>
+                      <a:pt x="8218591" y="3643113"/>
+                      <a:pt x="7969201" y="3650358"/>
+                    </a:cubicBezTo>
+                    <a:cubicBezTo>
+                      <a:pt x="7719811" y="3657603"/>
+                      <a:pt x="7682944" y="3618471"/>
+                      <a:pt x="7514151" y="3650358"/>
+                    </a:cubicBezTo>
+                    <a:cubicBezTo>
+                      <a:pt x="7345358" y="3682245"/>
+                      <a:pt x="6998873" y="3645478"/>
+                      <a:pt x="6674060" y="3650358"/>
+                    </a:cubicBezTo>
+                    <a:cubicBezTo>
+                      <a:pt x="6349247" y="3655238"/>
+                      <a:pt x="6308327" y="3581559"/>
+                      <a:pt x="6090663" y="3650358"/>
+                    </a:cubicBezTo>
+                    <a:cubicBezTo>
+                      <a:pt x="5872999" y="3719157"/>
+                      <a:pt x="5935706" y="3646236"/>
+                      <a:pt x="5892308" y="3650358"/>
+                    </a:cubicBezTo>
+                    <a:cubicBezTo>
+                      <a:pt x="5848910" y="3654480"/>
+                      <a:pt x="5645743" y="3634886"/>
+                      <a:pt x="5565606" y="3650358"/>
+                    </a:cubicBezTo>
+                    <a:cubicBezTo>
+                      <a:pt x="5485469" y="3665830"/>
+                      <a:pt x="5289240" y="3649758"/>
+                      <a:pt x="5110556" y="3650358"/>
+                    </a:cubicBezTo>
+                    <a:cubicBezTo>
+                      <a:pt x="4931872" y="3650958"/>
+                      <a:pt x="4753021" y="3606902"/>
+                      <a:pt x="4398812" y="3650358"/>
+                    </a:cubicBezTo>
+                    <a:cubicBezTo>
+                      <a:pt x="4044603" y="3693814"/>
+                      <a:pt x="3910097" y="3583308"/>
+                      <a:pt x="3687068" y="3650358"/>
+                    </a:cubicBezTo>
+                    <a:cubicBezTo>
+                      <a:pt x="3464039" y="3717408"/>
+                      <a:pt x="3256712" y="3605454"/>
+                      <a:pt x="3103671" y="3650358"/>
+                    </a:cubicBezTo>
+                    <a:cubicBezTo>
+                      <a:pt x="2950630" y="3695262"/>
+                      <a:pt x="2875864" y="3640431"/>
+                      <a:pt x="2648622" y="3650358"/>
+                    </a:cubicBezTo>
+                    <a:cubicBezTo>
+                      <a:pt x="2421380" y="3660285"/>
+                      <a:pt x="2092312" y="3648748"/>
+                      <a:pt x="1808530" y="3650358"/>
+                    </a:cubicBezTo>
+                    <a:cubicBezTo>
+                      <a:pt x="1524748" y="3651968"/>
+                      <a:pt x="1482407" y="3625002"/>
+                      <a:pt x="1225133" y="3650358"/>
+                    </a:cubicBezTo>
+                    <a:cubicBezTo>
+                      <a:pt x="967859" y="3675714"/>
+                      <a:pt x="964026" y="3635174"/>
+                      <a:pt x="898431" y="3650358"/>
+                    </a:cubicBezTo>
+                    <a:cubicBezTo>
+                      <a:pt x="832836" y="3665542"/>
+                      <a:pt x="709758" y="3644588"/>
+                      <a:pt x="571729" y="3650358"/>
+                    </a:cubicBezTo>
+                    <a:cubicBezTo>
+                      <a:pt x="433700" y="3656128"/>
+                      <a:pt x="249549" y="3588009"/>
+                      <a:pt x="0" y="3650358"/>
+                    </a:cubicBezTo>
+                    <a:cubicBezTo>
+                      <a:pt x="-12196" y="3531284"/>
+                      <a:pt x="33482" y="3368617"/>
+                      <a:pt x="0" y="3128878"/>
+                    </a:cubicBezTo>
+                    <a:cubicBezTo>
+                      <a:pt x="-33482" y="2889139"/>
+                      <a:pt x="29282" y="2814752"/>
+                      <a:pt x="0" y="2643902"/>
+                    </a:cubicBezTo>
+                    <a:cubicBezTo>
+                      <a:pt x="-29282" y="2473052"/>
+                      <a:pt x="47389" y="2310038"/>
+                      <a:pt x="0" y="2195430"/>
+                    </a:cubicBezTo>
+                    <a:cubicBezTo>
+                      <a:pt x="-47389" y="2080822"/>
+                      <a:pt x="62010" y="1904427"/>
+                      <a:pt x="0" y="1637446"/>
+                    </a:cubicBezTo>
+                    <a:cubicBezTo>
+                      <a:pt x="-62010" y="1370465"/>
+                      <a:pt x="63765" y="1272914"/>
+                      <a:pt x="0" y="1079463"/>
+                    </a:cubicBezTo>
+                    <a:cubicBezTo>
+                      <a:pt x="-63765" y="886012"/>
+                      <a:pt x="60401" y="726913"/>
+                      <a:pt x="0" y="521480"/>
+                    </a:cubicBezTo>
+                    <a:cubicBezTo>
+                      <a:pt x="-60401" y="316047"/>
+                      <a:pt x="25853" y="139281"/>
+                      <a:pt x="0" y="0"/>
+                    </a:cubicBezTo>
+                    <a:close/>
+                  </a:path>
+                  <a:path w="12834730" h="3650358" stroke="0" extrusionOk="0">
+                    <a:moveTo>
+                      <a:pt x="0" y="0"/>
+                    </a:moveTo>
+                    <a:cubicBezTo>
+                      <a:pt x="219931" y="-25111"/>
+                      <a:pt x="312873" y="25679"/>
+                      <a:pt x="455050" y="0"/>
+                    </a:cubicBezTo>
+                    <a:cubicBezTo>
+                      <a:pt x="597227" y="-25679"/>
+                      <a:pt x="584989" y="20266"/>
+                      <a:pt x="653404" y="0"/>
+                    </a:cubicBezTo>
+                    <a:cubicBezTo>
+                      <a:pt x="721819" y="-20266"/>
+                      <a:pt x="1219162" y="47838"/>
+                      <a:pt x="1493496" y="0"/>
+                    </a:cubicBezTo>
+                    <a:cubicBezTo>
+                      <a:pt x="1767830" y="-47838"/>
+                      <a:pt x="1804920" y="41666"/>
+                      <a:pt x="1948545" y="0"/>
+                    </a:cubicBezTo>
+                    <a:cubicBezTo>
+                      <a:pt x="2092170" y="-41666"/>
+                      <a:pt x="2277394" y="23995"/>
+                      <a:pt x="2403595" y="0"/>
+                    </a:cubicBezTo>
+                    <a:cubicBezTo>
+                      <a:pt x="2529796" y="-23995"/>
+                      <a:pt x="3019980" y="6074"/>
+                      <a:pt x="3243686" y="0"/>
+                    </a:cubicBezTo>
+                    <a:cubicBezTo>
+                      <a:pt x="3467392" y="-6074"/>
+                      <a:pt x="3484452" y="23340"/>
+                      <a:pt x="3570389" y="0"/>
+                    </a:cubicBezTo>
+                    <a:cubicBezTo>
+                      <a:pt x="3656326" y="-23340"/>
+                      <a:pt x="4055742" y="79002"/>
+                      <a:pt x="4410480" y="0"/>
+                    </a:cubicBezTo>
+                    <a:cubicBezTo>
+                      <a:pt x="4765218" y="-79002"/>
+                      <a:pt x="5040373" y="96240"/>
+                      <a:pt x="5250571" y="0"/>
+                    </a:cubicBezTo>
+                    <a:cubicBezTo>
+                      <a:pt x="5460769" y="-96240"/>
+                      <a:pt x="5572697" y="22755"/>
+                      <a:pt x="5833968" y="0"/>
+                    </a:cubicBezTo>
+                    <a:cubicBezTo>
+                      <a:pt x="6095239" y="-22755"/>
+                      <a:pt x="6450383" y="85723"/>
+                      <a:pt x="6674060" y="0"/>
+                    </a:cubicBezTo>
+                    <a:cubicBezTo>
+                      <a:pt x="6897737" y="-85723"/>
+                      <a:pt x="6944432" y="39061"/>
+                      <a:pt x="7129109" y="0"/>
+                    </a:cubicBezTo>
+                    <a:cubicBezTo>
+                      <a:pt x="7313786" y="-39061"/>
+                      <a:pt x="7387956" y="4998"/>
+                      <a:pt x="7584159" y="0"/>
+                    </a:cubicBezTo>
+                    <a:cubicBezTo>
+                      <a:pt x="7780362" y="-4998"/>
+                      <a:pt x="7980444" y="19162"/>
+                      <a:pt x="8295903" y="0"/>
+                    </a:cubicBezTo>
+                    <a:cubicBezTo>
+                      <a:pt x="8611362" y="-19162"/>
+                      <a:pt x="8645862" y="28686"/>
+                      <a:pt x="8750952" y="0"/>
+                    </a:cubicBezTo>
+                    <a:cubicBezTo>
+                      <a:pt x="8856042" y="-28686"/>
+                      <a:pt x="9288334" y="24600"/>
+                      <a:pt x="9591044" y="0"/>
+                    </a:cubicBezTo>
+                    <a:cubicBezTo>
+                      <a:pt x="9893754" y="-24600"/>
+                      <a:pt x="10134886" y="98039"/>
+                      <a:pt x="10431135" y="0"/>
+                    </a:cubicBezTo>
+                    <a:cubicBezTo>
+                      <a:pt x="10727384" y="-98039"/>
+                      <a:pt x="10736172" y="28452"/>
+                      <a:pt x="11014532" y="0"/>
+                    </a:cubicBezTo>
+                    <a:cubicBezTo>
+                      <a:pt x="11292892" y="-28452"/>
+                      <a:pt x="11376755" y="28757"/>
+                      <a:pt x="11469581" y="0"/>
+                    </a:cubicBezTo>
+                    <a:cubicBezTo>
+                      <a:pt x="11562407" y="-28757"/>
+                      <a:pt x="11595118" y="21409"/>
+                      <a:pt x="11667936" y="0"/>
+                    </a:cubicBezTo>
+                    <a:cubicBezTo>
+                      <a:pt x="11740755" y="-21409"/>
+                      <a:pt x="11879457" y="3042"/>
+                      <a:pt x="11994639" y="0"/>
+                    </a:cubicBezTo>
+                    <a:cubicBezTo>
+                      <a:pt x="12109821" y="-3042"/>
+                      <a:pt x="12159923" y="6101"/>
+                      <a:pt x="12321341" y="0"/>
+                    </a:cubicBezTo>
+                    <a:cubicBezTo>
+                      <a:pt x="12482759" y="-6101"/>
+                      <a:pt x="12720083" y="56534"/>
+                      <a:pt x="12834730" y="0"/>
+                    </a:cubicBezTo>
+                    <a:cubicBezTo>
+                      <a:pt x="12869647" y="271601"/>
+                      <a:pt x="12792752" y="436945"/>
+                      <a:pt x="12834730" y="594487"/>
+                    </a:cubicBezTo>
+                    <a:cubicBezTo>
+                      <a:pt x="12876708" y="752029"/>
+                      <a:pt x="12807941" y="888505"/>
+                      <a:pt x="12834730" y="1152470"/>
+                    </a:cubicBezTo>
+                    <a:cubicBezTo>
+                      <a:pt x="12861519" y="1416435"/>
+                      <a:pt x="12793097" y="1529429"/>
+                      <a:pt x="12834730" y="1673950"/>
+                    </a:cubicBezTo>
+                    <a:cubicBezTo>
+                      <a:pt x="12876363" y="1818471"/>
+                      <a:pt x="12794069" y="2067290"/>
+                      <a:pt x="12834730" y="2195430"/>
+                    </a:cubicBezTo>
+                    <a:cubicBezTo>
+                      <a:pt x="12875391" y="2323570"/>
+                      <a:pt x="12825349" y="2523507"/>
+                      <a:pt x="12834730" y="2789916"/>
+                    </a:cubicBezTo>
+                    <a:cubicBezTo>
+                      <a:pt x="12844111" y="3056325"/>
+                      <a:pt x="12833275" y="3368622"/>
+                      <a:pt x="12834730" y="3650358"/>
+                    </a:cubicBezTo>
+                    <a:cubicBezTo>
+                      <a:pt x="12780374" y="3665179"/>
+                      <a:pt x="12712879" y="3627686"/>
+                      <a:pt x="12636375" y="3650358"/>
+                    </a:cubicBezTo>
+                    <a:cubicBezTo>
+                      <a:pt x="12559871" y="3673030"/>
+                      <a:pt x="12147845" y="3612976"/>
+                      <a:pt x="11924631" y="3650358"/>
+                    </a:cubicBezTo>
+                    <a:cubicBezTo>
+                      <a:pt x="11701417" y="3687740"/>
+                      <a:pt x="11766823" y="3632553"/>
+                      <a:pt x="11726276" y="3650358"/>
+                    </a:cubicBezTo>
+                    <a:cubicBezTo>
+                      <a:pt x="11685730" y="3668163"/>
+                      <a:pt x="11298144" y="3613082"/>
+                      <a:pt x="11014532" y="3650358"/>
+                    </a:cubicBezTo>
+                    <a:cubicBezTo>
+                      <a:pt x="10730920" y="3687634"/>
+                      <a:pt x="10782151" y="3648736"/>
+                      <a:pt x="10687830" y="3650358"/>
+                    </a:cubicBezTo>
+                    <a:cubicBezTo>
+                      <a:pt x="10593509" y="3651980"/>
+                      <a:pt x="10556506" y="3639098"/>
+                      <a:pt x="10489475" y="3650358"/>
+                    </a:cubicBezTo>
+                    <a:cubicBezTo>
+                      <a:pt x="10422444" y="3661618"/>
+                      <a:pt x="10313373" y="3629744"/>
+                      <a:pt x="10162773" y="3650358"/>
+                    </a:cubicBezTo>
+                    <a:cubicBezTo>
+                      <a:pt x="10012173" y="3670972"/>
+                      <a:pt x="9729588" y="3627204"/>
+                      <a:pt x="9451028" y="3650358"/>
+                    </a:cubicBezTo>
+                    <a:cubicBezTo>
+                      <a:pt x="9172468" y="3673512"/>
+                      <a:pt x="9253013" y="3645388"/>
+                      <a:pt x="9124326" y="3650358"/>
+                    </a:cubicBezTo>
+                    <a:cubicBezTo>
+                      <a:pt x="8995639" y="3655328"/>
+                      <a:pt x="8991529" y="3639006"/>
+                      <a:pt x="8925971" y="3650358"/>
+                    </a:cubicBezTo>
+                    <a:cubicBezTo>
+                      <a:pt x="8860413" y="3661710"/>
+                      <a:pt x="8759422" y="3630195"/>
+                      <a:pt x="8599269" y="3650358"/>
+                    </a:cubicBezTo>
+                    <a:cubicBezTo>
+                      <a:pt x="8439116" y="3670521"/>
+                      <a:pt x="8338115" y="3639248"/>
+                      <a:pt x="8144220" y="3650358"/>
+                    </a:cubicBezTo>
+                    <a:cubicBezTo>
+                      <a:pt x="7950325" y="3661468"/>
+                      <a:pt x="7835031" y="3639277"/>
+                      <a:pt x="7560823" y="3650358"/>
+                    </a:cubicBezTo>
+                    <a:cubicBezTo>
+                      <a:pt x="7286615" y="3661439"/>
+                      <a:pt x="7336416" y="3624729"/>
+                      <a:pt x="7234121" y="3650358"/>
+                    </a:cubicBezTo>
+                    <a:cubicBezTo>
+                      <a:pt x="7131826" y="3675987"/>
+                      <a:pt x="6613828" y="3627848"/>
+                      <a:pt x="6394029" y="3650358"/>
+                    </a:cubicBezTo>
+                    <a:cubicBezTo>
+                      <a:pt x="6174230" y="3672868"/>
+                      <a:pt x="6013704" y="3644746"/>
+                      <a:pt x="5810632" y="3650358"/>
+                    </a:cubicBezTo>
+                    <a:cubicBezTo>
+                      <a:pt x="5607560" y="3655970"/>
+                      <a:pt x="5304880" y="3618895"/>
+                      <a:pt x="4970541" y="3650358"/>
+                    </a:cubicBezTo>
+                    <a:cubicBezTo>
+                      <a:pt x="4636202" y="3681821"/>
+                      <a:pt x="4594531" y="3599570"/>
+                      <a:pt x="4258797" y="3650358"/>
+                    </a:cubicBezTo>
+                    <a:cubicBezTo>
+                      <a:pt x="3923063" y="3701146"/>
+                      <a:pt x="3926513" y="3642201"/>
+                      <a:pt x="3803747" y="3650358"/>
+                    </a:cubicBezTo>
+                    <a:cubicBezTo>
+                      <a:pt x="3680981" y="3658515"/>
+                      <a:pt x="3276328" y="3606958"/>
+                      <a:pt x="3092003" y="3650358"/>
+                    </a:cubicBezTo>
+                    <a:cubicBezTo>
+                      <a:pt x="2907678" y="3693758"/>
+                      <a:pt x="2904591" y="3618689"/>
+                      <a:pt x="2765301" y="3650358"/>
+                    </a:cubicBezTo>
+                    <a:cubicBezTo>
+                      <a:pt x="2626011" y="3682027"/>
+                      <a:pt x="2429246" y="3621844"/>
+                      <a:pt x="2181904" y="3650358"/>
+                    </a:cubicBezTo>
+                    <a:cubicBezTo>
+                      <a:pt x="1934562" y="3678872"/>
+                      <a:pt x="2057796" y="3636977"/>
+                      <a:pt x="1983549" y="3650358"/>
+                    </a:cubicBezTo>
+                    <a:cubicBezTo>
+                      <a:pt x="1909302" y="3663739"/>
+                      <a:pt x="1323458" y="3609295"/>
+                      <a:pt x="1143458" y="3650358"/>
+                    </a:cubicBezTo>
+                    <a:cubicBezTo>
+                      <a:pt x="963458" y="3691421"/>
+                      <a:pt x="769241" y="3590236"/>
+                      <a:pt x="560061" y="3650358"/>
+                    </a:cubicBezTo>
+                    <a:cubicBezTo>
+                      <a:pt x="350881" y="3710480"/>
+                      <a:pt x="273983" y="3590358"/>
+                      <a:pt x="0" y="3650358"/>
+                    </a:cubicBezTo>
+                    <a:cubicBezTo>
+                      <a:pt x="-14262" y="3476687"/>
+                      <a:pt x="11639" y="3350553"/>
+                      <a:pt x="0" y="3165382"/>
+                    </a:cubicBezTo>
+                    <a:cubicBezTo>
+                      <a:pt x="-11639" y="2980211"/>
+                      <a:pt x="50463" y="2810794"/>
+                      <a:pt x="0" y="2716909"/>
+                    </a:cubicBezTo>
+                    <a:cubicBezTo>
+                      <a:pt x="-50463" y="2623024"/>
+                      <a:pt x="56673" y="2320038"/>
+                      <a:pt x="0" y="2122422"/>
+                    </a:cubicBezTo>
+                    <a:cubicBezTo>
+                      <a:pt x="-56673" y="1924806"/>
+                      <a:pt x="31070" y="1815528"/>
+                      <a:pt x="0" y="1600943"/>
+                    </a:cubicBezTo>
+                    <a:cubicBezTo>
+                      <a:pt x="-31070" y="1386358"/>
+                      <a:pt x="6791" y="1394388"/>
+                      <a:pt x="0" y="1188974"/>
+                    </a:cubicBezTo>
+                    <a:cubicBezTo>
+                      <a:pt x="-6791" y="983560"/>
+                      <a:pt x="48050" y="848881"/>
+                      <a:pt x="0" y="667494"/>
+                    </a:cubicBezTo>
+                    <a:cubicBezTo>
+                      <a:pt x="-48050" y="486107"/>
+                      <a:pt x="61179" y="269337"/>
+                      <a:pt x="0" y="0"/>
+                    </a:cubicBezTo>
+                    <a:close/>
+                  </a:path>
+                </a:pathLst>
+              </a:custGeom>
+              <a:solidFill>
+                <a:schemeClr val="accent5">
+                  <a:lumMod val="40000"/>
+                  <a:lumOff val="60000"/>
+                </a:schemeClr>
+              </a:solidFill>
+              <a:ln>
+                <a:solidFill>
+                  <a:schemeClr val="tx1"/>
+                </a:solidFill>
+                <a:extLst>
+                  <a:ext uri="{C807C97D-BFC1-408E-A445-0C87EB9F89A2}">
+                    <ask:lineSketchStyleProps xmlns:ask="http://schemas.microsoft.com/office/drawing/2018/sketchyshapes" sd="1219033472">
+                      <a:prstGeom prst="rect">
+                        <a:avLst/>
+                      </a:prstGeom>
+                      <ask:type>
+                        <ask:lineSketchScribble/>
+                      </ask:type>
+                    </ask:lineSketchStyleProps>
+                  </a:ext>
+                </a:extLst>
+              </a:ln>
+            </p:spPr>
+            <p:txBody>
+              <a:bodyPr wrap="square" rtlCol="0">
+                <a:spAutoFit/>
+              </a:bodyPr>
+              <a:lstStyle/>
+              <a:p>
+                <a:pPr algn="just"/>
+                <a:r>
+                  <a:rPr lang="en-US" sz="2800" dirty="0"/>
+                  <a:t>For Three events (A, B, C):</a:t>
+                </a:r>
+              </a:p>
+              <a:p>
+                <a:pPr marL="571500" indent="-571500" algn="just">
+                  <a:buFont typeface="Arial" panose="020B0604020202020204" pitchFamily="34" charset="0"/>
+                  <a:buChar char="•"/>
+                </a:pPr>
+                <a14:m>
+                  <m:oMath xmlns:m="http://schemas.openxmlformats.org/officeDocument/2006/math">
+                    <m:r>
+                      <a:rPr lang="en-US" sz="2800" b="0" i="1" smtClean="0">
+                        <a:latin typeface="Cambria Math" panose="02040503050406030204" pitchFamily="18" charset="0"/>
+                      </a:rPr>
+                      <m:t>𝑃</m:t>
+                    </m:r>
+                    <m:d>
+                      <m:dPr>
+                        <m:ctrlPr>
+                          <a:rPr lang="en-US" sz="2800" b="0" i="1" smtClean="0">
+                            <a:latin typeface="Cambria Math" panose="02040503050406030204" pitchFamily="18" charset="0"/>
+                          </a:rPr>
+                        </m:ctrlPr>
+                      </m:dPr>
+                      <m:e>
+                        <m:r>
+                          <a:rPr lang="en-US" sz="2800" b="0" i="1" smtClean="0">
+                            <a:latin typeface="Cambria Math" panose="02040503050406030204" pitchFamily="18" charset="0"/>
+                          </a:rPr>
+                          <m:t>𝑂𝑛𝑙𝑦</m:t>
+                        </m:r>
+                        <m:r>
+                          <a:rPr lang="en-US" sz="2800" b="0" i="1" smtClean="0">
+                            <a:latin typeface="Cambria Math" panose="02040503050406030204" pitchFamily="18" charset="0"/>
+                          </a:rPr>
+                          <m:t> </m:t>
+                        </m:r>
+                        <m:r>
+                          <a:rPr lang="en-US" sz="2800" b="0" i="1" smtClean="0">
+                            <a:latin typeface="Cambria Math" panose="02040503050406030204" pitchFamily="18" charset="0"/>
+                          </a:rPr>
+                          <m:t>𝐴</m:t>
+                        </m:r>
+                      </m:e>
+                    </m:d>
+                    <m:r>
+                      <a:rPr lang="en-US" sz="2800" b="0" i="1" smtClean="0">
+                        <a:latin typeface="Cambria Math" panose="02040503050406030204" pitchFamily="18" charset="0"/>
+                      </a:rPr>
+                      <m:t>=</m:t>
+                    </m:r>
+                    <m:r>
+                      <a:rPr lang="en-US" sz="2800" b="0" i="1" smtClean="0">
+                        <a:latin typeface="Cambria Math" panose="02040503050406030204" pitchFamily="18" charset="0"/>
+                      </a:rPr>
+                      <m:t>𝑃</m:t>
+                    </m:r>
+                    <m:d>
+                      <m:dPr>
+                        <m:ctrlPr>
+                          <a:rPr lang="en-US" sz="2800" b="0" i="1" smtClean="0">
+                            <a:latin typeface="Cambria Math" panose="02040503050406030204" pitchFamily="18" charset="0"/>
+                          </a:rPr>
+                        </m:ctrlPr>
+                      </m:dPr>
+                      <m:e>
+                        <m:r>
+                          <a:rPr lang="en-US" sz="2800" b="0" i="1" smtClean="0">
+                            <a:latin typeface="Cambria Math" panose="02040503050406030204" pitchFamily="18" charset="0"/>
+                          </a:rPr>
+                          <m:t>𝐴</m:t>
+                        </m:r>
+                        <m:r>
+                          <a:rPr lang="en-US" sz="2800" b="0" i="1" smtClean="0">
+                            <a:latin typeface="Cambria Math" panose="02040503050406030204" pitchFamily="18" charset="0"/>
+                          </a:rPr>
+                          <m:t>∩</m:t>
+                        </m:r>
+                        <m:sSup>
+                          <m:sSupPr>
+                            <m:ctrlPr>
+                              <a:rPr lang="en-US" sz="2800" b="0" i="1" smtClean="0">
+                                <a:latin typeface="Cambria Math" panose="02040503050406030204" pitchFamily="18" charset="0"/>
+                              </a:rPr>
+                            </m:ctrlPr>
+                          </m:sSupPr>
+                          <m:e>
+                            <m:r>
+                              <a:rPr lang="en-US" sz="2800" b="0" i="1" smtClean="0">
+                                <a:latin typeface="Cambria Math" panose="02040503050406030204" pitchFamily="18" charset="0"/>
+                              </a:rPr>
+                              <m:t>𝐵</m:t>
+                            </m:r>
+                          </m:e>
+                          <m:sup>
+                            <m:r>
+                              <a:rPr lang="en-US" sz="2800" b="0" i="1" smtClean="0">
+                                <a:latin typeface="Cambria Math" panose="02040503050406030204" pitchFamily="18" charset="0"/>
+                              </a:rPr>
+                              <m:t>′</m:t>
+                            </m:r>
+                          </m:sup>
+                        </m:sSup>
+                        <m:r>
+                          <a:rPr lang="en-US" sz="2800" b="0" i="1" smtClean="0">
+                            <a:latin typeface="Cambria Math" panose="02040503050406030204" pitchFamily="18" charset="0"/>
+                          </a:rPr>
+                          <m:t>∩</m:t>
+                        </m:r>
+                        <m:r>
+                          <a:rPr lang="en-US" sz="2800" b="0" i="1" smtClean="0">
+                            <a:latin typeface="Cambria Math" panose="02040503050406030204" pitchFamily="18" charset="0"/>
+                          </a:rPr>
+                          <m:t>𝐶</m:t>
+                        </m:r>
+                        <m:r>
+                          <a:rPr lang="en-US" sz="2800" b="0" i="1" smtClean="0">
+                            <a:latin typeface="Cambria Math" panose="02040503050406030204" pitchFamily="18" charset="0"/>
+                          </a:rPr>
+                          <m:t>′</m:t>
+                        </m:r>
+                      </m:e>
+                    </m:d>
+                    <m:r>
+                      <a:rPr lang="en-US" sz="2800" b="0" i="1" smtClean="0">
+                        <a:latin typeface="Cambria Math" panose="02040503050406030204" pitchFamily="18" charset="0"/>
+                      </a:rPr>
+                      <m:t>=</m:t>
+                    </m:r>
+                    <m:r>
+                      <a:rPr lang="en-US" sz="2800" b="0" i="1" smtClean="0">
+                        <a:latin typeface="Cambria Math" panose="02040503050406030204" pitchFamily="18" charset="0"/>
+                      </a:rPr>
+                      <m:t>𝑃</m:t>
+                    </m:r>
+                    <m:d>
+                      <m:dPr>
+                        <m:ctrlPr>
+                          <a:rPr lang="en-US" sz="2800" b="0" i="1" smtClean="0">
+                            <a:latin typeface="Cambria Math" panose="02040503050406030204" pitchFamily="18" charset="0"/>
+                          </a:rPr>
+                        </m:ctrlPr>
+                      </m:dPr>
+                      <m:e>
+                        <m:r>
+                          <a:rPr lang="en-US" sz="2800" b="0" i="1" smtClean="0">
+                            <a:latin typeface="Cambria Math" panose="02040503050406030204" pitchFamily="18" charset="0"/>
+                          </a:rPr>
+                          <m:t>𝐴</m:t>
+                        </m:r>
+                      </m:e>
+                    </m:d>
+                    <m:r>
+                      <a:rPr lang="en-US" sz="2800" b="0" i="1" smtClean="0">
+                        <a:latin typeface="Cambria Math" panose="02040503050406030204" pitchFamily="18" charset="0"/>
+                      </a:rPr>
+                      <m:t>−</m:t>
+                    </m:r>
+                    <m:r>
+                      <a:rPr lang="en-US" sz="2800" b="0" i="1" smtClean="0">
+                        <a:latin typeface="Cambria Math" panose="02040503050406030204" pitchFamily="18" charset="0"/>
+                      </a:rPr>
+                      <m:t>𝑃</m:t>
+                    </m:r>
+                    <m:d>
+                      <m:dPr>
+                        <m:ctrlPr>
+                          <a:rPr lang="en-US" sz="2800" b="0" i="1" smtClean="0">
+                            <a:latin typeface="Cambria Math" panose="02040503050406030204" pitchFamily="18" charset="0"/>
+                          </a:rPr>
+                        </m:ctrlPr>
+                      </m:dPr>
+                      <m:e>
+                        <m:r>
+                          <a:rPr lang="en-US" sz="2800" b="0" i="1" smtClean="0">
+                            <a:latin typeface="Cambria Math" panose="02040503050406030204" pitchFamily="18" charset="0"/>
+                          </a:rPr>
+                          <m:t>𝐴</m:t>
+                        </m:r>
+                        <m:r>
+                          <a:rPr lang="en-US" sz="2800" b="0" i="1" smtClean="0">
+                            <a:latin typeface="Cambria Math" panose="02040503050406030204" pitchFamily="18" charset="0"/>
+                          </a:rPr>
+                          <m:t>∩</m:t>
+                        </m:r>
+                        <m:r>
+                          <a:rPr lang="en-US" sz="2800" b="0" i="1" smtClean="0">
+                            <a:latin typeface="Cambria Math" panose="02040503050406030204" pitchFamily="18" charset="0"/>
+                          </a:rPr>
+                          <m:t>𝐵</m:t>
+                        </m:r>
+                      </m:e>
+                    </m:d>
+                    <m:r>
+                      <a:rPr lang="en-US" sz="2800" b="0" i="1" smtClean="0">
+                        <a:latin typeface="Cambria Math" panose="02040503050406030204" pitchFamily="18" charset="0"/>
+                      </a:rPr>
+                      <m:t>−</m:t>
+                    </m:r>
+                    <m:r>
+                      <a:rPr lang="en-US" sz="2800" b="0" i="1" smtClean="0">
+                        <a:latin typeface="Cambria Math" panose="02040503050406030204" pitchFamily="18" charset="0"/>
+                      </a:rPr>
+                      <m:t>𝑃</m:t>
+                    </m:r>
+                    <m:d>
+                      <m:dPr>
+                        <m:ctrlPr>
+                          <a:rPr lang="en-US" sz="2800" b="0" i="1" smtClean="0">
+                            <a:latin typeface="Cambria Math" panose="02040503050406030204" pitchFamily="18" charset="0"/>
+                          </a:rPr>
+                        </m:ctrlPr>
+                      </m:dPr>
+                      <m:e>
+                        <m:r>
+                          <a:rPr lang="en-US" sz="2800" b="0" i="1" smtClean="0">
+                            <a:latin typeface="Cambria Math" panose="02040503050406030204" pitchFamily="18" charset="0"/>
+                          </a:rPr>
+                          <m:t>𝐴</m:t>
+                        </m:r>
+                        <m:r>
+                          <a:rPr lang="en-US" sz="2800" b="0" i="1" smtClean="0">
+                            <a:latin typeface="Cambria Math" panose="02040503050406030204" pitchFamily="18" charset="0"/>
+                          </a:rPr>
+                          <m:t>∩</m:t>
+                        </m:r>
+                        <m:r>
+                          <a:rPr lang="en-US" sz="2800" b="0" i="1" smtClean="0">
+                            <a:latin typeface="Cambria Math" panose="02040503050406030204" pitchFamily="18" charset="0"/>
+                          </a:rPr>
+                          <m:t>𝐶</m:t>
+                        </m:r>
+                      </m:e>
+                    </m:d>
+                    <m:r>
+                      <a:rPr lang="en-US" sz="2800" b="0" i="1" smtClean="0">
+                        <a:latin typeface="Cambria Math" panose="02040503050406030204" pitchFamily="18" charset="0"/>
+                      </a:rPr>
+                      <m:t>+</m:t>
+                    </m:r>
+                    <m:r>
+                      <a:rPr lang="en-US" sz="2800" b="0" i="1" smtClean="0">
+                        <a:latin typeface="Cambria Math" panose="02040503050406030204" pitchFamily="18" charset="0"/>
+                      </a:rPr>
+                      <m:t>𝑃</m:t>
+                    </m:r>
+                    <m:r>
+                      <a:rPr lang="en-US" sz="2800" b="0" i="1" smtClean="0">
+                        <a:latin typeface="Cambria Math" panose="02040503050406030204" pitchFamily="18" charset="0"/>
+                      </a:rPr>
+                      <m:t>(</m:t>
+                    </m:r>
+                    <m:r>
+                      <a:rPr lang="en-US" sz="2800" b="0" i="1" smtClean="0">
+                        <a:latin typeface="Cambria Math" panose="02040503050406030204" pitchFamily="18" charset="0"/>
+                      </a:rPr>
+                      <m:t>𝐴</m:t>
+                    </m:r>
+                    <m:r>
+                      <a:rPr lang="en-US" sz="2800" b="0" i="1" smtClean="0">
+                        <a:latin typeface="Cambria Math" panose="02040503050406030204" pitchFamily="18" charset="0"/>
+                      </a:rPr>
+                      <m:t>∩</m:t>
+                    </m:r>
+                    <m:r>
+                      <a:rPr lang="en-US" sz="2800" b="0" i="1" smtClean="0">
+                        <a:latin typeface="Cambria Math" panose="02040503050406030204" pitchFamily="18" charset="0"/>
+                      </a:rPr>
+                      <m:t>𝐵</m:t>
+                    </m:r>
+                    <m:r>
+                      <a:rPr lang="en-US" sz="2800" b="0" i="1" smtClean="0">
+                        <a:latin typeface="Cambria Math" panose="02040503050406030204" pitchFamily="18" charset="0"/>
+                      </a:rPr>
+                      <m:t>∩</m:t>
+                    </m:r>
+                    <m:r>
+                      <a:rPr lang="en-US" sz="2800" b="0" i="1" smtClean="0">
+                        <a:latin typeface="Cambria Math" panose="02040503050406030204" pitchFamily="18" charset="0"/>
+                      </a:rPr>
+                      <m:t>𝐶</m:t>
+                    </m:r>
+                    <m:r>
+                      <a:rPr lang="en-US" sz="2800" b="0" i="1" smtClean="0">
+                        <a:latin typeface="Cambria Math" panose="02040503050406030204" pitchFamily="18" charset="0"/>
+                      </a:rPr>
+                      <m:t>)</m:t>
+                    </m:r>
+                  </m:oMath>
+                </a14:m>
+                <a:endParaRPr lang="en-US" sz="2800" dirty="0"/>
+              </a:p>
+              <a:p>
+                <a:pPr marL="571500" indent="-571500" algn="just">
+                  <a:buFont typeface="Arial" panose="020B0604020202020204" pitchFamily="34" charset="0"/>
+                  <a:buChar char="•"/>
+                </a:pPr>
+                <a14:m>
+                  <m:oMath xmlns:m="http://schemas.openxmlformats.org/officeDocument/2006/math">
+                    <m:r>
+                      <a:rPr lang="en-US" sz="2800" b="0" i="1" smtClean="0">
+                        <a:latin typeface="Cambria Math" panose="02040503050406030204" pitchFamily="18" charset="0"/>
+                      </a:rPr>
+                      <m:t>𝑃</m:t>
+                    </m:r>
+                    <m:d>
+                      <m:dPr>
+                        <m:ctrlPr>
+                          <a:rPr lang="en-US" sz="2800" b="0" i="1" smtClean="0">
+                            <a:latin typeface="Cambria Math" panose="02040503050406030204" pitchFamily="18" charset="0"/>
+                          </a:rPr>
+                        </m:ctrlPr>
+                      </m:dPr>
+                      <m:e>
+                        <m:r>
+                          <a:rPr lang="en-US" sz="2800" b="0" i="1" smtClean="0">
+                            <a:latin typeface="Cambria Math" panose="02040503050406030204" pitchFamily="18" charset="0"/>
+                          </a:rPr>
+                          <m:t>𝑂𝑛𝑙𝑦</m:t>
+                        </m:r>
+                        <m:r>
+                          <a:rPr lang="en-US" sz="2800" b="0" i="1" smtClean="0">
+                            <a:latin typeface="Cambria Math" panose="02040503050406030204" pitchFamily="18" charset="0"/>
+                          </a:rPr>
+                          <m:t> </m:t>
+                        </m:r>
+                        <m:r>
+                          <a:rPr lang="en-US" sz="2800" b="0" i="1" smtClean="0">
+                            <a:latin typeface="Cambria Math" panose="02040503050406030204" pitchFamily="18" charset="0"/>
+                          </a:rPr>
+                          <m:t>𝐵</m:t>
+                        </m:r>
+                      </m:e>
+                    </m:d>
+                    <m:r>
+                      <a:rPr lang="en-US" sz="2800" b="0" i="1" smtClean="0">
+                        <a:latin typeface="Cambria Math" panose="02040503050406030204" pitchFamily="18" charset="0"/>
+                      </a:rPr>
+                      <m:t>=</m:t>
+                    </m:r>
+                    <m:r>
+                      <a:rPr lang="en-US" sz="2800" b="0" i="1" smtClean="0">
+                        <a:latin typeface="Cambria Math" panose="02040503050406030204" pitchFamily="18" charset="0"/>
+                      </a:rPr>
+                      <m:t>𝑃</m:t>
+                    </m:r>
+                    <m:d>
+                      <m:dPr>
+                        <m:ctrlPr>
+                          <a:rPr lang="en-US" sz="2800" b="0" i="1" smtClean="0">
+                            <a:latin typeface="Cambria Math" panose="02040503050406030204" pitchFamily="18" charset="0"/>
+                          </a:rPr>
+                        </m:ctrlPr>
+                      </m:dPr>
+                      <m:e>
+                        <m:sSup>
+                          <m:sSupPr>
+                            <m:ctrlPr>
+                              <a:rPr lang="en-US" sz="2800" b="0" i="1" smtClean="0">
+                                <a:latin typeface="Cambria Math" panose="02040503050406030204" pitchFamily="18" charset="0"/>
+                              </a:rPr>
+                            </m:ctrlPr>
+                          </m:sSupPr>
+                          <m:e>
+                            <m:r>
+                              <a:rPr lang="en-US" sz="2800" b="0" i="1" smtClean="0">
+                                <a:latin typeface="Cambria Math" panose="02040503050406030204" pitchFamily="18" charset="0"/>
+                              </a:rPr>
+                              <m:t>𝐴</m:t>
+                            </m:r>
+                          </m:e>
+                          <m:sup>
+                            <m:r>
+                              <a:rPr lang="en-US" sz="2800" b="0" i="1" smtClean="0">
+                                <a:latin typeface="Cambria Math" panose="02040503050406030204" pitchFamily="18" charset="0"/>
+                              </a:rPr>
+                              <m:t>′</m:t>
+                            </m:r>
+                          </m:sup>
+                        </m:sSup>
+                        <m:r>
+                          <a:rPr lang="en-US" sz="2800" b="0" i="1" smtClean="0">
+                            <a:latin typeface="Cambria Math" panose="02040503050406030204" pitchFamily="18" charset="0"/>
+                          </a:rPr>
+                          <m:t>∩</m:t>
+                        </m:r>
+                        <m:r>
+                          <a:rPr lang="en-US" sz="2800" b="0" i="1" smtClean="0">
+                            <a:latin typeface="Cambria Math" panose="02040503050406030204" pitchFamily="18" charset="0"/>
+                          </a:rPr>
+                          <m:t>𝐵</m:t>
+                        </m:r>
+                        <m:r>
+                          <a:rPr lang="en-US" sz="2800" b="0" i="1" smtClean="0">
+                            <a:latin typeface="Cambria Math" panose="02040503050406030204" pitchFamily="18" charset="0"/>
+                          </a:rPr>
+                          <m:t>∩</m:t>
+                        </m:r>
+                        <m:r>
+                          <a:rPr lang="en-US" sz="2800" b="0" i="1" smtClean="0">
+                            <a:latin typeface="Cambria Math" panose="02040503050406030204" pitchFamily="18" charset="0"/>
+                          </a:rPr>
+                          <m:t>𝐶</m:t>
+                        </m:r>
+                        <m:r>
+                          <a:rPr lang="en-US" sz="2800" b="0" i="1" smtClean="0">
+                            <a:latin typeface="Cambria Math" panose="02040503050406030204" pitchFamily="18" charset="0"/>
+                          </a:rPr>
+                          <m:t>′</m:t>
+                        </m:r>
+                      </m:e>
+                    </m:d>
+                  </m:oMath>
+                </a14:m>
+                <a:r>
+                  <a:rPr lang="en-US" sz="2800" dirty="0"/>
+                  <a:t>; </a:t>
+                </a:r>
+                <a14:m>
+                  <m:oMath xmlns:m="http://schemas.openxmlformats.org/officeDocument/2006/math">
+                    <m:r>
+                      <a:rPr lang="en-US" sz="2800" b="0" i="1" smtClean="0">
+                        <a:latin typeface="Cambria Math" panose="02040503050406030204" pitchFamily="18" charset="0"/>
+                      </a:rPr>
+                      <m:t>𝑃</m:t>
+                    </m:r>
+                    <m:d>
+                      <m:dPr>
+                        <m:ctrlPr>
+                          <a:rPr lang="en-US" sz="2800" b="0" i="1" smtClean="0">
+                            <a:latin typeface="Cambria Math" panose="02040503050406030204" pitchFamily="18" charset="0"/>
+                          </a:rPr>
+                        </m:ctrlPr>
+                      </m:dPr>
+                      <m:e>
+                        <m:r>
+                          <a:rPr lang="en-US" sz="2800" b="0" i="1" smtClean="0">
+                            <a:latin typeface="Cambria Math" panose="02040503050406030204" pitchFamily="18" charset="0"/>
+                          </a:rPr>
+                          <m:t>𝑂𝑛𝑙𝑦</m:t>
+                        </m:r>
+                        <m:r>
+                          <a:rPr lang="en-US" sz="2800" b="0" i="1" smtClean="0">
+                            <a:latin typeface="Cambria Math" panose="02040503050406030204" pitchFamily="18" charset="0"/>
+                          </a:rPr>
+                          <m:t> </m:t>
+                        </m:r>
+                        <m:r>
+                          <a:rPr lang="en-US" sz="2800" b="0" i="1" smtClean="0">
+                            <a:latin typeface="Cambria Math" panose="02040503050406030204" pitchFamily="18" charset="0"/>
+                          </a:rPr>
+                          <m:t>𝐶</m:t>
+                        </m:r>
+                      </m:e>
+                    </m:d>
+                    <m:r>
+                      <a:rPr lang="en-US" sz="2800" b="0" i="1" smtClean="0">
+                        <a:latin typeface="Cambria Math" panose="02040503050406030204" pitchFamily="18" charset="0"/>
+                      </a:rPr>
+                      <m:t>=</m:t>
+                    </m:r>
+                    <m:r>
+                      <a:rPr lang="en-US" sz="2800" b="0" i="1" smtClean="0">
+                        <a:latin typeface="Cambria Math" panose="02040503050406030204" pitchFamily="18" charset="0"/>
+                      </a:rPr>
+                      <m:t>𝑃</m:t>
+                    </m:r>
+                    <m:r>
+                      <a:rPr lang="en-US" sz="2800" b="0" i="1" smtClean="0">
+                        <a:latin typeface="Cambria Math" panose="02040503050406030204" pitchFamily="18" charset="0"/>
+                      </a:rPr>
+                      <m:t>(</m:t>
+                    </m:r>
+                    <m:sSup>
+                      <m:sSupPr>
+                        <m:ctrlPr>
+                          <a:rPr lang="en-US" sz="2800" b="0" i="1" smtClean="0">
+                            <a:latin typeface="Cambria Math" panose="02040503050406030204" pitchFamily="18" charset="0"/>
+                          </a:rPr>
+                        </m:ctrlPr>
+                      </m:sSupPr>
+                      <m:e>
+                        <m:r>
+                          <a:rPr lang="en-US" sz="2800" b="0" i="1" smtClean="0">
+                            <a:latin typeface="Cambria Math" panose="02040503050406030204" pitchFamily="18" charset="0"/>
+                          </a:rPr>
+                          <m:t>𝐴</m:t>
+                        </m:r>
+                      </m:e>
+                      <m:sup>
+                        <m:r>
+                          <a:rPr lang="en-US" sz="2800" b="0" i="1" smtClean="0">
+                            <a:latin typeface="Cambria Math" panose="02040503050406030204" pitchFamily="18" charset="0"/>
+                          </a:rPr>
+                          <m:t>′</m:t>
+                        </m:r>
+                      </m:sup>
+                    </m:sSup>
+                    <m:r>
+                      <a:rPr lang="en-US" sz="2800" b="0" i="1" smtClean="0">
+                        <a:latin typeface="Cambria Math" panose="02040503050406030204" pitchFamily="18" charset="0"/>
+                      </a:rPr>
+                      <m:t>∩</m:t>
+                    </m:r>
+                    <m:sSup>
+                      <m:sSupPr>
+                        <m:ctrlPr>
+                          <a:rPr lang="en-US" sz="2800" b="0" i="1" smtClean="0">
+                            <a:latin typeface="Cambria Math" panose="02040503050406030204" pitchFamily="18" charset="0"/>
+                          </a:rPr>
+                        </m:ctrlPr>
+                      </m:sSupPr>
+                      <m:e>
+                        <m:r>
+                          <a:rPr lang="en-US" sz="2800" b="0" i="1" smtClean="0">
+                            <a:latin typeface="Cambria Math" panose="02040503050406030204" pitchFamily="18" charset="0"/>
+                          </a:rPr>
+                          <m:t>𝐵</m:t>
+                        </m:r>
+                      </m:e>
+                      <m:sup>
+                        <m:r>
+                          <a:rPr lang="en-US" sz="2800" b="0" i="1" smtClean="0">
+                            <a:latin typeface="Cambria Math" panose="02040503050406030204" pitchFamily="18" charset="0"/>
+                          </a:rPr>
+                          <m:t>′</m:t>
+                        </m:r>
+                      </m:sup>
+                    </m:sSup>
+                    <m:r>
+                      <a:rPr lang="en-US" sz="2800" b="0" i="1" smtClean="0">
+                        <a:latin typeface="Cambria Math" panose="02040503050406030204" pitchFamily="18" charset="0"/>
+                      </a:rPr>
+                      <m:t>∩</m:t>
+                    </m:r>
+                    <m:r>
+                      <a:rPr lang="en-US" sz="2800" b="0" i="1" smtClean="0">
+                        <a:latin typeface="Cambria Math" panose="02040503050406030204" pitchFamily="18" charset="0"/>
+                      </a:rPr>
+                      <m:t>𝐶</m:t>
+                    </m:r>
+                    <m:r>
+                      <a:rPr lang="en-US" sz="2800" b="0" i="1" smtClean="0">
+                        <a:latin typeface="Cambria Math" panose="02040503050406030204" pitchFamily="18" charset="0"/>
+                      </a:rPr>
+                      <m:t>)</m:t>
+                    </m:r>
+                  </m:oMath>
+                </a14:m>
+                <a:endParaRPr lang="en-US" sz="2800" dirty="0"/>
+              </a:p>
+              <a:p>
+                <a:pPr marL="571500" indent="-571500" algn="just">
+                  <a:buFont typeface="Arial" panose="020B0604020202020204" pitchFamily="34" charset="0"/>
+                  <a:buChar char="•"/>
+                </a:pPr>
+                <a14:m>
+                  <m:oMath xmlns:m="http://schemas.openxmlformats.org/officeDocument/2006/math">
+                    <m:r>
+                      <a:rPr lang="en-US" sz="2800" b="0" i="1" smtClean="0">
+                        <a:latin typeface="Cambria Math" panose="02040503050406030204" pitchFamily="18" charset="0"/>
+                      </a:rPr>
+                      <m:t>𝑃</m:t>
+                    </m:r>
+                    <m:d>
+                      <m:dPr>
+                        <m:ctrlPr>
+                          <a:rPr lang="en-US" sz="2800" b="0" i="1" smtClean="0">
+                            <a:latin typeface="Cambria Math" panose="02040503050406030204" pitchFamily="18" charset="0"/>
+                          </a:rPr>
+                        </m:ctrlPr>
+                      </m:dPr>
+                      <m:e>
+                        <m:r>
+                          <a:rPr lang="en-US" sz="2800" b="0" i="1" smtClean="0">
+                            <a:latin typeface="Cambria Math" panose="02040503050406030204" pitchFamily="18" charset="0"/>
+                          </a:rPr>
+                          <m:t>𝑁𝑜𝑛𝑒</m:t>
+                        </m:r>
+                        <m:r>
+                          <a:rPr lang="en-US" sz="2800" b="0" i="1" smtClean="0">
+                            <a:latin typeface="Cambria Math" panose="02040503050406030204" pitchFamily="18" charset="0"/>
+                          </a:rPr>
+                          <m:t> </m:t>
+                        </m:r>
+                        <m:r>
+                          <a:rPr lang="en-US" sz="2800" b="0" i="1" smtClean="0">
+                            <a:latin typeface="Cambria Math" panose="02040503050406030204" pitchFamily="18" charset="0"/>
+                          </a:rPr>
+                          <m:t>𝑜𝑓</m:t>
+                        </m:r>
+                        <m:r>
+                          <a:rPr lang="en-US" sz="2800" b="0" i="1" smtClean="0">
+                            <a:latin typeface="Cambria Math" panose="02040503050406030204" pitchFamily="18" charset="0"/>
+                          </a:rPr>
+                          <m:t> </m:t>
+                        </m:r>
+                        <m:r>
+                          <a:rPr lang="en-US" sz="2800" b="0" i="1" smtClean="0">
+                            <a:latin typeface="Cambria Math" panose="02040503050406030204" pitchFamily="18" charset="0"/>
+                          </a:rPr>
+                          <m:t>𝑒𝑣𝑒𝑛𝑡𝑠</m:t>
+                        </m:r>
+                      </m:e>
+                    </m:d>
+                    <m:r>
+                      <a:rPr lang="en-US" sz="2800" b="0" i="1" smtClean="0">
+                        <a:latin typeface="Cambria Math" panose="02040503050406030204" pitchFamily="18" charset="0"/>
+                      </a:rPr>
+                      <m:t>=</m:t>
+                    </m:r>
+                    <m:r>
+                      <a:rPr lang="en-US" sz="2800" b="0" i="1" smtClean="0">
+                        <a:latin typeface="Cambria Math" panose="02040503050406030204" pitchFamily="18" charset="0"/>
+                      </a:rPr>
+                      <m:t>𝑃</m:t>
+                    </m:r>
+                    <m:d>
+                      <m:dPr>
+                        <m:ctrlPr>
+                          <a:rPr lang="en-US" sz="2800" b="0" i="1" smtClean="0">
+                            <a:latin typeface="Cambria Math" panose="02040503050406030204" pitchFamily="18" charset="0"/>
+                          </a:rPr>
+                        </m:ctrlPr>
+                      </m:dPr>
+                      <m:e>
+                        <m:sSup>
+                          <m:sSupPr>
+                            <m:ctrlPr>
+                              <a:rPr lang="en-US" sz="2800" b="0" i="1" smtClean="0">
+                                <a:latin typeface="Cambria Math" panose="02040503050406030204" pitchFamily="18" charset="0"/>
+                              </a:rPr>
+                            </m:ctrlPr>
+                          </m:sSupPr>
+                          <m:e>
+                            <m:r>
+                              <a:rPr lang="en-US" sz="2800" b="0" i="1" smtClean="0">
+                                <a:latin typeface="Cambria Math" panose="02040503050406030204" pitchFamily="18" charset="0"/>
+                              </a:rPr>
+                              <m:t>𝐴</m:t>
+                            </m:r>
+                          </m:e>
+                          <m:sup>
+                            <m:r>
+                              <a:rPr lang="en-US" sz="2800" b="0" i="1" smtClean="0">
+                                <a:latin typeface="Cambria Math" panose="02040503050406030204" pitchFamily="18" charset="0"/>
+                              </a:rPr>
+                              <m:t>′</m:t>
+                            </m:r>
+                          </m:sup>
+                        </m:sSup>
+                        <m:r>
+                          <a:rPr lang="en-US" sz="2800" i="1">
+                            <a:latin typeface="Cambria Math" panose="02040503050406030204" pitchFamily="18" charset="0"/>
+                          </a:rPr>
+                          <m:t>∩</m:t>
+                        </m:r>
+                        <m:sSup>
+                          <m:sSupPr>
+                            <m:ctrlPr>
+                              <a:rPr lang="en-US" sz="2800" b="0" i="1" smtClean="0">
+                                <a:latin typeface="Cambria Math" panose="02040503050406030204" pitchFamily="18" charset="0"/>
+                              </a:rPr>
+                            </m:ctrlPr>
+                          </m:sSupPr>
+                          <m:e>
+                            <m:r>
+                              <a:rPr lang="en-US" sz="2800" b="0" i="1" smtClean="0">
+                                <a:latin typeface="Cambria Math" panose="02040503050406030204" pitchFamily="18" charset="0"/>
+                              </a:rPr>
+                              <m:t>𝐵</m:t>
+                            </m:r>
+                          </m:e>
+                          <m:sup>
+                            <m:r>
+                              <a:rPr lang="en-US" sz="2800" b="0" i="1" smtClean="0">
+                                <a:latin typeface="Cambria Math" panose="02040503050406030204" pitchFamily="18" charset="0"/>
+                              </a:rPr>
+                              <m:t>′</m:t>
+                            </m:r>
+                          </m:sup>
+                        </m:sSup>
+                        <m:r>
+                          <a:rPr lang="en-US" sz="2800" b="0" i="1" smtClean="0">
+                            <a:latin typeface="Cambria Math" panose="02040503050406030204" pitchFamily="18" charset="0"/>
+                          </a:rPr>
+                          <m:t>∩</m:t>
+                        </m:r>
+                        <m:r>
+                          <a:rPr lang="en-US" sz="2800" b="0" i="1" smtClean="0">
+                            <a:latin typeface="Cambria Math" panose="02040503050406030204" pitchFamily="18" charset="0"/>
+                          </a:rPr>
+                          <m:t>𝐶</m:t>
+                        </m:r>
+                        <m:r>
+                          <a:rPr lang="en-US" sz="2800" b="0" i="1" smtClean="0">
+                            <a:latin typeface="Cambria Math" panose="02040503050406030204" pitchFamily="18" charset="0"/>
+                          </a:rPr>
+                          <m:t>′</m:t>
+                        </m:r>
+                      </m:e>
+                    </m:d>
+                  </m:oMath>
+                </a14:m>
+                <a:endParaRPr lang="en-US" sz="2800" b="0" dirty="0"/>
+              </a:p>
+              <a:p>
+                <a:pPr marL="571500" indent="-571500" algn="just">
+                  <a:buFont typeface="Arial" panose="020B0604020202020204" pitchFamily="34" charset="0"/>
+                  <a:buChar char="•"/>
+                </a:pPr>
+                <a14:m>
+                  <m:oMath xmlns:m="http://schemas.openxmlformats.org/officeDocument/2006/math">
+                    <m:r>
+                      <a:rPr lang="en-US" sz="2800" b="0" i="1" smtClean="0">
+                        <a:latin typeface="Cambria Math" panose="02040503050406030204" pitchFamily="18" charset="0"/>
+                      </a:rPr>
+                      <m:t>𝑃</m:t>
+                    </m:r>
+                    <m:d>
+                      <m:dPr>
+                        <m:ctrlPr>
+                          <a:rPr lang="en-US" sz="2800" b="0" i="1" smtClean="0">
+                            <a:latin typeface="Cambria Math" panose="02040503050406030204" pitchFamily="18" charset="0"/>
+                          </a:rPr>
+                        </m:ctrlPr>
+                      </m:dPr>
+                      <m:e>
+                        <m:r>
+                          <a:rPr lang="en-US" sz="2800" b="0" i="1" smtClean="0">
+                            <a:latin typeface="Cambria Math" panose="02040503050406030204" pitchFamily="18" charset="0"/>
+                          </a:rPr>
+                          <m:t>𝐸𝑥𝑎𝑐𝑡𝑙𝑦</m:t>
+                        </m:r>
+                        <m:r>
+                          <a:rPr lang="en-US" sz="2800" b="0" i="1" smtClean="0">
+                            <a:latin typeface="Cambria Math" panose="02040503050406030204" pitchFamily="18" charset="0"/>
+                          </a:rPr>
+                          <m:t> </m:t>
+                        </m:r>
+                        <m:r>
+                          <a:rPr lang="en-US" sz="2800" b="0" i="1" smtClean="0">
+                            <a:latin typeface="Cambria Math" panose="02040503050406030204" pitchFamily="18" charset="0"/>
+                          </a:rPr>
+                          <m:t>𝑜𝑛𝑒</m:t>
+                        </m:r>
+                      </m:e>
+                    </m:d>
+                    <m:r>
+                      <a:rPr lang="en-US" sz="2800" b="0" i="1" smtClean="0">
+                        <a:latin typeface="Cambria Math" panose="02040503050406030204" pitchFamily="18" charset="0"/>
+                      </a:rPr>
+                      <m:t>=</m:t>
+                    </m:r>
+                    <m:r>
+                      <a:rPr lang="en-US" sz="2800" b="0" i="1" smtClean="0">
+                        <a:latin typeface="Cambria Math" panose="02040503050406030204" pitchFamily="18" charset="0"/>
+                      </a:rPr>
+                      <m:t>𝑃</m:t>
+                    </m:r>
+                    <m:d>
+                      <m:dPr>
+                        <m:ctrlPr>
+                          <a:rPr lang="en-US" sz="2800" b="0" i="1" smtClean="0">
+                            <a:latin typeface="Cambria Math" panose="02040503050406030204" pitchFamily="18" charset="0"/>
+                          </a:rPr>
+                        </m:ctrlPr>
+                      </m:dPr>
+                      <m:e>
+                        <m:r>
+                          <a:rPr lang="en-US" sz="2800" b="0" i="1" smtClean="0">
+                            <a:latin typeface="Cambria Math" panose="02040503050406030204" pitchFamily="18" charset="0"/>
+                          </a:rPr>
+                          <m:t>𝑂𝑛𝑙𝑦</m:t>
+                        </m:r>
+                        <m:r>
+                          <a:rPr lang="en-US" sz="2800" b="0" i="1" smtClean="0">
+                            <a:latin typeface="Cambria Math" panose="02040503050406030204" pitchFamily="18" charset="0"/>
+                          </a:rPr>
+                          <m:t> </m:t>
+                        </m:r>
+                        <m:r>
+                          <a:rPr lang="en-US" sz="2800" b="0" i="1" smtClean="0">
+                            <a:latin typeface="Cambria Math" panose="02040503050406030204" pitchFamily="18" charset="0"/>
+                          </a:rPr>
+                          <m:t>𝐴</m:t>
+                        </m:r>
+                      </m:e>
+                    </m:d>
+                    <m:r>
+                      <a:rPr lang="en-US" sz="2800" b="0" i="1" smtClean="0">
+                        <a:latin typeface="Cambria Math" panose="02040503050406030204" pitchFamily="18" charset="0"/>
+                      </a:rPr>
+                      <m:t>+</m:t>
+                    </m:r>
+                    <m:r>
+                      <a:rPr lang="en-US" sz="2800" b="0" i="1" smtClean="0">
+                        <a:latin typeface="Cambria Math" panose="02040503050406030204" pitchFamily="18" charset="0"/>
+                      </a:rPr>
+                      <m:t>𝑃</m:t>
+                    </m:r>
+                    <m:d>
+                      <m:dPr>
+                        <m:ctrlPr>
+                          <a:rPr lang="en-US" sz="2800" b="0" i="1" smtClean="0">
+                            <a:latin typeface="Cambria Math" panose="02040503050406030204" pitchFamily="18" charset="0"/>
+                          </a:rPr>
+                        </m:ctrlPr>
+                      </m:dPr>
+                      <m:e>
+                        <m:r>
+                          <a:rPr lang="en-US" sz="2800" b="0" i="1" smtClean="0">
+                            <a:latin typeface="Cambria Math" panose="02040503050406030204" pitchFamily="18" charset="0"/>
+                          </a:rPr>
+                          <m:t>𝑂𝑛𝑙𝑦</m:t>
+                        </m:r>
+                        <m:r>
+                          <a:rPr lang="en-US" sz="2800" b="0" i="1" smtClean="0">
+                            <a:latin typeface="Cambria Math" panose="02040503050406030204" pitchFamily="18" charset="0"/>
+                          </a:rPr>
+                          <m:t> </m:t>
+                        </m:r>
+                        <m:r>
+                          <a:rPr lang="en-US" sz="2800" b="0" i="1" smtClean="0">
+                            <a:latin typeface="Cambria Math" panose="02040503050406030204" pitchFamily="18" charset="0"/>
+                          </a:rPr>
+                          <m:t>𝐵</m:t>
+                        </m:r>
+                      </m:e>
+                    </m:d>
+                    <m:r>
+                      <a:rPr lang="en-US" sz="2800" b="0" i="1" smtClean="0">
+                        <a:latin typeface="Cambria Math" panose="02040503050406030204" pitchFamily="18" charset="0"/>
+                      </a:rPr>
+                      <m:t>+</m:t>
+                    </m:r>
+                    <m:r>
+                      <a:rPr lang="en-US" sz="2800" b="0" i="1" smtClean="0">
+                        <a:latin typeface="Cambria Math" panose="02040503050406030204" pitchFamily="18" charset="0"/>
+                      </a:rPr>
+                      <m:t>𝑃</m:t>
+                    </m:r>
+                    <m:r>
+                      <a:rPr lang="en-US" sz="2800" b="0" i="1" smtClean="0">
+                        <a:latin typeface="Cambria Math" panose="02040503050406030204" pitchFamily="18" charset="0"/>
+                      </a:rPr>
+                      <m:t>(</m:t>
+                    </m:r>
+                    <m:r>
+                      <a:rPr lang="en-US" sz="2800" b="0" i="1" smtClean="0">
+                        <a:latin typeface="Cambria Math" panose="02040503050406030204" pitchFamily="18" charset="0"/>
+                      </a:rPr>
+                      <m:t>𝑂𝑛𝑙𝑦</m:t>
+                    </m:r>
+                    <m:r>
+                      <a:rPr lang="en-US" sz="2800" b="0" i="1" smtClean="0">
+                        <a:latin typeface="Cambria Math" panose="02040503050406030204" pitchFamily="18" charset="0"/>
+                      </a:rPr>
+                      <m:t> </m:t>
+                    </m:r>
+                    <m:r>
+                      <a:rPr lang="en-US" sz="2800" b="0" i="1" smtClean="0">
+                        <a:latin typeface="Cambria Math" panose="02040503050406030204" pitchFamily="18" charset="0"/>
+                      </a:rPr>
+                      <m:t>𝐶</m:t>
+                    </m:r>
+                    <m:r>
+                      <a:rPr lang="en-US" sz="2800" b="0" i="1" smtClean="0">
+                        <a:latin typeface="Cambria Math" panose="02040503050406030204" pitchFamily="18" charset="0"/>
+                      </a:rPr>
+                      <m:t>)</m:t>
+                    </m:r>
+                  </m:oMath>
+                </a14:m>
+                <a:endParaRPr lang="en-US" sz="2800" b="0" dirty="0"/>
+              </a:p>
+              <a:p>
+                <a:pPr marL="571500" indent="-571500" algn="just">
+                  <a:buFont typeface="Arial" panose="020B0604020202020204" pitchFamily="34" charset="0"/>
+                  <a:buChar char="•"/>
+                </a:pPr>
+                <a14:m>
+                  <m:oMath xmlns:m="http://schemas.openxmlformats.org/officeDocument/2006/math">
+                    <m:r>
+                      <a:rPr lang="en-US" sz="2800" b="0" i="1" smtClean="0">
+                        <a:latin typeface="Cambria Math" panose="02040503050406030204" pitchFamily="18" charset="0"/>
+                      </a:rPr>
+                      <m:t>𝑃</m:t>
+                    </m:r>
+                    <m:d>
+                      <m:dPr>
+                        <m:ctrlPr>
+                          <a:rPr lang="en-US" sz="2800" b="0" i="1" smtClean="0">
+                            <a:latin typeface="Cambria Math" panose="02040503050406030204" pitchFamily="18" charset="0"/>
+                          </a:rPr>
+                        </m:ctrlPr>
+                      </m:dPr>
+                      <m:e>
+                        <m:r>
+                          <a:rPr lang="en-US" sz="2800" b="0" i="1" smtClean="0">
+                            <a:latin typeface="Cambria Math" panose="02040503050406030204" pitchFamily="18" charset="0"/>
+                          </a:rPr>
+                          <m:t>𝐴𝑡</m:t>
+                        </m:r>
+                        <m:r>
+                          <a:rPr lang="en-US" sz="2800" b="0" i="1" smtClean="0">
+                            <a:latin typeface="Cambria Math" panose="02040503050406030204" pitchFamily="18" charset="0"/>
+                          </a:rPr>
+                          <m:t> </m:t>
+                        </m:r>
+                        <m:r>
+                          <a:rPr lang="en-US" sz="2800" b="0" i="1" smtClean="0">
+                            <a:latin typeface="Cambria Math" panose="02040503050406030204" pitchFamily="18" charset="0"/>
+                          </a:rPr>
+                          <m:t>𝑚𝑜𝑠𝑡</m:t>
+                        </m:r>
+                        <m:r>
+                          <a:rPr lang="en-US" sz="2800" b="0" i="1" smtClean="0">
+                            <a:latin typeface="Cambria Math" panose="02040503050406030204" pitchFamily="18" charset="0"/>
+                          </a:rPr>
+                          <m:t> </m:t>
+                        </m:r>
+                        <m:r>
+                          <a:rPr lang="en-US" sz="2800" b="0" i="1" smtClean="0">
+                            <a:latin typeface="Cambria Math" panose="02040503050406030204" pitchFamily="18" charset="0"/>
+                          </a:rPr>
+                          <m:t>𝑜𝑛𝑒</m:t>
+                        </m:r>
+                      </m:e>
+                    </m:d>
+                    <m:r>
+                      <a:rPr lang="en-US" sz="2800" b="0" i="1" smtClean="0">
+                        <a:latin typeface="Cambria Math" panose="02040503050406030204" pitchFamily="18" charset="0"/>
+                      </a:rPr>
+                      <m:t>=1−</m:t>
+                    </m:r>
+                    <m:r>
+                      <a:rPr lang="en-US" sz="2800" b="0" i="1" smtClean="0">
+                        <a:latin typeface="Cambria Math" panose="02040503050406030204" pitchFamily="18" charset="0"/>
+                      </a:rPr>
+                      <m:t>𝑃</m:t>
+                    </m:r>
+                    <m:r>
+                      <a:rPr lang="en-US" sz="2800" b="0" i="1" smtClean="0">
+                        <a:latin typeface="Cambria Math" panose="02040503050406030204" pitchFamily="18" charset="0"/>
+                      </a:rPr>
+                      <m:t>(</m:t>
+                    </m:r>
+                    <m:r>
+                      <a:rPr lang="en-US" sz="2800" b="0" i="1" smtClean="0">
+                        <a:latin typeface="Cambria Math" panose="02040503050406030204" pitchFamily="18" charset="0"/>
+                      </a:rPr>
+                      <m:t>𝐴</m:t>
+                    </m:r>
+                    <m:r>
+                      <a:rPr lang="en-US" sz="2800" b="0" i="1" smtClean="0">
+                        <a:latin typeface="Cambria Math" panose="02040503050406030204" pitchFamily="18" charset="0"/>
+                      </a:rPr>
+                      <m:t>∩</m:t>
+                    </m:r>
+                    <m:r>
+                      <a:rPr lang="en-US" sz="2800" b="0" i="1" smtClean="0">
+                        <a:latin typeface="Cambria Math" panose="02040503050406030204" pitchFamily="18" charset="0"/>
+                      </a:rPr>
+                      <m:t>𝐵</m:t>
+                    </m:r>
+                    <m:r>
+                      <a:rPr lang="en-US" sz="2800" b="0" i="1" smtClean="0">
+                        <a:latin typeface="Cambria Math" panose="02040503050406030204" pitchFamily="18" charset="0"/>
+                      </a:rPr>
+                      <m:t>∩</m:t>
+                    </m:r>
+                    <m:r>
+                      <a:rPr lang="en-US" sz="2800" b="0" i="1" smtClean="0">
+                        <a:latin typeface="Cambria Math" panose="02040503050406030204" pitchFamily="18" charset="0"/>
+                      </a:rPr>
+                      <m:t>𝐶</m:t>
+                    </m:r>
+                    <m:r>
+                      <a:rPr lang="en-US" sz="2800" b="0" i="1" smtClean="0">
+                        <a:latin typeface="Cambria Math" panose="02040503050406030204" pitchFamily="18" charset="0"/>
+                      </a:rPr>
+                      <m:t>)</m:t>
+                    </m:r>
+                  </m:oMath>
+                </a14:m>
+                <a:endParaRPr lang="en-US" sz="2800" dirty="0"/>
+              </a:p>
+              <a:p>
+                <a:pPr marL="571500" indent="-571500" algn="just">
+                  <a:buFont typeface="Arial" panose="020B0604020202020204" pitchFamily="34" charset="0"/>
+                  <a:buChar char="•"/>
+                </a:pPr>
+                <a14:m>
+                  <m:oMath xmlns:m="http://schemas.openxmlformats.org/officeDocument/2006/math">
+                    <m:r>
+                      <a:rPr lang="en-US" sz="2800" b="0" i="1" smtClean="0">
+                        <a:latin typeface="Cambria Math" panose="02040503050406030204" pitchFamily="18" charset="0"/>
+                      </a:rPr>
+                      <m:t>𝑃</m:t>
+                    </m:r>
+                    <m:d>
+                      <m:dPr>
+                        <m:ctrlPr>
+                          <a:rPr lang="en-US" sz="2800" b="0" i="1" smtClean="0">
+                            <a:latin typeface="Cambria Math" panose="02040503050406030204" pitchFamily="18" charset="0"/>
+                          </a:rPr>
+                        </m:ctrlPr>
+                      </m:dPr>
+                      <m:e>
+                        <m:r>
+                          <a:rPr lang="en-US" sz="2800" b="0" i="1" smtClean="0">
+                            <a:latin typeface="Cambria Math" panose="02040503050406030204" pitchFamily="18" charset="0"/>
+                          </a:rPr>
+                          <m:t>𝑂𝑛𝑙𝑦</m:t>
+                        </m:r>
+                        <m:r>
+                          <a:rPr lang="en-US" sz="2800" b="0" i="1" smtClean="0">
+                            <a:latin typeface="Cambria Math" panose="02040503050406030204" pitchFamily="18" charset="0"/>
+                          </a:rPr>
+                          <m:t> </m:t>
+                        </m:r>
+                        <m:r>
+                          <a:rPr lang="en-US" sz="2800" b="0" i="1" smtClean="0">
+                            <a:latin typeface="Cambria Math" panose="02040503050406030204" pitchFamily="18" charset="0"/>
+                          </a:rPr>
+                          <m:t>𝐴</m:t>
+                        </m:r>
+                        <m:r>
+                          <a:rPr lang="en-US" sz="2800" b="0" i="1" smtClean="0">
+                            <a:latin typeface="Cambria Math" panose="02040503050406030204" pitchFamily="18" charset="0"/>
+                          </a:rPr>
+                          <m:t> </m:t>
+                        </m:r>
+                        <m:r>
+                          <a:rPr lang="en-US" sz="2800" b="0" i="1" smtClean="0">
+                            <a:latin typeface="Cambria Math" panose="02040503050406030204" pitchFamily="18" charset="0"/>
+                          </a:rPr>
+                          <m:t>𝑎𝑛𝑑</m:t>
+                        </m:r>
+                        <m:r>
+                          <a:rPr lang="en-US" sz="2800" b="0" i="1" smtClean="0">
+                            <a:latin typeface="Cambria Math" panose="02040503050406030204" pitchFamily="18" charset="0"/>
+                          </a:rPr>
+                          <m:t> </m:t>
+                        </m:r>
+                        <m:r>
+                          <a:rPr lang="en-US" sz="2800" b="0" i="1" smtClean="0">
+                            <a:latin typeface="Cambria Math" panose="02040503050406030204" pitchFamily="18" charset="0"/>
+                          </a:rPr>
+                          <m:t>𝐵</m:t>
+                        </m:r>
+                        <m:r>
+                          <a:rPr lang="en-US" sz="2800" b="0" i="1" smtClean="0">
+                            <a:latin typeface="Cambria Math" panose="02040503050406030204" pitchFamily="18" charset="0"/>
+                          </a:rPr>
+                          <m:t> </m:t>
+                        </m:r>
+                        <m:d>
+                          <m:dPr>
+                            <m:ctrlPr>
+                              <a:rPr lang="en-US" sz="2800" b="0" i="1" smtClean="0">
+                                <a:latin typeface="Cambria Math" panose="02040503050406030204" pitchFamily="18" charset="0"/>
+                              </a:rPr>
+                            </m:ctrlPr>
+                          </m:dPr>
+                          <m:e>
+                            <m:r>
+                              <a:rPr lang="en-US" sz="2800" b="0" i="1" smtClean="0">
+                                <a:latin typeface="Cambria Math" panose="02040503050406030204" pitchFamily="18" charset="0"/>
+                              </a:rPr>
+                              <m:t>𝑛𝑜𝑡</m:t>
+                            </m:r>
+                            <m:r>
+                              <a:rPr lang="en-US" sz="2800" b="0" i="1" smtClean="0">
+                                <a:latin typeface="Cambria Math" panose="02040503050406030204" pitchFamily="18" charset="0"/>
+                              </a:rPr>
+                              <m:t> </m:t>
+                            </m:r>
+                            <m:r>
+                              <a:rPr lang="en-US" sz="2800" b="0" i="1" smtClean="0">
+                                <a:latin typeface="Cambria Math" panose="02040503050406030204" pitchFamily="18" charset="0"/>
+                              </a:rPr>
+                              <m:t>𝐶</m:t>
+                            </m:r>
+                          </m:e>
+                        </m:d>
+                      </m:e>
+                    </m:d>
+                    <m:r>
+                      <a:rPr lang="en-US" sz="2800" b="0" i="1" smtClean="0">
+                        <a:latin typeface="Cambria Math" panose="02040503050406030204" pitchFamily="18" charset="0"/>
+                      </a:rPr>
+                      <m:t>=</m:t>
+                    </m:r>
+                    <m:r>
+                      <a:rPr lang="en-US" sz="2800" b="0" i="1" smtClean="0">
+                        <a:latin typeface="Cambria Math" panose="02040503050406030204" pitchFamily="18" charset="0"/>
+                      </a:rPr>
+                      <m:t>𝑃</m:t>
+                    </m:r>
+                    <m:d>
+                      <m:dPr>
+                        <m:ctrlPr>
+                          <a:rPr lang="en-US" sz="2800" b="0" i="1" smtClean="0">
+                            <a:latin typeface="Cambria Math" panose="02040503050406030204" pitchFamily="18" charset="0"/>
+                          </a:rPr>
+                        </m:ctrlPr>
+                      </m:dPr>
+                      <m:e>
+                        <m:r>
+                          <a:rPr lang="en-US" sz="2800" b="0" i="1" smtClean="0">
+                            <a:latin typeface="Cambria Math" panose="02040503050406030204" pitchFamily="18" charset="0"/>
+                          </a:rPr>
+                          <m:t>𝐴</m:t>
+                        </m:r>
+                        <m:r>
+                          <a:rPr lang="en-US" sz="2800" b="0" i="1" smtClean="0">
+                            <a:latin typeface="Cambria Math" panose="02040503050406030204" pitchFamily="18" charset="0"/>
+                          </a:rPr>
+                          <m:t>∩</m:t>
+                        </m:r>
+                        <m:r>
+                          <a:rPr lang="en-US" sz="2800" b="0" i="1" smtClean="0">
+                            <a:latin typeface="Cambria Math" panose="02040503050406030204" pitchFamily="18" charset="0"/>
+                          </a:rPr>
+                          <m:t>𝐵</m:t>
+                        </m:r>
+                        <m:r>
+                          <a:rPr lang="en-US" sz="2800" b="0" i="1" smtClean="0">
+                            <a:latin typeface="Cambria Math" panose="02040503050406030204" pitchFamily="18" charset="0"/>
+                          </a:rPr>
+                          <m:t>∩</m:t>
+                        </m:r>
+                        <m:sSup>
+                          <m:sSupPr>
+                            <m:ctrlPr>
+                              <a:rPr lang="en-US" sz="2800" b="0" i="1" smtClean="0">
+                                <a:latin typeface="Cambria Math" panose="02040503050406030204" pitchFamily="18" charset="0"/>
+                              </a:rPr>
+                            </m:ctrlPr>
+                          </m:sSupPr>
+                          <m:e>
+                            <m:r>
+                              <a:rPr lang="en-US" sz="2800" b="0" i="1" smtClean="0">
+                                <a:latin typeface="Cambria Math" panose="02040503050406030204" pitchFamily="18" charset="0"/>
+                              </a:rPr>
+                              <m:t>𝐶</m:t>
+                            </m:r>
+                          </m:e>
+                          <m:sup>
+                            <m:r>
+                              <a:rPr lang="en-US" sz="2800" b="0" i="1" smtClean="0">
+                                <a:latin typeface="Cambria Math" panose="02040503050406030204" pitchFamily="18" charset="0"/>
+                              </a:rPr>
+                              <m:t>′</m:t>
+                            </m:r>
+                          </m:sup>
+                        </m:sSup>
+                      </m:e>
+                    </m:d>
+                    <m:r>
+                      <a:rPr lang="en-US" sz="2800" i="1">
+                        <a:latin typeface="Cambria Math" panose="02040503050406030204" pitchFamily="18" charset="0"/>
+                      </a:rPr>
+                      <m:t>=</m:t>
+                    </m:r>
+                    <m:r>
+                      <a:rPr lang="en-US" sz="2800" i="1">
+                        <a:latin typeface="Cambria Math" panose="02040503050406030204" pitchFamily="18" charset="0"/>
+                      </a:rPr>
+                      <m:t>𝑃</m:t>
+                    </m:r>
+                    <m:r>
+                      <a:rPr lang="en-US" sz="2800" i="1">
+                        <a:latin typeface="Cambria Math" panose="02040503050406030204" pitchFamily="18" charset="0"/>
+                      </a:rPr>
+                      <m:t>(</m:t>
+                    </m:r>
+                    <m:r>
+                      <a:rPr lang="en-US" sz="2800" i="1">
+                        <a:latin typeface="Cambria Math" panose="02040503050406030204" pitchFamily="18" charset="0"/>
+                      </a:rPr>
+                      <m:t>𝐴</m:t>
+                    </m:r>
+                    <m:r>
+                      <a:rPr lang="en-US" sz="2800" i="1">
+                        <a:latin typeface="Cambria Math" panose="02040503050406030204" pitchFamily="18" charset="0"/>
+                      </a:rPr>
+                      <m:t>∩</m:t>
+                    </m:r>
+                    <m:r>
+                      <a:rPr lang="en-US" sz="2800" i="1">
+                        <a:latin typeface="Cambria Math" panose="02040503050406030204" pitchFamily="18" charset="0"/>
+                      </a:rPr>
+                      <m:t>𝐵</m:t>
+                    </m:r>
+                    <m:r>
+                      <a:rPr lang="en-US" sz="2800" i="1">
+                        <a:latin typeface="Cambria Math" panose="02040503050406030204" pitchFamily="18" charset="0"/>
+                      </a:rPr>
+                      <m:t>)−</m:t>
+                    </m:r>
+                    <m:r>
+                      <a:rPr lang="en-US" sz="2800" i="1">
+                        <a:latin typeface="Cambria Math" panose="02040503050406030204" pitchFamily="18" charset="0"/>
+                      </a:rPr>
+                      <m:t>𝑃</m:t>
+                    </m:r>
+                    <m:r>
+                      <a:rPr lang="en-US" sz="2800" i="1">
+                        <a:latin typeface="Cambria Math" panose="02040503050406030204" pitchFamily="18" charset="0"/>
+                      </a:rPr>
+                      <m:t>(</m:t>
+                    </m:r>
+                    <m:r>
+                      <a:rPr lang="en-US" sz="2800" i="1">
+                        <a:latin typeface="Cambria Math" panose="02040503050406030204" pitchFamily="18" charset="0"/>
+                      </a:rPr>
+                      <m:t>𝐴</m:t>
+                    </m:r>
+                    <m:r>
+                      <a:rPr lang="en-US" sz="2800" i="1">
+                        <a:latin typeface="Cambria Math" panose="02040503050406030204" pitchFamily="18" charset="0"/>
+                      </a:rPr>
+                      <m:t>∩</m:t>
+                    </m:r>
+                    <m:r>
+                      <a:rPr lang="en-US" sz="2800" i="1">
+                        <a:latin typeface="Cambria Math" panose="02040503050406030204" pitchFamily="18" charset="0"/>
+                      </a:rPr>
+                      <m:t>𝐵</m:t>
+                    </m:r>
+                    <m:r>
+                      <a:rPr lang="en-US" sz="2800" i="1">
+                        <a:latin typeface="Cambria Math" panose="02040503050406030204" pitchFamily="18" charset="0"/>
+                      </a:rPr>
+                      <m:t>∩</m:t>
+                    </m:r>
+                    <m:r>
+                      <a:rPr lang="en-US" sz="2800" i="1">
+                        <a:latin typeface="Cambria Math" panose="02040503050406030204" pitchFamily="18" charset="0"/>
+                      </a:rPr>
+                      <m:t>𝐶</m:t>
+                    </m:r>
+                    <m:r>
+                      <a:rPr lang="en-US" sz="2800" i="1">
+                        <a:latin typeface="Cambria Math" panose="02040503050406030204" pitchFamily="18" charset="0"/>
+                      </a:rPr>
+                      <m:t>)</m:t>
+                    </m:r>
+                  </m:oMath>
+                </a14:m>
+                <a:endParaRPr lang="en-US" sz="2800" dirty="0"/>
+              </a:p>
+              <a:p>
+                <a:pPr marL="571500" indent="-571500" algn="just">
+                  <a:buFont typeface="Arial" panose="020B0604020202020204" pitchFamily="34" charset="0"/>
+                  <a:buChar char="•"/>
+                </a:pPr>
+                <a14:m>
+                  <m:oMath xmlns:m="http://schemas.openxmlformats.org/officeDocument/2006/math">
+                    <m:r>
+                      <a:rPr lang="en-US" sz="2800" b="0" i="1" smtClean="0">
+                        <a:latin typeface="Cambria Math" panose="02040503050406030204" pitchFamily="18" charset="0"/>
+                      </a:rPr>
+                      <m:t>𝑃</m:t>
+                    </m:r>
+                    <m:d>
+                      <m:dPr>
+                        <m:ctrlPr>
+                          <a:rPr lang="en-US" sz="2800" b="0" i="1" smtClean="0">
+                            <a:latin typeface="Cambria Math" panose="02040503050406030204" pitchFamily="18" charset="0"/>
+                          </a:rPr>
+                        </m:ctrlPr>
+                      </m:dPr>
+                      <m:e>
+                        <m:r>
+                          <a:rPr lang="en-US" sz="2800" b="0" i="1" smtClean="0">
+                            <a:latin typeface="Cambria Math" panose="02040503050406030204" pitchFamily="18" charset="0"/>
+                          </a:rPr>
+                          <m:t>𝑂𝑛𝑙𝑦</m:t>
+                        </m:r>
+                        <m:r>
+                          <a:rPr lang="en-US" sz="2800" b="0" i="1" smtClean="0">
+                            <a:latin typeface="Cambria Math" panose="02040503050406030204" pitchFamily="18" charset="0"/>
+                          </a:rPr>
+                          <m:t> </m:t>
+                        </m:r>
+                        <m:r>
+                          <a:rPr lang="en-US" sz="2800" b="0" i="1" smtClean="0">
+                            <a:latin typeface="Cambria Math" panose="02040503050406030204" pitchFamily="18" charset="0"/>
+                          </a:rPr>
+                          <m:t>𝐴</m:t>
+                        </m:r>
+                        <m:r>
+                          <a:rPr lang="en-US" sz="2800" b="0" i="1" smtClean="0">
+                            <a:latin typeface="Cambria Math" panose="02040503050406030204" pitchFamily="18" charset="0"/>
+                          </a:rPr>
+                          <m:t> </m:t>
+                        </m:r>
+                        <m:r>
+                          <a:rPr lang="en-US" sz="2800" b="0" i="1" smtClean="0">
+                            <a:latin typeface="Cambria Math" panose="02040503050406030204" pitchFamily="18" charset="0"/>
+                          </a:rPr>
+                          <m:t>𝑎𝑛𝑑</m:t>
+                        </m:r>
+                        <m:r>
+                          <a:rPr lang="en-US" sz="2800" b="0" i="1" smtClean="0">
+                            <a:latin typeface="Cambria Math" panose="02040503050406030204" pitchFamily="18" charset="0"/>
+                          </a:rPr>
+                          <m:t> </m:t>
+                        </m:r>
+                        <m:r>
+                          <a:rPr lang="en-US" sz="2800" b="0" i="1" smtClean="0">
+                            <a:latin typeface="Cambria Math" panose="02040503050406030204" pitchFamily="18" charset="0"/>
+                          </a:rPr>
+                          <m:t>𝐶</m:t>
+                        </m:r>
+                        <m:r>
+                          <a:rPr lang="en-US" sz="2800" b="0" i="1" smtClean="0">
+                            <a:latin typeface="Cambria Math" panose="02040503050406030204" pitchFamily="18" charset="0"/>
+                          </a:rPr>
+                          <m:t> </m:t>
+                        </m:r>
+                        <m:d>
+                          <m:dPr>
+                            <m:ctrlPr>
+                              <a:rPr lang="en-US" sz="2800" b="0" i="1" smtClean="0">
+                                <a:latin typeface="Cambria Math" panose="02040503050406030204" pitchFamily="18" charset="0"/>
+                              </a:rPr>
+                            </m:ctrlPr>
+                          </m:dPr>
+                          <m:e>
+                            <m:r>
+                              <a:rPr lang="en-US" sz="2800" b="0" i="1" smtClean="0">
+                                <a:latin typeface="Cambria Math" panose="02040503050406030204" pitchFamily="18" charset="0"/>
+                              </a:rPr>
+                              <m:t>𝑛𝑜𝑡</m:t>
+                            </m:r>
+                            <m:r>
+                              <a:rPr lang="en-US" sz="2800" b="0" i="1" smtClean="0">
+                                <a:latin typeface="Cambria Math" panose="02040503050406030204" pitchFamily="18" charset="0"/>
+                              </a:rPr>
+                              <m:t> </m:t>
+                            </m:r>
+                            <m:r>
+                              <a:rPr lang="en-US" sz="2800" b="0" i="1" smtClean="0">
+                                <a:latin typeface="Cambria Math" panose="02040503050406030204" pitchFamily="18" charset="0"/>
+                              </a:rPr>
+                              <m:t>𝐵</m:t>
+                            </m:r>
+                          </m:e>
+                        </m:d>
+                      </m:e>
+                    </m:d>
+                    <m:r>
+                      <a:rPr lang="en-US" sz="2800" b="0" i="1" smtClean="0">
+                        <a:latin typeface="Cambria Math" panose="02040503050406030204" pitchFamily="18" charset="0"/>
+                      </a:rPr>
+                      <m:t>=</m:t>
+                    </m:r>
+                    <m:r>
+                      <a:rPr lang="en-US" sz="2800" b="0" i="1" smtClean="0">
+                        <a:latin typeface="Cambria Math" panose="02040503050406030204" pitchFamily="18" charset="0"/>
+                      </a:rPr>
+                      <m:t>𝑃</m:t>
+                    </m:r>
+                    <m:r>
+                      <a:rPr lang="en-US" sz="2800" b="0" i="1" smtClean="0">
+                        <a:latin typeface="Cambria Math" panose="02040503050406030204" pitchFamily="18" charset="0"/>
+                      </a:rPr>
+                      <m:t>(</m:t>
+                    </m:r>
+                    <m:r>
+                      <a:rPr lang="en-US" sz="2800" b="0" i="1" smtClean="0">
+                        <a:latin typeface="Cambria Math" panose="02040503050406030204" pitchFamily="18" charset="0"/>
+                      </a:rPr>
+                      <m:t>𝐴</m:t>
+                    </m:r>
+                    <m:r>
+                      <a:rPr lang="en-US" sz="2800" b="0" i="1" smtClean="0">
+                        <a:latin typeface="Cambria Math" panose="02040503050406030204" pitchFamily="18" charset="0"/>
+                      </a:rPr>
+                      <m:t>∩</m:t>
+                    </m:r>
+                    <m:r>
+                      <a:rPr lang="en-US" sz="2800" b="0" i="1" smtClean="0">
+                        <a:latin typeface="Cambria Math" panose="02040503050406030204" pitchFamily="18" charset="0"/>
+                      </a:rPr>
+                      <m:t>𝐶</m:t>
+                    </m:r>
+                    <m:r>
+                      <a:rPr lang="en-US" sz="2800" b="0" i="1" smtClean="0">
+                        <a:latin typeface="Cambria Math" panose="02040503050406030204" pitchFamily="18" charset="0"/>
+                      </a:rPr>
+                      <m:t>∩</m:t>
+                    </m:r>
+                    <m:sSup>
+                      <m:sSupPr>
+                        <m:ctrlPr>
+                          <a:rPr lang="en-US" sz="2800" b="0" i="1" smtClean="0">
+                            <a:latin typeface="Cambria Math" panose="02040503050406030204" pitchFamily="18" charset="0"/>
+                          </a:rPr>
+                        </m:ctrlPr>
+                      </m:sSupPr>
+                      <m:e>
+                        <m:r>
+                          <a:rPr lang="en-US" sz="2800" b="0" i="1" smtClean="0">
+                            <a:latin typeface="Cambria Math" panose="02040503050406030204" pitchFamily="18" charset="0"/>
+                          </a:rPr>
+                          <m:t>𝐵</m:t>
+                        </m:r>
+                      </m:e>
+                      <m:sup>
+                        <m:r>
+                          <a:rPr lang="en-US" sz="2800" b="0" i="1" smtClean="0">
+                            <a:latin typeface="Cambria Math" panose="02040503050406030204" pitchFamily="18" charset="0"/>
+                          </a:rPr>
+                          <m:t>′</m:t>
+                        </m:r>
+                      </m:sup>
+                    </m:sSup>
+                    <m:r>
+                      <a:rPr lang="en-US" sz="2800" b="0" i="1" smtClean="0">
+                        <a:latin typeface="Cambria Math" panose="02040503050406030204" pitchFamily="18" charset="0"/>
+                      </a:rPr>
+                      <m:t>)</m:t>
+                    </m:r>
+                  </m:oMath>
+                </a14:m>
+                <a:r>
+                  <a:rPr lang="en-US" sz="2800" dirty="0"/>
+                  <a:t>; </a:t>
+                </a:r>
+                <a14:m>
+                  <m:oMath xmlns:m="http://schemas.openxmlformats.org/officeDocument/2006/math">
+                    <m:r>
+                      <a:rPr lang="en-US" sz="2800" b="0" i="1" dirty="0" smtClean="0">
+                        <a:latin typeface="Cambria Math" panose="02040503050406030204" pitchFamily="18" charset="0"/>
+                      </a:rPr>
+                      <m:t>𝑃</m:t>
+                    </m:r>
+                    <m:d>
+                      <m:dPr>
+                        <m:ctrlPr>
+                          <a:rPr lang="en-US" sz="2800" b="0" i="1" dirty="0" smtClean="0">
+                            <a:latin typeface="Cambria Math" panose="02040503050406030204" pitchFamily="18" charset="0"/>
+                          </a:rPr>
+                        </m:ctrlPr>
+                      </m:dPr>
+                      <m:e>
+                        <m:r>
+                          <a:rPr lang="en-US" sz="2800" b="0" i="1" dirty="0" smtClean="0">
+                            <a:latin typeface="Cambria Math" panose="02040503050406030204" pitchFamily="18" charset="0"/>
+                          </a:rPr>
+                          <m:t>𝑂𝑛𝑙𝑦</m:t>
+                        </m:r>
+                        <m:r>
+                          <a:rPr lang="en-US" sz="2800" b="0" i="1" dirty="0" smtClean="0">
+                            <a:latin typeface="Cambria Math" panose="02040503050406030204" pitchFamily="18" charset="0"/>
+                          </a:rPr>
+                          <m:t> </m:t>
+                        </m:r>
+                        <m:r>
+                          <a:rPr lang="en-US" sz="2800" b="0" i="1" dirty="0" smtClean="0">
+                            <a:latin typeface="Cambria Math" panose="02040503050406030204" pitchFamily="18" charset="0"/>
+                          </a:rPr>
+                          <m:t>𝐵</m:t>
+                        </m:r>
+                        <m:r>
+                          <a:rPr lang="en-US" sz="2800" b="0" i="1" dirty="0" smtClean="0">
+                            <a:latin typeface="Cambria Math" panose="02040503050406030204" pitchFamily="18" charset="0"/>
+                          </a:rPr>
+                          <m:t> </m:t>
+                        </m:r>
+                        <m:r>
+                          <a:rPr lang="en-US" sz="2800" b="0" i="1" dirty="0" smtClean="0">
+                            <a:latin typeface="Cambria Math" panose="02040503050406030204" pitchFamily="18" charset="0"/>
+                          </a:rPr>
+                          <m:t>𝑎𝑛𝑑</m:t>
+                        </m:r>
+                        <m:r>
+                          <a:rPr lang="en-US" sz="2800" b="0" i="1" dirty="0" smtClean="0">
+                            <a:latin typeface="Cambria Math" panose="02040503050406030204" pitchFamily="18" charset="0"/>
+                          </a:rPr>
+                          <m:t> </m:t>
+                        </m:r>
+                        <m:r>
+                          <a:rPr lang="en-US" sz="2800" b="0" i="1" dirty="0" smtClean="0">
+                            <a:latin typeface="Cambria Math" panose="02040503050406030204" pitchFamily="18" charset="0"/>
+                          </a:rPr>
+                          <m:t>𝐶</m:t>
+                        </m:r>
+                        <m:r>
+                          <a:rPr lang="en-US" sz="2800" b="0" i="1" dirty="0" smtClean="0">
+                            <a:latin typeface="Cambria Math" panose="02040503050406030204" pitchFamily="18" charset="0"/>
+                          </a:rPr>
+                          <m:t> </m:t>
+                        </m:r>
+                        <m:d>
+                          <m:dPr>
+                            <m:ctrlPr>
+                              <a:rPr lang="en-US" sz="2800" b="0" i="1" dirty="0" smtClean="0">
+                                <a:latin typeface="Cambria Math" panose="02040503050406030204" pitchFamily="18" charset="0"/>
+                              </a:rPr>
+                            </m:ctrlPr>
+                          </m:dPr>
+                          <m:e>
+                            <m:r>
+                              <a:rPr lang="en-US" sz="2800" b="0" i="1" dirty="0" smtClean="0">
+                                <a:latin typeface="Cambria Math" panose="02040503050406030204" pitchFamily="18" charset="0"/>
+                              </a:rPr>
+                              <m:t>𝑛𝑜𝑡</m:t>
+                            </m:r>
+                            <m:r>
+                              <a:rPr lang="en-US" sz="2800" b="0" i="1" dirty="0" smtClean="0">
+                                <a:latin typeface="Cambria Math" panose="02040503050406030204" pitchFamily="18" charset="0"/>
+                              </a:rPr>
+                              <m:t> </m:t>
+                            </m:r>
+                            <m:r>
+                              <a:rPr lang="en-US" sz="2800" b="0" i="1" dirty="0" smtClean="0">
+                                <a:latin typeface="Cambria Math" panose="02040503050406030204" pitchFamily="18" charset="0"/>
+                              </a:rPr>
+                              <m:t>𝐴</m:t>
+                            </m:r>
+                          </m:e>
+                        </m:d>
+                      </m:e>
+                    </m:d>
+                    <m:r>
+                      <a:rPr lang="en-US" sz="2800" b="0" i="1" dirty="0" smtClean="0">
+                        <a:latin typeface="Cambria Math" panose="02040503050406030204" pitchFamily="18" charset="0"/>
+                      </a:rPr>
+                      <m:t>=???</m:t>
+                    </m:r>
+                  </m:oMath>
+                </a14:m>
+                <a:endParaRPr lang="en-US" sz="2800" dirty="0"/>
+              </a:p>
+            </p:txBody>
+          </p:sp>
+        </mc:Choice>
+        <mc:Fallback xmlns="">
+          <p:sp>
+            <p:nvSpPr>
+              <p:cNvPr id="5" name="TextBox 4">
+                <a:extLst>
+                  <a:ext uri="{FF2B5EF4-FFF2-40B4-BE49-F238E27FC236}">
+                    <a16:creationId xmlns:a16="http://schemas.microsoft.com/office/drawing/2014/main" id="{59C849AF-2E92-1421-AC68-E7968585B0A7}"/>
+                  </a:ext>
+                </a:extLst>
+              </p:cNvPr>
+              <p:cNvSpPr txBox="1">
+                <a:spLocks noRot="1" noChangeAspect="1" noMove="1" noResize="1" noEditPoints="1" noAdjustHandles="1" noChangeArrowheads="1" noChangeShapeType="1" noTextEdit="1"/>
+              </p:cNvSpPr>
+              <p:nvPr/>
+            </p:nvSpPr>
+            <p:spPr>
+              <a:xfrm>
+                <a:off x="1656522" y="4481772"/>
+                <a:ext cx="12834730" cy="3650358"/>
+              </a:xfrm>
+              <a:prstGeom prst="rect">
+                <a:avLst/>
+              </a:prstGeom>
+              <a:blipFill>
+                <a:blip r:embed="rId3"/>
+                <a:stretch>
+                  <a:fillRect l="-757" t="-327" b="-1797"/>
+                </a:stretch>
+              </a:blipFill>
+              <a:ln>
+                <a:solidFill>
+                  <a:schemeClr val="tx1"/>
+                </a:solidFill>
+                <a:extLst>
+                  <a:ext uri="{C807C97D-BFC1-408E-A445-0C87EB9F89A2}">
+                    <ask:lineSketchStyleProps xmlns:ask="http://schemas.microsoft.com/office/drawing/2018/sketchyshapes" sd="1219033472">
+                      <a:custGeom>
+                        <a:avLst/>
+                        <a:gdLst>
+                          <a:gd name="connsiteX0" fmla="*/ 0 w 12834730"/>
+                          <a:gd name="connsiteY0" fmla="*/ 0 h 3650358"/>
+                          <a:gd name="connsiteX1" fmla="*/ 455050 w 12834730"/>
+                          <a:gd name="connsiteY1" fmla="*/ 0 h 3650358"/>
+                          <a:gd name="connsiteX2" fmla="*/ 1295141 w 12834730"/>
+                          <a:gd name="connsiteY2" fmla="*/ 0 h 3650358"/>
+                          <a:gd name="connsiteX3" fmla="*/ 2135232 w 12834730"/>
+                          <a:gd name="connsiteY3" fmla="*/ 0 h 3650358"/>
+                          <a:gd name="connsiteX4" fmla="*/ 2846976 w 12834730"/>
+                          <a:gd name="connsiteY4" fmla="*/ 0 h 3650358"/>
+                          <a:gd name="connsiteX5" fmla="*/ 3302026 w 12834730"/>
+                          <a:gd name="connsiteY5" fmla="*/ 0 h 3650358"/>
+                          <a:gd name="connsiteX6" fmla="*/ 3500381 w 12834730"/>
+                          <a:gd name="connsiteY6" fmla="*/ 0 h 3650358"/>
+                          <a:gd name="connsiteX7" fmla="*/ 3955430 w 12834730"/>
+                          <a:gd name="connsiteY7" fmla="*/ 0 h 3650358"/>
+                          <a:gd name="connsiteX8" fmla="*/ 4667175 w 12834730"/>
+                          <a:gd name="connsiteY8" fmla="*/ 0 h 3650358"/>
+                          <a:gd name="connsiteX9" fmla="*/ 5507266 w 12834730"/>
+                          <a:gd name="connsiteY9" fmla="*/ 0 h 3650358"/>
+                          <a:gd name="connsiteX10" fmla="*/ 5705621 w 12834730"/>
+                          <a:gd name="connsiteY10" fmla="*/ 0 h 3650358"/>
+                          <a:gd name="connsiteX11" fmla="*/ 5903976 w 12834730"/>
+                          <a:gd name="connsiteY11" fmla="*/ 0 h 3650358"/>
+                          <a:gd name="connsiteX12" fmla="*/ 6744067 w 12834730"/>
+                          <a:gd name="connsiteY12" fmla="*/ 0 h 3650358"/>
+                          <a:gd name="connsiteX13" fmla="*/ 6942422 w 12834730"/>
+                          <a:gd name="connsiteY13" fmla="*/ 0 h 3650358"/>
+                          <a:gd name="connsiteX14" fmla="*/ 7525819 w 12834730"/>
+                          <a:gd name="connsiteY14" fmla="*/ 0 h 3650358"/>
+                          <a:gd name="connsiteX15" fmla="*/ 7852521 w 12834730"/>
+                          <a:gd name="connsiteY15" fmla="*/ 0 h 3650358"/>
+                          <a:gd name="connsiteX16" fmla="*/ 8179223 w 12834730"/>
+                          <a:gd name="connsiteY16" fmla="*/ 0 h 3650358"/>
+                          <a:gd name="connsiteX17" fmla="*/ 8505926 w 12834730"/>
+                          <a:gd name="connsiteY17" fmla="*/ 0 h 3650358"/>
+                          <a:gd name="connsiteX18" fmla="*/ 8832628 w 12834730"/>
+                          <a:gd name="connsiteY18" fmla="*/ 0 h 3650358"/>
+                          <a:gd name="connsiteX19" fmla="*/ 9287677 w 12834730"/>
+                          <a:gd name="connsiteY19" fmla="*/ 0 h 3650358"/>
+                          <a:gd name="connsiteX20" fmla="*/ 9614380 w 12834730"/>
+                          <a:gd name="connsiteY20" fmla="*/ 0 h 3650358"/>
+                          <a:gd name="connsiteX21" fmla="*/ 10069429 w 12834730"/>
+                          <a:gd name="connsiteY21" fmla="*/ 0 h 3650358"/>
+                          <a:gd name="connsiteX22" fmla="*/ 10781173 w 12834730"/>
+                          <a:gd name="connsiteY22" fmla="*/ 0 h 3650358"/>
+                          <a:gd name="connsiteX23" fmla="*/ 11107875 w 12834730"/>
+                          <a:gd name="connsiteY23" fmla="*/ 0 h 3650358"/>
+                          <a:gd name="connsiteX24" fmla="*/ 11306230 w 12834730"/>
+                          <a:gd name="connsiteY24" fmla="*/ 0 h 3650358"/>
+                          <a:gd name="connsiteX25" fmla="*/ 12146322 w 12834730"/>
+                          <a:gd name="connsiteY25" fmla="*/ 0 h 3650358"/>
+                          <a:gd name="connsiteX26" fmla="*/ 12834730 w 12834730"/>
+                          <a:gd name="connsiteY26" fmla="*/ 0 h 3650358"/>
+                          <a:gd name="connsiteX27" fmla="*/ 12834730 w 12834730"/>
+                          <a:gd name="connsiteY27" fmla="*/ 521480 h 3650358"/>
+                          <a:gd name="connsiteX28" fmla="*/ 12834730 w 12834730"/>
+                          <a:gd name="connsiteY28" fmla="*/ 969952 h 3650358"/>
+                          <a:gd name="connsiteX29" fmla="*/ 12834730 w 12834730"/>
+                          <a:gd name="connsiteY29" fmla="*/ 1491432 h 3650358"/>
+                          <a:gd name="connsiteX30" fmla="*/ 12834730 w 12834730"/>
+                          <a:gd name="connsiteY30" fmla="*/ 2049415 h 3650358"/>
+                          <a:gd name="connsiteX31" fmla="*/ 12834730 w 12834730"/>
+                          <a:gd name="connsiteY31" fmla="*/ 2534391 h 3650358"/>
+                          <a:gd name="connsiteX32" fmla="*/ 12834730 w 12834730"/>
+                          <a:gd name="connsiteY32" fmla="*/ 2982864 h 3650358"/>
+                          <a:gd name="connsiteX33" fmla="*/ 12834730 w 12834730"/>
+                          <a:gd name="connsiteY33" fmla="*/ 3650358 h 3650358"/>
+                          <a:gd name="connsiteX34" fmla="*/ 12122986 w 12834730"/>
+                          <a:gd name="connsiteY34" fmla="*/ 3650358 h 3650358"/>
+                          <a:gd name="connsiteX35" fmla="*/ 11796284 w 12834730"/>
+                          <a:gd name="connsiteY35" fmla="*/ 3650358 h 3650358"/>
+                          <a:gd name="connsiteX36" fmla="*/ 11469581 w 12834730"/>
+                          <a:gd name="connsiteY36" fmla="*/ 3650358 h 3650358"/>
+                          <a:gd name="connsiteX37" fmla="*/ 10629490 w 12834730"/>
+                          <a:gd name="connsiteY37" fmla="*/ 3650358 h 3650358"/>
+                          <a:gd name="connsiteX38" fmla="*/ 9789399 w 12834730"/>
+                          <a:gd name="connsiteY38" fmla="*/ 3650358 h 3650358"/>
+                          <a:gd name="connsiteX39" fmla="*/ 9206002 w 12834730"/>
+                          <a:gd name="connsiteY39" fmla="*/ 3650358 h 3650358"/>
+                          <a:gd name="connsiteX40" fmla="*/ 9007647 w 12834730"/>
+                          <a:gd name="connsiteY40" fmla="*/ 3650358 h 3650358"/>
+                          <a:gd name="connsiteX41" fmla="*/ 8809292 w 12834730"/>
+                          <a:gd name="connsiteY41" fmla="*/ 3650358 h 3650358"/>
+                          <a:gd name="connsiteX42" fmla="*/ 7969201 w 12834730"/>
+                          <a:gd name="connsiteY42" fmla="*/ 3650358 h 3650358"/>
+                          <a:gd name="connsiteX43" fmla="*/ 7514151 w 12834730"/>
+                          <a:gd name="connsiteY43" fmla="*/ 3650358 h 3650358"/>
+                          <a:gd name="connsiteX44" fmla="*/ 6674060 w 12834730"/>
+                          <a:gd name="connsiteY44" fmla="*/ 3650358 h 3650358"/>
+                          <a:gd name="connsiteX45" fmla="*/ 6090663 w 12834730"/>
+                          <a:gd name="connsiteY45" fmla="*/ 3650358 h 3650358"/>
+                          <a:gd name="connsiteX46" fmla="*/ 5892308 w 12834730"/>
+                          <a:gd name="connsiteY46" fmla="*/ 3650358 h 3650358"/>
+                          <a:gd name="connsiteX47" fmla="*/ 5565606 w 12834730"/>
+                          <a:gd name="connsiteY47" fmla="*/ 3650358 h 3650358"/>
+                          <a:gd name="connsiteX48" fmla="*/ 5110556 w 12834730"/>
+                          <a:gd name="connsiteY48" fmla="*/ 3650358 h 3650358"/>
+                          <a:gd name="connsiteX49" fmla="*/ 4398812 w 12834730"/>
+                          <a:gd name="connsiteY49" fmla="*/ 3650358 h 3650358"/>
+                          <a:gd name="connsiteX50" fmla="*/ 3687068 w 12834730"/>
+                          <a:gd name="connsiteY50" fmla="*/ 3650358 h 3650358"/>
+                          <a:gd name="connsiteX51" fmla="*/ 3103671 w 12834730"/>
+                          <a:gd name="connsiteY51" fmla="*/ 3650358 h 3650358"/>
+                          <a:gd name="connsiteX52" fmla="*/ 2648622 w 12834730"/>
+                          <a:gd name="connsiteY52" fmla="*/ 3650358 h 3650358"/>
+                          <a:gd name="connsiteX53" fmla="*/ 1808530 w 12834730"/>
+                          <a:gd name="connsiteY53" fmla="*/ 3650358 h 3650358"/>
+                          <a:gd name="connsiteX54" fmla="*/ 1225133 w 12834730"/>
+                          <a:gd name="connsiteY54" fmla="*/ 3650358 h 3650358"/>
+                          <a:gd name="connsiteX55" fmla="*/ 898431 w 12834730"/>
+                          <a:gd name="connsiteY55" fmla="*/ 3650358 h 3650358"/>
+                          <a:gd name="connsiteX56" fmla="*/ 571729 w 12834730"/>
+                          <a:gd name="connsiteY56" fmla="*/ 3650358 h 3650358"/>
+                          <a:gd name="connsiteX57" fmla="*/ 0 w 12834730"/>
+                          <a:gd name="connsiteY57" fmla="*/ 3650358 h 3650358"/>
+                          <a:gd name="connsiteX58" fmla="*/ 0 w 12834730"/>
+                          <a:gd name="connsiteY58" fmla="*/ 3128878 h 3650358"/>
+                          <a:gd name="connsiteX59" fmla="*/ 0 w 12834730"/>
+                          <a:gd name="connsiteY59" fmla="*/ 2643902 h 3650358"/>
+                          <a:gd name="connsiteX60" fmla="*/ 0 w 12834730"/>
+                          <a:gd name="connsiteY60" fmla="*/ 2195430 h 3650358"/>
+                          <a:gd name="connsiteX61" fmla="*/ 0 w 12834730"/>
+                          <a:gd name="connsiteY61" fmla="*/ 1637446 h 3650358"/>
+                          <a:gd name="connsiteX62" fmla="*/ 0 w 12834730"/>
+                          <a:gd name="connsiteY62" fmla="*/ 1079463 h 3650358"/>
+                          <a:gd name="connsiteX63" fmla="*/ 0 w 12834730"/>
+                          <a:gd name="connsiteY63" fmla="*/ 521480 h 3650358"/>
+                          <a:gd name="connsiteX64" fmla="*/ 0 w 12834730"/>
+                          <a:gd name="connsiteY64" fmla="*/ 0 h 3650358"/>
+                        </a:gdLst>
+                        <a:ahLst/>
+                        <a:cxnLst>
+                          <a:cxn ang="0">
+                            <a:pos x="connsiteX0" y="connsiteY0"/>
+                          </a:cxn>
+                          <a:cxn ang="0">
+                            <a:pos x="connsiteX1" y="connsiteY1"/>
+                          </a:cxn>
+                          <a:cxn ang="0">
+                            <a:pos x="connsiteX2" y="connsiteY2"/>
+                          </a:cxn>
+                          <a:cxn ang="0">
+                            <a:pos x="connsiteX3" y="connsiteY3"/>
+                          </a:cxn>
+                          <a:cxn ang="0">
+                            <a:pos x="connsiteX4" y="connsiteY4"/>
+                          </a:cxn>
+                          <a:cxn ang="0">
+                            <a:pos x="connsiteX5" y="connsiteY5"/>
+                          </a:cxn>
+                          <a:cxn ang="0">
+                            <a:pos x="connsiteX6" y="connsiteY6"/>
+                          </a:cxn>
+                          <a:cxn ang="0">
+                            <a:pos x="connsiteX7" y="connsiteY7"/>
+                          </a:cxn>
+                          <a:cxn ang="0">
+                            <a:pos x="connsiteX8" y="connsiteY8"/>
+                          </a:cxn>
+                          <a:cxn ang="0">
+                            <a:pos x="connsiteX9" y="connsiteY9"/>
+                          </a:cxn>
+                          <a:cxn ang="0">
+                            <a:pos x="connsiteX10" y="connsiteY10"/>
+                          </a:cxn>
+                          <a:cxn ang="0">
+                            <a:pos x="connsiteX11" y="connsiteY11"/>
+                          </a:cxn>
+                          <a:cxn ang="0">
+                            <a:pos x="connsiteX12" y="connsiteY12"/>
+                          </a:cxn>
+                          <a:cxn ang="0">
+                            <a:pos x="connsiteX13" y="connsiteY13"/>
+                          </a:cxn>
+                          <a:cxn ang="0">
+                            <a:pos x="connsiteX14" y="connsiteY14"/>
+                          </a:cxn>
+                          <a:cxn ang="0">
+                            <a:pos x="connsiteX15" y="connsiteY15"/>
+                          </a:cxn>
+                          <a:cxn ang="0">
+                            <a:pos x="connsiteX16" y="connsiteY16"/>
+                          </a:cxn>
+                          <a:cxn ang="0">
+                            <a:pos x="connsiteX17" y="connsiteY17"/>
+                          </a:cxn>
+                          <a:cxn ang="0">
+                            <a:pos x="connsiteX18" y="connsiteY18"/>
+                          </a:cxn>
+                          <a:cxn ang="0">
+                            <a:pos x="connsiteX19" y="connsiteY19"/>
+                          </a:cxn>
+                          <a:cxn ang="0">
+                            <a:pos x="connsiteX20" y="connsiteY20"/>
+                          </a:cxn>
+                          <a:cxn ang="0">
+                            <a:pos x="connsiteX21" y="connsiteY21"/>
+                          </a:cxn>
+                          <a:cxn ang="0">
+                            <a:pos x="connsiteX22" y="connsiteY22"/>
+                          </a:cxn>
+                          <a:cxn ang="0">
+                            <a:pos x="connsiteX23" y="connsiteY23"/>
+                          </a:cxn>
+                          <a:cxn ang="0">
+                            <a:pos x="connsiteX24" y="connsiteY24"/>
+                          </a:cxn>
+                          <a:cxn ang="0">
+                            <a:pos x="connsiteX25" y="connsiteY25"/>
+                          </a:cxn>
+                          <a:cxn ang="0">
+                            <a:pos x="connsiteX26" y="connsiteY26"/>
+                          </a:cxn>
+                          <a:cxn ang="0">
+                            <a:pos x="connsiteX27" y="connsiteY27"/>
+                          </a:cxn>
+                          <a:cxn ang="0">
+                            <a:pos x="connsiteX28" y="connsiteY28"/>
+                          </a:cxn>
+                          <a:cxn ang="0">
+                            <a:pos x="connsiteX29" y="connsiteY29"/>
+                          </a:cxn>
+                          <a:cxn ang="0">
+                            <a:pos x="connsiteX30" y="connsiteY30"/>
+                          </a:cxn>
+                          <a:cxn ang="0">
+                            <a:pos x="connsiteX31" y="connsiteY31"/>
+                          </a:cxn>
+                          <a:cxn ang="0">
+                            <a:pos x="connsiteX32" y="connsiteY32"/>
+                          </a:cxn>
+                          <a:cxn ang="0">
+                            <a:pos x="connsiteX33" y="connsiteY33"/>
+                          </a:cxn>
+                          <a:cxn ang="0">
+                            <a:pos x="connsiteX34" y="connsiteY34"/>
+                          </a:cxn>
+                          <a:cxn ang="0">
+                            <a:pos x="connsiteX35" y="connsiteY35"/>
+                          </a:cxn>
+                          <a:cxn ang="0">
+                            <a:pos x="connsiteX36" y="connsiteY36"/>
+                          </a:cxn>
+                          <a:cxn ang="0">
+                            <a:pos x="connsiteX37" y="connsiteY37"/>
+                          </a:cxn>
+                          <a:cxn ang="0">
+                            <a:pos x="connsiteX38" y="connsiteY38"/>
+                          </a:cxn>
+                          <a:cxn ang="0">
+                            <a:pos x="connsiteX39" y="connsiteY39"/>
+                          </a:cxn>
+                          <a:cxn ang="0">
+                            <a:pos x="connsiteX40" y="connsiteY40"/>
+                          </a:cxn>
+                          <a:cxn ang="0">
+                            <a:pos x="connsiteX41" y="connsiteY41"/>
+                          </a:cxn>
+                          <a:cxn ang="0">
+                            <a:pos x="connsiteX42" y="connsiteY42"/>
+                          </a:cxn>
+                          <a:cxn ang="0">
+                            <a:pos x="connsiteX43" y="connsiteY43"/>
+                          </a:cxn>
+                          <a:cxn ang="0">
+                            <a:pos x="connsiteX44" y="connsiteY44"/>
+                          </a:cxn>
+                          <a:cxn ang="0">
+                            <a:pos x="connsiteX45" y="connsiteY45"/>
+                          </a:cxn>
+                          <a:cxn ang="0">
+                            <a:pos x="connsiteX46" y="connsiteY46"/>
+                          </a:cxn>
+                          <a:cxn ang="0">
+                            <a:pos x="connsiteX47" y="connsiteY47"/>
+                          </a:cxn>
+                          <a:cxn ang="0">
+                            <a:pos x="connsiteX48" y="connsiteY48"/>
+                          </a:cxn>
+                          <a:cxn ang="0">
+                            <a:pos x="connsiteX49" y="connsiteY49"/>
+                          </a:cxn>
+                          <a:cxn ang="0">
+                            <a:pos x="connsiteX50" y="connsiteY50"/>
+                          </a:cxn>
+                          <a:cxn ang="0">
+                            <a:pos x="connsiteX51" y="connsiteY51"/>
+                          </a:cxn>
+                          <a:cxn ang="0">
+                            <a:pos x="connsiteX52" y="connsiteY52"/>
+                          </a:cxn>
+                          <a:cxn ang="0">
+                            <a:pos x="connsiteX53" y="connsiteY53"/>
+                          </a:cxn>
+                          <a:cxn ang="0">
+                            <a:pos x="connsiteX54" y="connsiteY54"/>
+                          </a:cxn>
+                          <a:cxn ang="0">
+                            <a:pos x="connsiteX55" y="connsiteY55"/>
+                          </a:cxn>
+                          <a:cxn ang="0">
+                            <a:pos x="connsiteX56" y="connsiteY56"/>
+                          </a:cxn>
+                          <a:cxn ang="0">
+                            <a:pos x="connsiteX57" y="connsiteY57"/>
+                          </a:cxn>
+                          <a:cxn ang="0">
+                            <a:pos x="connsiteX58" y="connsiteY58"/>
+                          </a:cxn>
+                          <a:cxn ang="0">
+                            <a:pos x="connsiteX59" y="connsiteY59"/>
+                          </a:cxn>
+                          <a:cxn ang="0">
+                            <a:pos x="connsiteX60" y="connsiteY60"/>
+                          </a:cxn>
+                          <a:cxn ang="0">
+                            <a:pos x="connsiteX61" y="connsiteY61"/>
+                          </a:cxn>
+                          <a:cxn ang="0">
+                            <a:pos x="connsiteX62" y="connsiteY62"/>
+                          </a:cxn>
+                          <a:cxn ang="0">
+                            <a:pos x="connsiteX63" y="connsiteY63"/>
+                          </a:cxn>
+                          <a:cxn ang="0">
+                            <a:pos x="connsiteX64" y="connsiteY64"/>
+                          </a:cxn>
+                        </a:cxnLst>
+                        <a:rect l="l" t="t" r="r" b="b"/>
+                        <a:pathLst>
+                          <a:path w="12834730" h="3650358" fill="none" extrusionOk="0">
+                            <a:moveTo>
+                              <a:pt x="0" y="0"/>
+                            </a:moveTo>
+                            <a:cubicBezTo>
+                              <a:pt x="187101" y="-33231"/>
+                              <a:pt x="300681" y="36064"/>
+                              <a:pt x="455050" y="0"/>
+                            </a:cubicBezTo>
+                            <a:cubicBezTo>
+                              <a:pt x="609419" y="-36064"/>
+                              <a:pt x="1116647" y="57747"/>
+                              <a:pt x="1295141" y="0"/>
+                            </a:cubicBezTo>
+                            <a:cubicBezTo>
+                              <a:pt x="1473635" y="-57747"/>
+                              <a:pt x="1816855" y="86487"/>
+                              <a:pt x="2135232" y="0"/>
+                            </a:cubicBezTo>
+                            <a:cubicBezTo>
+                              <a:pt x="2453609" y="-86487"/>
+                              <a:pt x="2529496" y="64609"/>
+                              <a:pt x="2846976" y="0"/>
+                            </a:cubicBezTo>
+                            <a:cubicBezTo>
+                              <a:pt x="3164456" y="-64609"/>
+                              <a:pt x="3147629" y="25225"/>
+                              <a:pt x="3302026" y="0"/>
+                            </a:cubicBezTo>
+                            <a:cubicBezTo>
+                              <a:pt x="3456423" y="-25225"/>
+                              <a:pt x="3438874" y="8750"/>
+                              <a:pt x="3500381" y="0"/>
+                            </a:cubicBezTo>
+                            <a:cubicBezTo>
+                              <a:pt x="3561888" y="-8750"/>
+                              <a:pt x="3741651" y="46794"/>
+                              <a:pt x="3955430" y="0"/>
+                            </a:cubicBezTo>
+                            <a:cubicBezTo>
+                              <a:pt x="4169209" y="-46794"/>
+                              <a:pt x="4487023" y="36933"/>
+                              <a:pt x="4667175" y="0"/>
+                            </a:cubicBezTo>
+                            <a:cubicBezTo>
+                              <a:pt x="4847328" y="-36933"/>
+                              <a:pt x="5113054" y="29528"/>
+                              <a:pt x="5507266" y="0"/>
+                            </a:cubicBezTo>
+                            <a:cubicBezTo>
+                              <a:pt x="5901478" y="-29528"/>
+                              <a:pt x="5644451" y="9508"/>
+                              <a:pt x="5705621" y="0"/>
+                            </a:cubicBezTo>
+                            <a:cubicBezTo>
+                              <a:pt x="5766792" y="-9508"/>
+                              <a:pt x="5834415" y="11401"/>
+                              <a:pt x="5903976" y="0"/>
+                            </a:cubicBezTo>
+                            <a:cubicBezTo>
+                              <a:pt x="5973538" y="-11401"/>
+                              <a:pt x="6489379" y="22215"/>
+                              <a:pt x="6744067" y="0"/>
+                            </a:cubicBezTo>
+                            <a:cubicBezTo>
+                              <a:pt x="6998755" y="-22215"/>
+                              <a:pt x="6891244" y="22863"/>
+                              <a:pt x="6942422" y="0"/>
+                            </a:cubicBezTo>
+                            <a:cubicBezTo>
+                              <a:pt x="6993601" y="-22863"/>
+                              <a:pt x="7280606" y="54753"/>
+                              <a:pt x="7525819" y="0"/>
+                            </a:cubicBezTo>
+                            <a:cubicBezTo>
+                              <a:pt x="7771032" y="-54753"/>
+                              <a:pt x="7775496" y="9262"/>
+                              <a:pt x="7852521" y="0"/>
+                            </a:cubicBezTo>
+                            <a:cubicBezTo>
+                              <a:pt x="7929546" y="-9262"/>
+                              <a:pt x="8037895" y="21868"/>
+                              <a:pt x="8179223" y="0"/>
+                            </a:cubicBezTo>
+                            <a:cubicBezTo>
+                              <a:pt x="8320551" y="-21868"/>
+                              <a:pt x="8376804" y="37983"/>
+                              <a:pt x="8505926" y="0"/>
+                            </a:cubicBezTo>
+                            <a:cubicBezTo>
+                              <a:pt x="8635048" y="-37983"/>
+                              <a:pt x="8748679" y="12253"/>
+                              <a:pt x="8832628" y="0"/>
+                            </a:cubicBezTo>
+                            <a:cubicBezTo>
+                              <a:pt x="8916577" y="-12253"/>
+                              <a:pt x="9181327" y="39388"/>
+                              <a:pt x="9287677" y="0"/>
+                            </a:cubicBezTo>
+                            <a:cubicBezTo>
+                              <a:pt x="9394027" y="-39388"/>
+                              <a:pt x="9528982" y="31443"/>
+                              <a:pt x="9614380" y="0"/>
+                            </a:cubicBezTo>
+                            <a:cubicBezTo>
+                              <a:pt x="9699778" y="-31443"/>
+                              <a:pt x="9887998" y="40985"/>
+                              <a:pt x="10069429" y="0"/>
+                            </a:cubicBezTo>
+                            <a:cubicBezTo>
+                              <a:pt x="10250860" y="-40985"/>
+                              <a:pt x="10511577" y="65744"/>
+                              <a:pt x="10781173" y="0"/>
+                            </a:cubicBezTo>
+                            <a:cubicBezTo>
+                              <a:pt x="11050769" y="-65744"/>
+                              <a:pt x="10979711" y="15420"/>
+                              <a:pt x="11107875" y="0"/>
+                            </a:cubicBezTo>
+                            <a:cubicBezTo>
+                              <a:pt x="11236039" y="-15420"/>
+                              <a:pt x="11212703" y="12906"/>
+                              <a:pt x="11306230" y="0"/>
+                            </a:cubicBezTo>
+                            <a:cubicBezTo>
+                              <a:pt x="11399757" y="-12906"/>
+                              <a:pt x="11757743" y="1836"/>
+                              <a:pt x="12146322" y="0"/>
+                            </a:cubicBezTo>
+                            <a:cubicBezTo>
+                              <a:pt x="12534901" y="-1836"/>
+                              <a:pt x="12606756" y="76233"/>
+                              <a:pt x="12834730" y="0"/>
+                            </a:cubicBezTo>
+                            <a:cubicBezTo>
+                              <a:pt x="12866231" y="222844"/>
+                              <a:pt x="12802371" y="278292"/>
+                              <a:pt x="12834730" y="521480"/>
+                            </a:cubicBezTo>
+                            <a:cubicBezTo>
+                              <a:pt x="12867089" y="764668"/>
+                              <a:pt x="12803540" y="761784"/>
+                              <a:pt x="12834730" y="969952"/>
+                            </a:cubicBezTo>
+                            <a:cubicBezTo>
+                              <a:pt x="12865920" y="1178120"/>
+                              <a:pt x="12785944" y="1234715"/>
+                              <a:pt x="12834730" y="1491432"/>
+                            </a:cubicBezTo>
+                            <a:cubicBezTo>
+                              <a:pt x="12883516" y="1748149"/>
+                              <a:pt x="12784754" y="1914895"/>
+                              <a:pt x="12834730" y="2049415"/>
+                            </a:cubicBezTo>
+                            <a:cubicBezTo>
+                              <a:pt x="12884706" y="2183935"/>
+                              <a:pt x="12831618" y="2325872"/>
+                              <a:pt x="12834730" y="2534391"/>
+                            </a:cubicBezTo>
+                            <a:cubicBezTo>
+                              <a:pt x="12837842" y="2742910"/>
+                              <a:pt x="12791485" y="2762283"/>
+                              <a:pt x="12834730" y="2982864"/>
+                            </a:cubicBezTo>
+                            <a:cubicBezTo>
+                              <a:pt x="12877975" y="3203445"/>
+                              <a:pt x="12822305" y="3499161"/>
+                              <a:pt x="12834730" y="3650358"/>
+                            </a:cubicBezTo>
+                            <a:cubicBezTo>
+                              <a:pt x="12674186" y="3720385"/>
+                              <a:pt x="12306758" y="3633591"/>
+                              <a:pt x="12122986" y="3650358"/>
+                            </a:cubicBezTo>
+                            <a:cubicBezTo>
+                              <a:pt x="11939214" y="3667125"/>
+                              <a:pt x="11869049" y="3620234"/>
+                              <a:pt x="11796284" y="3650358"/>
+                            </a:cubicBezTo>
+                            <a:cubicBezTo>
+                              <a:pt x="11723519" y="3680482"/>
+                              <a:pt x="11566425" y="3617988"/>
+                              <a:pt x="11469581" y="3650358"/>
+                            </a:cubicBezTo>
+                            <a:cubicBezTo>
+                              <a:pt x="11372737" y="3682728"/>
+                              <a:pt x="10823900" y="3642534"/>
+                              <a:pt x="10629490" y="3650358"/>
+                            </a:cubicBezTo>
+                            <a:cubicBezTo>
+                              <a:pt x="10435080" y="3658182"/>
+                              <a:pt x="10005614" y="3591774"/>
+                              <a:pt x="9789399" y="3650358"/>
+                            </a:cubicBezTo>
+                            <a:cubicBezTo>
+                              <a:pt x="9573184" y="3708942"/>
+                              <a:pt x="9409714" y="3595695"/>
+                              <a:pt x="9206002" y="3650358"/>
+                            </a:cubicBezTo>
+                            <a:cubicBezTo>
+                              <a:pt x="9002290" y="3705021"/>
+                              <a:pt x="9048327" y="3648133"/>
+                              <a:pt x="9007647" y="3650358"/>
+                            </a:cubicBezTo>
+                            <a:cubicBezTo>
+                              <a:pt x="8966968" y="3652583"/>
+                              <a:pt x="8862653" y="3646237"/>
+                              <a:pt x="8809292" y="3650358"/>
+                            </a:cubicBezTo>
+                            <a:cubicBezTo>
+                              <a:pt x="8755932" y="3654479"/>
+                              <a:pt x="8218591" y="3643113"/>
+                              <a:pt x="7969201" y="3650358"/>
+                            </a:cubicBezTo>
+                            <a:cubicBezTo>
+                              <a:pt x="7719811" y="3657603"/>
+                              <a:pt x="7682944" y="3618471"/>
+                              <a:pt x="7514151" y="3650358"/>
+                            </a:cubicBezTo>
+                            <a:cubicBezTo>
+                              <a:pt x="7345358" y="3682245"/>
+                              <a:pt x="6998873" y="3645478"/>
+                              <a:pt x="6674060" y="3650358"/>
+                            </a:cubicBezTo>
+                            <a:cubicBezTo>
+                              <a:pt x="6349247" y="3655238"/>
+                              <a:pt x="6308327" y="3581559"/>
+                              <a:pt x="6090663" y="3650358"/>
+                            </a:cubicBezTo>
+                            <a:cubicBezTo>
+                              <a:pt x="5872999" y="3719157"/>
+                              <a:pt x="5935706" y="3646236"/>
+                              <a:pt x="5892308" y="3650358"/>
+                            </a:cubicBezTo>
+                            <a:cubicBezTo>
+                              <a:pt x="5848910" y="3654480"/>
+                              <a:pt x="5645743" y="3634886"/>
+                              <a:pt x="5565606" y="3650358"/>
+                            </a:cubicBezTo>
+                            <a:cubicBezTo>
+                              <a:pt x="5485469" y="3665830"/>
+                              <a:pt x="5289240" y="3649758"/>
+                              <a:pt x="5110556" y="3650358"/>
+                            </a:cubicBezTo>
+                            <a:cubicBezTo>
+                              <a:pt x="4931872" y="3650958"/>
+                              <a:pt x="4753021" y="3606902"/>
+                              <a:pt x="4398812" y="3650358"/>
+                            </a:cubicBezTo>
+                            <a:cubicBezTo>
+                              <a:pt x="4044603" y="3693814"/>
+                              <a:pt x="3910097" y="3583308"/>
+                              <a:pt x="3687068" y="3650358"/>
+                            </a:cubicBezTo>
+                            <a:cubicBezTo>
+                              <a:pt x="3464039" y="3717408"/>
+                              <a:pt x="3256712" y="3605454"/>
+                              <a:pt x="3103671" y="3650358"/>
+                            </a:cubicBezTo>
+                            <a:cubicBezTo>
+                              <a:pt x="2950630" y="3695262"/>
+                              <a:pt x="2875864" y="3640431"/>
+                              <a:pt x="2648622" y="3650358"/>
+                            </a:cubicBezTo>
+                            <a:cubicBezTo>
+                              <a:pt x="2421380" y="3660285"/>
+                              <a:pt x="2092312" y="3648748"/>
+                              <a:pt x="1808530" y="3650358"/>
+                            </a:cubicBezTo>
+                            <a:cubicBezTo>
+                              <a:pt x="1524748" y="3651968"/>
+                              <a:pt x="1482407" y="3625002"/>
+                              <a:pt x="1225133" y="3650358"/>
+                            </a:cubicBezTo>
+                            <a:cubicBezTo>
+                              <a:pt x="967859" y="3675714"/>
+                              <a:pt x="964026" y="3635174"/>
+                              <a:pt x="898431" y="3650358"/>
+                            </a:cubicBezTo>
+                            <a:cubicBezTo>
+                              <a:pt x="832836" y="3665542"/>
+                              <a:pt x="709758" y="3644588"/>
+                              <a:pt x="571729" y="3650358"/>
+                            </a:cubicBezTo>
+                            <a:cubicBezTo>
+                              <a:pt x="433700" y="3656128"/>
+                              <a:pt x="249549" y="3588009"/>
+                              <a:pt x="0" y="3650358"/>
+                            </a:cubicBezTo>
+                            <a:cubicBezTo>
+                              <a:pt x="-12196" y="3531284"/>
+                              <a:pt x="33482" y="3368617"/>
+                              <a:pt x="0" y="3128878"/>
+                            </a:cubicBezTo>
+                            <a:cubicBezTo>
+                              <a:pt x="-33482" y="2889139"/>
+                              <a:pt x="29282" y="2814752"/>
+                              <a:pt x="0" y="2643902"/>
+                            </a:cubicBezTo>
+                            <a:cubicBezTo>
+                              <a:pt x="-29282" y="2473052"/>
+                              <a:pt x="47389" y="2310038"/>
+                              <a:pt x="0" y="2195430"/>
+                            </a:cubicBezTo>
+                            <a:cubicBezTo>
+                              <a:pt x="-47389" y="2080822"/>
+                              <a:pt x="62010" y="1904427"/>
+                              <a:pt x="0" y="1637446"/>
+                            </a:cubicBezTo>
+                            <a:cubicBezTo>
+                              <a:pt x="-62010" y="1370465"/>
+                              <a:pt x="63765" y="1272914"/>
+                              <a:pt x="0" y="1079463"/>
+                            </a:cubicBezTo>
+                            <a:cubicBezTo>
+                              <a:pt x="-63765" y="886012"/>
+                              <a:pt x="60401" y="726913"/>
+                              <a:pt x="0" y="521480"/>
+                            </a:cubicBezTo>
+                            <a:cubicBezTo>
+                              <a:pt x="-60401" y="316047"/>
+                              <a:pt x="25853" y="139281"/>
+                              <a:pt x="0" y="0"/>
+                            </a:cubicBezTo>
+                            <a:close/>
+                          </a:path>
+                          <a:path w="12834730" h="3650358" stroke="0" extrusionOk="0">
+                            <a:moveTo>
+                              <a:pt x="0" y="0"/>
+                            </a:moveTo>
+                            <a:cubicBezTo>
+                              <a:pt x="219931" y="-25111"/>
+                              <a:pt x="312873" y="25679"/>
+                              <a:pt x="455050" y="0"/>
+                            </a:cubicBezTo>
+                            <a:cubicBezTo>
+                              <a:pt x="597227" y="-25679"/>
+                              <a:pt x="584989" y="20266"/>
+                              <a:pt x="653404" y="0"/>
+                            </a:cubicBezTo>
+                            <a:cubicBezTo>
+                              <a:pt x="721819" y="-20266"/>
+                              <a:pt x="1219162" y="47838"/>
+                              <a:pt x="1493496" y="0"/>
+                            </a:cubicBezTo>
+                            <a:cubicBezTo>
+                              <a:pt x="1767830" y="-47838"/>
+                              <a:pt x="1804920" y="41666"/>
+                              <a:pt x="1948545" y="0"/>
+                            </a:cubicBezTo>
+                            <a:cubicBezTo>
+                              <a:pt x="2092170" y="-41666"/>
+                              <a:pt x="2277394" y="23995"/>
+                              <a:pt x="2403595" y="0"/>
+                            </a:cubicBezTo>
+                            <a:cubicBezTo>
+                              <a:pt x="2529796" y="-23995"/>
+                              <a:pt x="3019980" y="6074"/>
+                              <a:pt x="3243686" y="0"/>
+                            </a:cubicBezTo>
+                            <a:cubicBezTo>
+                              <a:pt x="3467392" y="-6074"/>
+                              <a:pt x="3484452" y="23340"/>
+                              <a:pt x="3570389" y="0"/>
+                            </a:cubicBezTo>
+                            <a:cubicBezTo>
+                              <a:pt x="3656326" y="-23340"/>
+                              <a:pt x="4055742" y="79002"/>
+                              <a:pt x="4410480" y="0"/>
+                            </a:cubicBezTo>
+                            <a:cubicBezTo>
+                              <a:pt x="4765218" y="-79002"/>
+                              <a:pt x="5040373" y="96240"/>
+                              <a:pt x="5250571" y="0"/>
+                            </a:cubicBezTo>
+                            <a:cubicBezTo>
+                              <a:pt x="5460769" y="-96240"/>
+                              <a:pt x="5572697" y="22755"/>
+                              <a:pt x="5833968" y="0"/>
+                            </a:cubicBezTo>
+                            <a:cubicBezTo>
+                              <a:pt x="6095239" y="-22755"/>
+                              <a:pt x="6450383" y="85723"/>
+                              <a:pt x="6674060" y="0"/>
+                            </a:cubicBezTo>
+                            <a:cubicBezTo>
+                              <a:pt x="6897737" y="-85723"/>
+                              <a:pt x="6944432" y="39061"/>
+                              <a:pt x="7129109" y="0"/>
+                            </a:cubicBezTo>
+                            <a:cubicBezTo>
+                              <a:pt x="7313786" y="-39061"/>
+                              <a:pt x="7387956" y="4998"/>
+                              <a:pt x="7584159" y="0"/>
+                            </a:cubicBezTo>
+                            <a:cubicBezTo>
+                              <a:pt x="7780362" y="-4998"/>
+                              <a:pt x="7980444" y="19162"/>
+                              <a:pt x="8295903" y="0"/>
+                            </a:cubicBezTo>
+                            <a:cubicBezTo>
+                              <a:pt x="8611362" y="-19162"/>
+                              <a:pt x="8645862" y="28686"/>
+                              <a:pt x="8750952" y="0"/>
+                            </a:cubicBezTo>
+                            <a:cubicBezTo>
+                              <a:pt x="8856042" y="-28686"/>
+                              <a:pt x="9288334" y="24600"/>
+                              <a:pt x="9591044" y="0"/>
+                            </a:cubicBezTo>
+                            <a:cubicBezTo>
+                              <a:pt x="9893754" y="-24600"/>
+                              <a:pt x="10134886" y="98039"/>
+                              <a:pt x="10431135" y="0"/>
+                            </a:cubicBezTo>
+                            <a:cubicBezTo>
+                              <a:pt x="10727384" y="-98039"/>
+                              <a:pt x="10736172" y="28452"/>
+                              <a:pt x="11014532" y="0"/>
+                            </a:cubicBezTo>
+                            <a:cubicBezTo>
+                              <a:pt x="11292892" y="-28452"/>
+                              <a:pt x="11376755" y="28757"/>
+                              <a:pt x="11469581" y="0"/>
+                            </a:cubicBezTo>
+                            <a:cubicBezTo>
+                              <a:pt x="11562407" y="-28757"/>
+                              <a:pt x="11595118" y="21409"/>
+                              <a:pt x="11667936" y="0"/>
+                            </a:cubicBezTo>
+                            <a:cubicBezTo>
+                              <a:pt x="11740755" y="-21409"/>
+                              <a:pt x="11879457" y="3042"/>
+                              <a:pt x="11994639" y="0"/>
+                            </a:cubicBezTo>
+                            <a:cubicBezTo>
+                              <a:pt x="12109821" y="-3042"/>
+                              <a:pt x="12159923" y="6101"/>
+                              <a:pt x="12321341" y="0"/>
+                            </a:cubicBezTo>
+                            <a:cubicBezTo>
+                              <a:pt x="12482759" y="-6101"/>
+                              <a:pt x="12720083" y="56534"/>
+                              <a:pt x="12834730" y="0"/>
+                            </a:cubicBezTo>
+                            <a:cubicBezTo>
+                              <a:pt x="12869647" y="271601"/>
+                              <a:pt x="12792752" y="436945"/>
+                              <a:pt x="12834730" y="594487"/>
+                            </a:cubicBezTo>
+                            <a:cubicBezTo>
+                              <a:pt x="12876708" y="752029"/>
+                              <a:pt x="12807941" y="888505"/>
+                              <a:pt x="12834730" y="1152470"/>
+                            </a:cubicBezTo>
+                            <a:cubicBezTo>
+                              <a:pt x="12861519" y="1416435"/>
+                              <a:pt x="12793097" y="1529429"/>
+                              <a:pt x="12834730" y="1673950"/>
+                            </a:cubicBezTo>
+                            <a:cubicBezTo>
+                              <a:pt x="12876363" y="1818471"/>
+                              <a:pt x="12794069" y="2067290"/>
+                              <a:pt x="12834730" y="2195430"/>
+                            </a:cubicBezTo>
+                            <a:cubicBezTo>
+                              <a:pt x="12875391" y="2323570"/>
+                              <a:pt x="12825349" y="2523507"/>
+                              <a:pt x="12834730" y="2789916"/>
+                            </a:cubicBezTo>
+                            <a:cubicBezTo>
+                              <a:pt x="12844111" y="3056325"/>
+                              <a:pt x="12833275" y="3368622"/>
+                              <a:pt x="12834730" y="3650358"/>
+                            </a:cubicBezTo>
+                            <a:cubicBezTo>
+                              <a:pt x="12780374" y="3665179"/>
+                              <a:pt x="12712879" y="3627686"/>
+                              <a:pt x="12636375" y="3650358"/>
+                            </a:cubicBezTo>
+                            <a:cubicBezTo>
+                              <a:pt x="12559871" y="3673030"/>
+                              <a:pt x="12147845" y="3612976"/>
+                              <a:pt x="11924631" y="3650358"/>
+                            </a:cubicBezTo>
+                            <a:cubicBezTo>
+                              <a:pt x="11701417" y="3687740"/>
+                              <a:pt x="11766823" y="3632553"/>
+                              <a:pt x="11726276" y="3650358"/>
+                            </a:cubicBezTo>
+                            <a:cubicBezTo>
+                              <a:pt x="11685730" y="3668163"/>
+                              <a:pt x="11298144" y="3613082"/>
+                              <a:pt x="11014532" y="3650358"/>
+                            </a:cubicBezTo>
+                            <a:cubicBezTo>
+                              <a:pt x="10730920" y="3687634"/>
+                              <a:pt x="10782151" y="3648736"/>
+                              <a:pt x="10687830" y="3650358"/>
+                            </a:cubicBezTo>
+                            <a:cubicBezTo>
+                              <a:pt x="10593509" y="3651980"/>
+                              <a:pt x="10556506" y="3639098"/>
+                              <a:pt x="10489475" y="3650358"/>
+                            </a:cubicBezTo>
+                            <a:cubicBezTo>
+                              <a:pt x="10422444" y="3661618"/>
+                              <a:pt x="10313373" y="3629744"/>
+                              <a:pt x="10162773" y="3650358"/>
+                            </a:cubicBezTo>
+                            <a:cubicBezTo>
+                              <a:pt x="10012173" y="3670972"/>
+                              <a:pt x="9729588" y="3627204"/>
+                              <a:pt x="9451028" y="3650358"/>
+                            </a:cubicBezTo>
+                            <a:cubicBezTo>
+                              <a:pt x="9172468" y="3673512"/>
+                              <a:pt x="9253013" y="3645388"/>
+                              <a:pt x="9124326" y="3650358"/>
+                            </a:cubicBezTo>
+                            <a:cubicBezTo>
+                              <a:pt x="8995639" y="3655328"/>
+                              <a:pt x="8991529" y="3639006"/>
+                              <a:pt x="8925971" y="3650358"/>
+                            </a:cubicBezTo>
+                            <a:cubicBezTo>
+                              <a:pt x="8860413" y="3661710"/>
+                              <a:pt x="8759422" y="3630195"/>
+                              <a:pt x="8599269" y="3650358"/>
+                            </a:cubicBezTo>
+                            <a:cubicBezTo>
+                              <a:pt x="8439116" y="3670521"/>
+                              <a:pt x="8338115" y="3639248"/>
+                              <a:pt x="8144220" y="3650358"/>
+                            </a:cubicBezTo>
+                            <a:cubicBezTo>
+                              <a:pt x="7950325" y="3661468"/>
+                              <a:pt x="7835031" y="3639277"/>
+                              <a:pt x="7560823" y="3650358"/>
+                            </a:cubicBezTo>
+                            <a:cubicBezTo>
+                              <a:pt x="7286615" y="3661439"/>
+                              <a:pt x="7336416" y="3624729"/>
+                              <a:pt x="7234121" y="3650358"/>
+                            </a:cubicBezTo>
+                            <a:cubicBezTo>
+                              <a:pt x="7131826" y="3675987"/>
+                              <a:pt x="6613828" y="3627848"/>
+                              <a:pt x="6394029" y="3650358"/>
+                            </a:cubicBezTo>
+                            <a:cubicBezTo>
+                              <a:pt x="6174230" y="3672868"/>
+                              <a:pt x="6013704" y="3644746"/>
+                              <a:pt x="5810632" y="3650358"/>
+                            </a:cubicBezTo>
+                            <a:cubicBezTo>
+                              <a:pt x="5607560" y="3655970"/>
+                              <a:pt x="5304880" y="3618895"/>
+                              <a:pt x="4970541" y="3650358"/>
+                            </a:cubicBezTo>
+                            <a:cubicBezTo>
+                              <a:pt x="4636202" y="3681821"/>
+                              <a:pt x="4594531" y="3599570"/>
+                              <a:pt x="4258797" y="3650358"/>
+                            </a:cubicBezTo>
+                            <a:cubicBezTo>
+                              <a:pt x="3923063" y="3701146"/>
+                              <a:pt x="3926513" y="3642201"/>
+                              <a:pt x="3803747" y="3650358"/>
+                            </a:cubicBezTo>
+                            <a:cubicBezTo>
+                              <a:pt x="3680981" y="3658515"/>
+                              <a:pt x="3276328" y="3606958"/>
+                              <a:pt x="3092003" y="3650358"/>
+                            </a:cubicBezTo>
+                            <a:cubicBezTo>
+                              <a:pt x="2907678" y="3693758"/>
+                              <a:pt x="2904591" y="3618689"/>
+                              <a:pt x="2765301" y="3650358"/>
+                            </a:cubicBezTo>
+                            <a:cubicBezTo>
+                              <a:pt x="2626011" y="3682027"/>
+                              <a:pt x="2429246" y="3621844"/>
+                              <a:pt x="2181904" y="3650358"/>
+                            </a:cubicBezTo>
+                            <a:cubicBezTo>
+                              <a:pt x="1934562" y="3678872"/>
+                              <a:pt x="2057796" y="3636977"/>
+                              <a:pt x="1983549" y="3650358"/>
+                            </a:cubicBezTo>
+                            <a:cubicBezTo>
+                              <a:pt x="1909302" y="3663739"/>
+                              <a:pt x="1323458" y="3609295"/>
+                              <a:pt x="1143458" y="3650358"/>
+                            </a:cubicBezTo>
+                            <a:cubicBezTo>
+                              <a:pt x="963458" y="3691421"/>
+                              <a:pt x="769241" y="3590236"/>
+                              <a:pt x="560061" y="3650358"/>
+                            </a:cubicBezTo>
+                            <a:cubicBezTo>
+                              <a:pt x="350881" y="3710480"/>
+                              <a:pt x="273983" y="3590358"/>
+                              <a:pt x="0" y="3650358"/>
+                            </a:cubicBezTo>
+                            <a:cubicBezTo>
+                              <a:pt x="-14262" y="3476687"/>
+                              <a:pt x="11639" y="3350553"/>
+                              <a:pt x="0" y="3165382"/>
+                            </a:cubicBezTo>
+                            <a:cubicBezTo>
+                              <a:pt x="-11639" y="2980211"/>
+                              <a:pt x="50463" y="2810794"/>
+                              <a:pt x="0" y="2716909"/>
+                            </a:cubicBezTo>
+                            <a:cubicBezTo>
+                              <a:pt x="-50463" y="2623024"/>
+                              <a:pt x="56673" y="2320038"/>
+                              <a:pt x="0" y="2122422"/>
+                            </a:cubicBezTo>
+                            <a:cubicBezTo>
+                              <a:pt x="-56673" y="1924806"/>
+                              <a:pt x="31070" y="1815528"/>
+                              <a:pt x="0" y="1600943"/>
+                            </a:cubicBezTo>
+                            <a:cubicBezTo>
+                              <a:pt x="-31070" y="1386358"/>
+                              <a:pt x="6791" y="1394388"/>
+                              <a:pt x="0" y="1188974"/>
+                            </a:cubicBezTo>
+                            <a:cubicBezTo>
+                              <a:pt x="-6791" y="983560"/>
+                              <a:pt x="48050" y="848881"/>
+                              <a:pt x="0" y="667494"/>
+                            </a:cubicBezTo>
+                            <a:cubicBezTo>
+                              <a:pt x="-48050" y="486107"/>
+                              <a:pt x="61179" y="269337"/>
+                              <a:pt x="0" y="0"/>
+                            </a:cubicBezTo>
+                            <a:close/>
+                          </a:path>
+                        </a:pathLst>
+                      </a:custGeom>
+                      <ask:type>
+                        <ask:lineSketchScribble/>
+                      </ask:type>
+                    </ask:lineSketchStyleProps>
+                  </a:ext>
+                </a:extLst>
+              </a:ln>
+            </p:spPr>
+            <p:txBody>
+              <a:bodyPr/>
+              <a:lstStyle/>
+              <a:p>
+                <a:r>
+                  <a:rPr lang="en-US">
+                    <a:noFill/>
+                  </a:rPr>
+                  <a:t> </a:t>
+                </a:r>
+              </a:p>
+            </p:txBody>
+          </p:sp>
+        </mc:Fallback>
+      </mc:AlternateContent>
+    </p:spTree>
+    <p:extLst>
+      <p:ext uri="{BB962C8B-B14F-4D97-AF65-F5344CB8AC3E}">
+        <p14:creationId xmlns:p14="http://schemas.microsoft.com/office/powerpoint/2010/main" val="2776840944"/>
+      </p:ext>
+    </p:extLst>
+  </p:cSld>
+  <p:clrMapOvr>
+    <a:masterClrMapping/>
+  </p:clrMapOvr>
+</p:sld>
+</file>
+
+<file path=ppt/slides/slide36.xml><?xml version="1.0" encoding="utf-8"?>
+<p:sld xmlns:a="http://schemas.openxmlformats.org/drawingml/2006/main" xmlns:r="http://schemas.openxmlformats.org/officeDocument/2006/relationships" xmlns:p="http://schemas.openxmlformats.org/presentationml/2006/main">
+  <p:cSld>
+    <p:spTree>
+      <p:nvGrpSpPr>
         <p:cNvPr id="1" name=""/>
         <p:cNvGrpSpPr/>
         <p:nvPr/>
@@ -34465,7 +40270,7 @@
 </p:sld>
 </file>
 
-<file path=ppt/slides/slide36.xml><?xml version="1.0" encoding="utf-8"?>
+<file path=ppt/slides/slide37.xml><?xml version="1.0" encoding="utf-8"?>
 <p:sld xmlns:a="http://schemas.openxmlformats.org/drawingml/2006/main" xmlns:r="http://schemas.openxmlformats.org/officeDocument/2006/relationships" xmlns:p="http://schemas.openxmlformats.org/presentationml/2006/main">
   <p:cSld>
     <p:spTree>
@@ -38490,8 +44295,8 @@
           </a:p>
         </p:txBody>
       </p:sp>
-      <mc:AlternateContent xmlns:mc="http://schemas.openxmlformats.org/markup-compatibility/2006">
-        <mc:Choice xmlns:a14="http://schemas.microsoft.com/office/drawing/2010/main" Requires="a14">
+      <mc:AlternateContent xmlns:mc="http://schemas.openxmlformats.org/markup-compatibility/2006" xmlns:a14="http://schemas.microsoft.com/office/drawing/2010/main">
+        <mc:Choice Requires="a14">
           <p:sp>
             <p:nvSpPr>
               <p:cNvPr id="3" name="Content Placeholder 2">
@@ -38669,7 +44474,7 @@
             </p:txBody>
           </p:sp>
         </mc:Choice>
-        <mc:Fallback>
+        <mc:Fallback xmlns="">
           <p:sp>
             <p:nvSpPr>
               <p:cNvPr id="3" name="Content Placeholder 2">
